--- a/Projetos de Software/Aula 11 - Herança e Porfimorfismo/Herança e Porlimosfismo.pptx
+++ b/Projetos de Software/Aula 11 - Herança e Porfimorfismo/Herança e Porlimosfismo.pptx
@@ -5,7 +5,7 @@
     <p:sldMasterId id="2147483677" r:id="rId1"/>
   </p:sldMasterIdLst>
   <p:notesMasterIdLst>
-    <p:notesMasterId r:id="rId15"/>
+    <p:notesMasterId r:id="rId10"/>
   </p:notesMasterIdLst>
   <p:sldIdLst>
     <p:sldId id="256" r:id="rId2"/>
@@ -16,11 +16,6 @@
     <p:sldId id="261" r:id="rId7"/>
     <p:sldId id="262" r:id="rId8"/>
     <p:sldId id="263" r:id="rId9"/>
-    <p:sldId id="264" r:id="rId10"/>
-    <p:sldId id="265" r:id="rId11"/>
-    <p:sldId id="266" r:id="rId12"/>
-    <p:sldId id="267" r:id="rId13"/>
-    <p:sldId id="268" r:id="rId14"/>
   </p:sldIdLst>
   <p:sldSz cx="12192000" cy="6858000"/>
   <p:notesSz cx="6858000" cy="9144000"/>
@@ -232,7 +227,7 @@
           <a:p>
             <a:fld id="{FCBB45FB-FC1C-4893-B550-48C1193193C6}" type="datetimeFigureOut">
               <a:rPr lang="pt-BR" smtClean="0"/>
-              <a:t>05/03/2025</a:t>
+              <a:t>09/03/2025</a:t>
             </a:fld>
             <a:endParaRPr lang="pt-BR"/>
           </a:p>
@@ -935,7 +930,7 @@
           <a:p>
             <a:fld id="{CDD55C27-F8C6-4481-8569-CAC50CAE9F1F}" type="datetimeFigureOut">
               <a:rPr lang="pt-BR" smtClean="0"/>
-              <a:t>05/03/2025</a:t>
+              <a:t>09/03/2025</a:t>
             </a:fld>
             <a:endParaRPr lang="pt-BR"/>
           </a:p>
@@ -1434,7 +1429,7 @@
           <a:p>
             <a:fld id="{CDD55C27-F8C6-4481-8569-CAC50CAE9F1F}" type="datetimeFigureOut">
               <a:rPr lang="pt-BR" smtClean="0"/>
-              <a:t>05/03/2025</a:t>
+              <a:t>09/03/2025</a:t>
             </a:fld>
             <a:endParaRPr lang="pt-BR"/>
           </a:p>
@@ -1737,7 +1732,7 @@
           <a:p>
             <a:fld id="{CDD55C27-F8C6-4481-8569-CAC50CAE9F1F}" type="datetimeFigureOut">
               <a:rPr lang="pt-BR" smtClean="0"/>
-              <a:t>05/03/2025</a:t>
+              <a:t>09/03/2025</a:t>
             </a:fld>
             <a:endParaRPr lang="pt-BR"/>
           </a:p>
@@ -2188,7 +2183,7 @@
           <a:p>
             <a:fld id="{CDD55C27-F8C6-4481-8569-CAC50CAE9F1F}" type="datetimeFigureOut">
               <a:rPr lang="pt-BR" smtClean="0"/>
-              <a:t>05/03/2025</a:t>
+              <a:t>09/03/2025</a:t>
             </a:fld>
             <a:endParaRPr lang="pt-BR"/>
           </a:p>
@@ -2361,7 +2356,7 @@
           <a:p>
             <a:fld id="{CDD55C27-F8C6-4481-8569-CAC50CAE9F1F}" type="datetimeFigureOut">
               <a:rPr lang="pt-BR" smtClean="0"/>
-              <a:t>05/03/2025</a:t>
+              <a:t>09/03/2025</a:t>
             </a:fld>
             <a:endParaRPr lang="pt-BR"/>
           </a:p>
@@ -2498,7 +2493,7 @@
           <a:p>
             <a:fld id="{CDD55C27-F8C6-4481-8569-CAC50CAE9F1F}" type="datetimeFigureOut">
               <a:rPr lang="pt-BR" smtClean="0"/>
-              <a:t>05/03/2025</a:t>
+              <a:t>09/03/2025</a:t>
             </a:fld>
             <a:endParaRPr lang="pt-BR"/>
           </a:p>
@@ -2842,7 +2837,7 @@
           <a:p>
             <a:fld id="{CDD55C27-F8C6-4481-8569-CAC50CAE9F1F}" type="datetimeFigureOut">
               <a:rPr lang="pt-BR" smtClean="0"/>
-              <a:t>05/03/2025</a:t>
+              <a:t>09/03/2025</a:t>
             </a:fld>
             <a:endParaRPr lang="pt-BR"/>
           </a:p>
@@ -3163,7 +3158,7 @@
           <a:p>
             <a:fld id="{CDD55C27-F8C6-4481-8569-CAC50CAE9F1F}" type="datetimeFigureOut">
               <a:rPr lang="pt-BR" smtClean="0"/>
-              <a:t>05/03/2025</a:t>
+              <a:t>09/03/2025</a:t>
             </a:fld>
             <a:endParaRPr lang="pt-BR"/>
           </a:p>
@@ -3724,7 +3719,7 @@
           <a:p>
             <a:r>
               <a:rPr lang="pt-BR" sz="5400" dirty="0"/>
-              <a:t>Enumerações em Java</a:t>
+              <a:t>Herança e Polimorfismo</a:t>
             </a:r>
           </a:p>
         </p:txBody>
@@ -3761,1442 +3756,6 @@
     <p:extLst>
       <p:ext uri="{BB962C8B-B14F-4D97-AF65-F5344CB8AC3E}">
         <p14:creationId xmlns:p14="http://schemas.microsoft.com/office/powerpoint/2010/main" val="160591847"/>
-      </p:ext>
-    </p:extLst>
-  </p:cSld>
-  <p:clrMapOvr>
-    <a:masterClrMapping/>
-  </p:clrMapOvr>
-</p:sld>
-</file>
-
-<file path=ppt/slides/slide10.xml><?xml version="1.0" encoding="utf-8"?>
-<p:sld xmlns:a="http://schemas.openxmlformats.org/drawingml/2006/main" xmlns:r="http://schemas.openxmlformats.org/officeDocument/2006/relationships" xmlns:p="http://schemas.openxmlformats.org/presentationml/2006/main">
-  <p:cSld>
-    <p:spTree>
-      <p:nvGrpSpPr>
-        <p:cNvPr id="1" name=""/>
-        <p:cNvGrpSpPr/>
-        <p:nvPr/>
-      </p:nvGrpSpPr>
-      <p:grpSpPr>
-        <a:xfrm>
-          <a:off x="0" y="0"/>
-          <a:ext cx="0" cy="0"/>
-          <a:chOff x="0" y="0"/>
-          <a:chExt cx="0" cy="0"/>
-        </a:xfrm>
-      </p:grpSpPr>
-      <p:sp>
-        <p:nvSpPr>
-          <p:cNvPr id="2" name="Título 1">
-            <a:extLst>
-              <a:ext uri="{FF2B5EF4-FFF2-40B4-BE49-F238E27FC236}">
-                <a16:creationId xmlns:a16="http://schemas.microsoft.com/office/drawing/2014/main" id="{B4BABF9E-9D64-45E8-8D39-63D8C391F6F3}"/>
-              </a:ext>
-            </a:extLst>
-          </p:cNvPr>
-          <p:cNvSpPr>
-            <a:spLocks noGrp="1"/>
-          </p:cNvSpPr>
-          <p:nvPr>
-            <p:ph type="title"/>
-          </p:nvPr>
-        </p:nvSpPr>
-        <p:spPr/>
-        <p:txBody>
-          <a:bodyPr/>
-          <a:lstStyle/>
-          <a:p>
-            <a:r>
-              <a:rPr lang="pt-BR" dirty="0"/>
-              <a:t>Exemplo de Composição</a:t>
-            </a:r>
-          </a:p>
-        </p:txBody>
-      </p:sp>
-      <p:pic>
-        <p:nvPicPr>
-          <p:cNvPr id="11" name="Imagem 10">
-            <a:extLst>
-              <a:ext uri="{FF2B5EF4-FFF2-40B4-BE49-F238E27FC236}">
-                <a16:creationId xmlns:a16="http://schemas.microsoft.com/office/drawing/2014/main" id="{7E425C78-C3A8-427D-BCDB-05EFBB4B801B}"/>
-              </a:ext>
-            </a:extLst>
-          </p:cNvPr>
-          <p:cNvPicPr>
-            <a:picLocks noChangeAspect="1"/>
-          </p:cNvPicPr>
-          <p:nvPr/>
-        </p:nvPicPr>
-        <p:blipFill>
-          <a:blip r:embed="rId2"/>
-          <a:stretch>
-            <a:fillRect/>
-          </a:stretch>
-        </p:blipFill>
-        <p:spPr>
-          <a:xfrm>
-            <a:off x="749184" y="2319786"/>
-            <a:ext cx="2752725" cy="1504950"/>
-          </a:xfrm>
-          <a:prstGeom prst="rect">
-            <a:avLst/>
-          </a:prstGeom>
-        </p:spPr>
-      </p:pic>
-      <p:pic>
-        <p:nvPicPr>
-          <p:cNvPr id="12" name="Imagem 11">
-            <a:extLst>
-              <a:ext uri="{FF2B5EF4-FFF2-40B4-BE49-F238E27FC236}">
-                <a16:creationId xmlns:a16="http://schemas.microsoft.com/office/drawing/2014/main" id="{38555F4D-5505-4E30-99E1-D7233438384A}"/>
-              </a:ext>
-            </a:extLst>
-          </p:cNvPr>
-          <p:cNvPicPr>
-            <a:picLocks noChangeAspect="1"/>
-          </p:cNvPicPr>
-          <p:nvPr/>
-        </p:nvPicPr>
-        <p:blipFill>
-          <a:blip r:embed="rId3"/>
-          <a:stretch>
-            <a:fillRect/>
-          </a:stretch>
-        </p:blipFill>
-        <p:spPr>
-          <a:xfrm>
-            <a:off x="749185" y="4993930"/>
-            <a:ext cx="2752725" cy="1009650"/>
-          </a:xfrm>
-          <a:prstGeom prst="rect">
-            <a:avLst/>
-          </a:prstGeom>
-        </p:spPr>
-      </p:pic>
-      <p:pic>
-        <p:nvPicPr>
-          <p:cNvPr id="13" name="Imagem 12">
-            <a:extLst>
-              <a:ext uri="{FF2B5EF4-FFF2-40B4-BE49-F238E27FC236}">
-                <a16:creationId xmlns:a16="http://schemas.microsoft.com/office/drawing/2014/main" id="{2EEE3E44-CE09-4916-9999-2DF9BE828EF3}"/>
-              </a:ext>
-            </a:extLst>
-          </p:cNvPr>
-          <p:cNvPicPr>
-            <a:picLocks noChangeAspect="1"/>
-          </p:cNvPicPr>
-          <p:nvPr/>
-        </p:nvPicPr>
-        <p:blipFill>
-          <a:blip r:embed="rId4"/>
-          <a:stretch>
-            <a:fillRect/>
-          </a:stretch>
-        </p:blipFill>
-        <p:spPr>
-          <a:xfrm>
-            <a:off x="4765994" y="2567436"/>
-            <a:ext cx="2752725" cy="1009650"/>
-          </a:xfrm>
-          <a:prstGeom prst="rect">
-            <a:avLst/>
-          </a:prstGeom>
-        </p:spPr>
-      </p:pic>
-      <p:pic>
-        <p:nvPicPr>
-          <p:cNvPr id="14" name="Imagem 13">
-            <a:extLst>
-              <a:ext uri="{FF2B5EF4-FFF2-40B4-BE49-F238E27FC236}">
-                <a16:creationId xmlns:a16="http://schemas.microsoft.com/office/drawing/2014/main" id="{C8E88596-1140-49CD-8D39-FF87E7C831D9}"/>
-              </a:ext>
-            </a:extLst>
-          </p:cNvPr>
-          <p:cNvPicPr>
-            <a:picLocks noChangeAspect="1"/>
-          </p:cNvPicPr>
-          <p:nvPr/>
-        </p:nvPicPr>
-        <p:blipFill>
-          <a:blip r:embed="rId5"/>
-          <a:stretch>
-            <a:fillRect/>
-          </a:stretch>
-        </p:blipFill>
-        <p:spPr>
-          <a:xfrm>
-            <a:off x="8782803" y="2691261"/>
-            <a:ext cx="2752725" cy="762000"/>
-          </a:xfrm>
-          <a:prstGeom prst="rect">
-            <a:avLst/>
-          </a:prstGeom>
-        </p:spPr>
-      </p:pic>
-      <p:pic>
-        <p:nvPicPr>
-          <p:cNvPr id="15" name="Imagem 14">
-            <a:extLst>
-              <a:ext uri="{FF2B5EF4-FFF2-40B4-BE49-F238E27FC236}">
-                <a16:creationId xmlns:a16="http://schemas.microsoft.com/office/drawing/2014/main" id="{65057C32-230B-443D-8944-99FAE21511A9}"/>
-              </a:ext>
-            </a:extLst>
-          </p:cNvPr>
-          <p:cNvPicPr>
-            <a:picLocks noChangeAspect="1"/>
-          </p:cNvPicPr>
-          <p:nvPr/>
-        </p:nvPicPr>
-        <p:blipFill>
-          <a:blip r:embed="rId6"/>
-          <a:stretch>
-            <a:fillRect/>
-          </a:stretch>
-        </p:blipFill>
-        <p:spPr>
-          <a:xfrm>
-            <a:off x="6903312" y="4746280"/>
-            <a:ext cx="2752725" cy="1504950"/>
-          </a:xfrm>
-          <a:prstGeom prst="rect">
-            <a:avLst/>
-          </a:prstGeom>
-        </p:spPr>
-      </p:pic>
-      <p:sp>
-        <p:nvSpPr>
-          <p:cNvPr id="16" name="Fluxograma: Decisão 15">
-            <a:extLst>
-              <a:ext uri="{FF2B5EF4-FFF2-40B4-BE49-F238E27FC236}">
-                <a16:creationId xmlns:a16="http://schemas.microsoft.com/office/drawing/2014/main" id="{022B6132-0BB6-4FA3-B3F1-F77FCEE12007}"/>
-              </a:ext>
-            </a:extLst>
-          </p:cNvPr>
-          <p:cNvSpPr/>
-          <p:nvPr/>
-        </p:nvSpPr>
-        <p:spPr>
-          <a:xfrm>
-            <a:off x="3501909" y="3007967"/>
-            <a:ext cx="387350" cy="128588"/>
-          </a:xfrm>
-          <a:prstGeom prst="flowChartDecision">
-            <a:avLst/>
-          </a:prstGeom>
-          <a:solidFill>
-            <a:schemeClr val="tx1"/>
-          </a:solidFill>
-          <a:ln>
-            <a:solidFill>
-              <a:schemeClr val="tx1"/>
-            </a:solidFill>
-          </a:ln>
-        </p:spPr>
-        <p:style>
-          <a:lnRef idx="2">
-            <a:schemeClr val="accent1">
-              <a:shade val="50000"/>
-            </a:schemeClr>
-          </a:lnRef>
-          <a:fillRef idx="1">
-            <a:schemeClr val="accent1"/>
-          </a:fillRef>
-          <a:effectRef idx="0">
-            <a:schemeClr val="accent1"/>
-          </a:effectRef>
-          <a:fontRef idx="minor">
-            <a:schemeClr val="lt1"/>
-          </a:fontRef>
-        </p:style>
-        <p:txBody>
-          <a:bodyPr rtlCol="0" anchor="ctr"/>
-          <a:lstStyle/>
-          <a:p>
-            <a:pPr algn="ctr"/>
-            <a:endParaRPr lang="pt-BR"/>
-          </a:p>
-        </p:txBody>
-      </p:sp>
-      <p:cxnSp>
-        <p:nvCxnSpPr>
-          <p:cNvPr id="18" name="Conector de Seta Reta 17">
-            <a:extLst>
-              <a:ext uri="{FF2B5EF4-FFF2-40B4-BE49-F238E27FC236}">
-                <a16:creationId xmlns:a16="http://schemas.microsoft.com/office/drawing/2014/main" id="{82A6AD05-9878-4CE0-B4DB-7221D62BF2FB}"/>
-              </a:ext>
-            </a:extLst>
-          </p:cNvPr>
-          <p:cNvCxnSpPr>
-            <a:stCxn id="16" idx="3"/>
-            <a:endCxn id="13" idx="1"/>
-          </p:cNvCxnSpPr>
-          <p:nvPr/>
-        </p:nvCxnSpPr>
-        <p:spPr>
-          <a:xfrm>
-            <a:off x="3889259" y="3072261"/>
-            <a:ext cx="876735" cy="0"/>
-          </a:xfrm>
-          <a:prstGeom prst="straightConnector1">
-            <a:avLst/>
-          </a:prstGeom>
-          <a:ln w="28575">
-            <a:solidFill>
-              <a:schemeClr val="tx1">
-                <a:lumMod val="95000"/>
-                <a:lumOff val="5000"/>
-              </a:schemeClr>
-            </a:solidFill>
-            <a:tailEnd type="triangle"/>
-          </a:ln>
-        </p:spPr>
-        <p:style>
-          <a:lnRef idx="1">
-            <a:schemeClr val="accent1"/>
-          </a:lnRef>
-          <a:fillRef idx="0">
-            <a:schemeClr val="accent1"/>
-          </a:fillRef>
-          <a:effectRef idx="0">
-            <a:schemeClr val="accent1"/>
-          </a:effectRef>
-          <a:fontRef idx="minor">
-            <a:schemeClr val="tx1"/>
-          </a:fontRef>
-        </p:style>
-      </p:cxnSp>
-      <p:cxnSp>
-        <p:nvCxnSpPr>
-          <p:cNvPr id="20" name="Conector de Seta Reta 19">
-            <a:extLst>
-              <a:ext uri="{FF2B5EF4-FFF2-40B4-BE49-F238E27FC236}">
-                <a16:creationId xmlns:a16="http://schemas.microsoft.com/office/drawing/2014/main" id="{58DB7428-135C-498C-B461-8B81434375B3}"/>
-              </a:ext>
-            </a:extLst>
-          </p:cNvPr>
-          <p:cNvCxnSpPr>
-            <a:cxnSpLocks/>
-            <a:stCxn id="13" idx="3"/>
-            <a:endCxn id="14" idx="1"/>
-          </p:cNvCxnSpPr>
-          <p:nvPr/>
-        </p:nvCxnSpPr>
-        <p:spPr>
-          <a:xfrm>
-            <a:off x="7518719" y="3072261"/>
-            <a:ext cx="1264084" cy="0"/>
-          </a:xfrm>
-          <a:prstGeom prst="straightConnector1">
-            <a:avLst/>
-          </a:prstGeom>
-          <a:ln w="28575">
-            <a:solidFill>
-              <a:schemeClr val="tx1">
-                <a:lumMod val="95000"/>
-                <a:lumOff val="5000"/>
-              </a:schemeClr>
-            </a:solidFill>
-            <a:tailEnd type="triangle"/>
-          </a:ln>
-        </p:spPr>
-        <p:style>
-          <a:lnRef idx="1">
-            <a:schemeClr val="accent1"/>
-          </a:lnRef>
-          <a:fillRef idx="0">
-            <a:schemeClr val="accent1"/>
-          </a:fillRef>
-          <a:effectRef idx="0">
-            <a:schemeClr val="accent1"/>
-          </a:effectRef>
-          <a:fontRef idx="minor">
-            <a:schemeClr val="tx1"/>
-          </a:fontRef>
-        </p:style>
-      </p:cxnSp>
-      <p:cxnSp>
-        <p:nvCxnSpPr>
-          <p:cNvPr id="23" name="Conector de Seta Reta 22">
-            <a:extLst>
-              <a:ext uri="{FF2B5EF4-FFF2-40B4-BE49-F238E27FC236}">
-                <a16:creationId xmlns:a16="http://schemas.microsoft.com/office/drawing/2014/main" id="{2FBB765B-1503-441D-9110-8EFEE9ACA9A6}"/>
-              </a:ext>
-            </a:extLst>
-          </p:cNvPr>
-          <p:cNvCxnSpPr>
-            <a:stCxn id="11" idx="2"/>
-            <a:endCxn id="12" idx="0"/>
-          </p:cNvCxnSpPr>
-          <p:nvPr/>
-        </p:nvCxnSpPr>
-        <p:spPr>
-          <a:xfrm>
-            <a:off x="2125547" y="3824736"/>
-            <a:ext cx="1" cy="1169194"/>
-          </a:xfrm>
-          <a:prstGeom prst="straightConnector1">
-            <a:avLst/>
-          </a:prstGeom>
-          <a:ln w="28575">
-            <a:solidFill>
-              <a:schemeClr val="tx1">
-                <a:lumMod val="95000"/>
-                <a:lumOff val="5000"/>
-              </a:schemeClr>
-            </a:solidFill>
-            <a:tailEnd type="triangle"/>
-          </a:ln>
-        </p:spPr>
-        <p:style>
-          <a:lnRef idx="1">
-            <a:schemeClr val="accent1"/>
-          </a:lnRef>
-          <a:fillRef idx="0">
-            <a:schemeClr val="accent1"/>
-          </a:fillRef>
-          <a:effectRef idx="0">
-            <a:schemeClr val="accent1"/>
-          </a:effectRef>
-          <a:fontRef idx="minor">
-            <a:schemeClr val="tx1"/>
-          </a:fontRef>
-        </p:style>
-      </p:cxnSp>
-      <p:sp>
-        <p:nvSpPr>
-          <p:cNvPr id="24" name="CaixaDeTexto 23">
-            <a:extLst>
-              <a:ext uri="{FF2B5EF4-FFF2-40B4-BE49-F238E27FC236}">
-                <a16:creationId xmlns:a16="http://schemas.microsoft.com/office/drawing/2014/main" id="{C7340CC2-85A7-4F22-94BC-9D4032298181}"/>
-              </a:ext>
-            </a:extLst>
-          </p:cNvPr>
-          <p:cNvSpPr txBox="1"/>
-          <p:nvPr/>
-        </p:nvSpPr>
-        <p:spPr>
-          <a:xfrm>
-            <a:off x="3941024" y="2635183"/>
-            <a:ext cx="824969" cy="369332"/>
-          </a:xfrm>
-          <a:prstGeom prst="rect">
-            <a:avLst/>
-          </a:prstGeom>
-          <a:noFill/>
-        </p:spPr>
-        <p:txBody>
-          <a:bodyPr wrap="none" rtlCol="0">
-            <a:spAutoFit/>
-          </a:bodyPr>
-          <a:lstStyle/>
-          <a:p>
-            <a:r>
-              <a:rPr lang="pt-BR" dirty="0">
-                <a:latin typeface="Times New Roman" panose="02020603050405020304" pitchFamily="18" charset="0"/>
-                <a:cs typeface="Times New Roman" panose="02020603050405020304" pitchFamily="18" charset="0"/>
-              </a:rPr>
-              <a:t>- </a:t>
-            </a:r>
-            <a:r>
-              <a:rPr lang="pt-BR" dirty="0" err="1">
-                <a:latin typeface="Times New Roman" panose="02020603050405020304" pitchFamily="18" charset="0"/>
-                <a:cs typeface="Times New Roman" panose="02020603050405020304" pitchFamily="18" charset="0"/>
-              </a:rPr>
-              <a:t>items</a:t>
-            </a:r>
-            <a:endParaRPr lang="pt-BR" dirty="0">
-              <a:latin typeface="Times New Roman" panose="02020603050405020304" pitchFamily="18" charset="0"/>
-              <a:cs typeface="Times New Roman" panose="02020603050405020304" pitchFamily="18" charset="0"/>
-            </a:endParaRPr>
-          </a:p>
-        </p:txBody>
-      </p:sp>
-      <p:sp>
-        <p:nvSpPr>
-          <p:cNvPr id="25" name="CaixaDeTexto 24">
-            <a:extLst>
-              <a:ext uri="{FF2B5EF4-FFF2-40B4-BE49-F238E27FC236}">
-                <a16:creationId xmlns:a16="http://schemas.microsoft.com/office/drawing/2014/main" id="{CB504A52-61C2-48AF-A575-92FE5CD03B01}"/>
-              </a:ext>
-            </a:extLst>
-          </p:cNvPr>
-          <p:cNvSpPr txBox="1"/>
-          <p:nvPr/>
-        </p:nvSpPr>
-        <p:spPr>
-          <a:xfrm>
-            <a:off x="7758164" y="2635183"/>
-            <a:ext cx="1024639" cy="369332"/>
-          </a:xfrm>
-          <a:prstGeom prst="rect">
-            <a:avLst/>
-          </a:prstGeom>
-          <a:noFill/>
-        </p:spPr>
-        <p:txBody>
-          <a:bodyPr wrap="none" rtlCol="0">
-            <a:spAutoFit/>
-          </a:bodyPr>
-          <a:lstStyle/>
-          <a:p>
-            <a:r>
-              <a:rPr lang="pt-BR" dirty="0">
-                <a:latin typeface="Times New Roman" panose="02020603050405020304" pitchFamily="18" charset="0"/>
-                <a:cs typeface="Times New Roman" panose="02020603050405020304" pitchFamily="18" charset="0"/>
-              </a:rPr>
-              <a:t>- </a:t>
-            </a:r>
-            <a:r>
-              <a:rPr lang="pt-BR" dirty="0" err="1">
-                <a:latin typeface="Times New Roman" panose="02020603050405020304" pitchFamily="18" charset="0"/>
-                <a:cs typeface="Times New Roman" panose="02020603050405020304" pitchFamily="18" charset="0"/>
-              </a:rPr>
-              <a:t>product</a:t>
-            </a:r>
-            <a:endParaRPr lang="pt-BR" dirty="0">
-              <a:latin typeface="Times New Roman" panose="02020603050405020304" pitchFamily="18" charset="0"/>
-              <a:cs typeface="Times New Roman" panose="02020603050405020304" pitchFamily="18" charset="0"/>
-            </a:endParaRPr>
-          </a:p>
-        </p:txBody>
-      </p:sp>
-      <p:sp>
-        <p:nvSpPr>
-          <p:cNvPr id="26" name="CaixaDeTexto 25">
-            <a:extLst>
-              <a:ext uri="{FF2B5EF4-FFF2-40B4-BE49-F238E27FC236}">
-                <a16:creationId xmlns:a16="http://schemas.microsoft.com/office/drawing/2014/main" id="{A76C89CF-3394-4464-88D2-A43979E75047}"/>
-              </a:ext>
-            </a:extLst>
-          </p:cNvPr>
-          <p:cNvSpPr txBox="1"/>
-          <p:nvPr/>
-        </p:nvSpPr>
-        <p:spPr>
-          <a:xfrm>
-            <a:off x="4378644" y="3140008"/>
-            <a:ext cx="300082" cy="369332"/>
-          </a:xfrm>
-          <a:prstGeom prst="rect">
-            <a:avLst/>
-          </a:prstGeom>
-          <a:noFill/>
-        </p:spPr>
-        <p:txBody>
-          <a:bodyPr wrap="none" rtlCol="0">
-            <a:spAutoFit/>
-          </a:bodyPr>
-          <a:lstStyle/>
-          <a:p>
-            <a:r>
-              <a:rPr lang="pt-BR">
-                <a:latin typeface="Times New Roman" panose="02020603050405020304" pitchFamily="18" charset="0"/>
-                <a:cs typeface="Times New Roman" panose="02020603050405020304" pitchFamily="18" charset="0"/>
-              </a:rPr>
-              <a:t>*</a:t>
-            </a:r>
-            <a:endParaRPr lang="pt-BR" dirty="0">
-              <a:latin typeface="Times New Roman" panose="02020603050405020304" pitchFamily="18" charset="0"/>
-              <a:cs typeface="Times New Roman" panose="02020603050405020304" pitchFamily="18" charset="0"/>
-            </a:endParaRPr>
-          </a:p>
-        </p:txBody>
-      </p:sp>
-      <p:sp>
-        <p:nvSpPr>
-          <p:cNvPr id="27" name="CaixaDeTexto 26">
-            <a:extLst>
-              <a:ext uri="{FF2B5EF4-FFF2-40B4-BE49-F238E27FC236}">
-                <a16:creationId xmlns:a16="http://schemas.microsoft.com/office/drawing/2014/main" id="{D8925BC4-8305-42C5-B5F8-1A272C9D73D7}"/>
-              </a:ext>
-            </a:extLst>
-          </p:cNvPr>
-          <p:cNvSpPr txBox="1"/>
-          <p:nvPr/>
-        </p:nvSpPr>
-        <p:spPr>
-          <a:xfrm>
-            <a:off x="8395454" y="3140008"/>
-            <a:ext cx="300082" cy="369332"/>
-          </a:xfrm>
-          <a:prstGeom prst="rect">
-            <a:avLst/>
-          </a:prstGeom>
-          <a:noFill/>
-        </p:spPr>
-        <p:txBody>
-          <a:bodyPr wrap="none" rtlCol="0">
-            <a:spAutoFit/>
-          </a:bodyPr>
-          <a:lstStyle/>
-          <a:p>
-            <a:r>
-              <a:rPr lang="pt-BR" dirty="0">
-                <a:latin typeface="Times New Roman" panose="02020603050405020304" pitchFamily="18" charset="0"/>
-                <a:cs typeface="Times New Roman" panose="02020603050405020304" pitchFamily="18" charset="0"/>
-              </a:rPr>
-              <a:t>1</a:t>
-            </a:r>
-          </a:p>
-        </p:txBody>
-      </p:sp>
-      <p:sp>
-        <p:nvSpPr>
-          <p:cNvPr id="28" name="CaixaDeTexto 27">
-            <a:extLst>
-              <a:ext uri="{FF2B5EF4-FFF2-40B4-BE49-F238E27FC236}">
-                <a16:creationId xmlns:a16="http://schemas.microsoft.com/office/drawing/2014/main" id="{7C373462-E986-4564-A0EB-70F59A3ECD91}"/>
-              </a:ext>
-            </a:extLst>
-          </p:cNvPr>
-          <p:cNvSpPr txBox="1"/>
-          <p:nvPr/>
-        </p:nvSpPr>
-        <p:spPr>
-          <a:xfrm>
-            <a:off x="2594792" y="4480011"/>
-            <a:ext cx="832279" cy="369332"/>
-          </a:xfrm>
-          <a:prstGeom prst="rect">
-            <a:avLst/>
-          </a:prstGeom>
-          <a:noFill/>
-        </p:spPr>
-        <p:txBody>
-          <a:bodyPr wrap="none" rtlCol="0">
-            <a:spAutoFit/>
-          </a:bodyPr>
-          <a:lstStyle/>
-          <a:p>
-            <a:r>
-              <a:rPr lang="pt-BR" dirty="0">
-                <a:latin typeface="Times New Roman" panose="02020603050405020304" pitchFamily="18" charset="0"/>
-                <a:cs typeface="Times New Roman" panose="02020603050405020304" pitchFamily="18" charset="0"/>
-              </a:rPr>
-              <a:t>- </a:t>
-            </a:r>
-            <a:r>
-              <a:rPr lang="pt-BR" dirty="0" err="1">
-                <a:latin typeface="Times New Roman" panose="02020603050405020304" pitchFamily="18" charset="0"/>
-                <a:cs typeface="Times New Roman" panose="02020603050405020304" pitchFamily="18" charset="0"/>
-              </a:rPr>
-              <a:t>client</a:t>
-            </a:r>
-            <a:endParaRPr lang="pt-BR" dirty="0">
-              <a:latin typeface="Times New Roman" panose="02020603050405020304" pitchFamily="18" charset="0"/>
-              <a:cs typeface="Times New Roman" panose="02020603050405020304" pitchFamily="18" charset="0"/>
-            </a:endParaRPr>
-          </a:p>
-        </p:txBody>
-      </p:sp>
-      <p:sp>
-        <p:nvSpPr>
-          <p:cNvPr id="29" name="CaixaDeTexto 28">
-            <a:extLst>
-              <a:ext uri="{FF2B5EF4-FFF2-40B4-BE49-F238E27FC236}">
-                <a16:creationId xmlns:a16="http://schemas.microsoft.com/office/drawing/2014/main" id="{3CC6D809-3714-48B6-B100-8A5FE0B0803A}"/>
-              </a:ext>
-            </a:extLst>
-          </p:cNvPr>
-          <p:cNvSpPr txBox="1"/>
-          <p:nvPr/>
-        </p:nvSpPr>
-        <p:spPr>
-          <a:xfrm>
-            <a:off x="1590843" y="4480011"/>
-            <a:ext cx="300082" cy="369332"/>
-          </a:xfrm>
-          <a:prstGeom prst="rect">
-            <a:avLst/>
-          </a:prstGeom>
-          <a:noFill/>
-        </p:spPr>
-        <p:txBody>
-          <a:bodyPr wrap="none" rtlCol="0">
-            <a:spAutoFit/>
-          </a:bodyPr>
-          <a:lstStyle/>
-          <a:p>
-            <a:r>
-              <a:rPr lang="pt-BR" dirty="0">
-                <a:latin typeface="Times New Roman" panose="02020603050405020304" pitchFamily="18" charset="0"/>
-                <a:cs typeface="Times New Roman" panose="02020603050405020304" pitchFamily="18" charset="0"/>
-              </a:rPr>
-              <a:t>1</a:t>
-            </a:r>
-          </a:p>
-        </p:txBody>
-      </p:sp>
-    </p:spTree>
-    <p:extLst>
-      <p:ext uri="{BB962C8B-B14F-4D97-AF65-F5344CB8AC3E}">
-        <p14:creationId xmlns:p14="http://schemas.microsoft.com/office/powerpoint/2010/main" val="2365171152"/>
-      </p:ext>
-    </p:extLst>
-  </p:cSld>
-  <p:clrMapOvr>
-    <a:masterClrMapping/>
-  </p:clrMapOvr>
-</p:sld>
-</file>
-
-<file path=ppt/slides/slide11.xml><?xml version="1.0" encoding="utf-8"?>
-<p:sld xmlns:a="http://schemas.openxmlformats.org/drawingml/2006/main" xmlns:r="http://schemas.openxmlformats.org/officeDocument/2006/relationships" xmlns:p="http://schemas.openxmlformats.org/presentationml/2006/main">
-  <p:cSld>
-    <p:spTree>
-      <p:nvGrpSpPr>
-        <p:cNvPr id="1" name=""/>
-        <p:cNvGrpSpPr/>
-        <p:nvPr/>
-      </p:nvGrpSpPr>
-      <p:grpSpPr>
-        <a:xfrm>
-          <a:off x="0" y="0"/>
-          <a:ext cx="0" cy="0"/>
-          <a:chOff x="0" y="0"/>
-          <a:chExt cx="0" cy="0"/>
-        </a:xfrm>
-      </p:grpSpPr>
-      <p:sp>
-        <p:nvSpPr>
-          <p:cNvPr id="2" name="Título 1">
-            <a:extLst>
-              <a:ext uri="{FF2B5EF4-FFF2-40B4-BE49-F238E27FC236}">
-                <a16:creationId xmlns:a16="http://schemas.microsoft.com/office/drawing/2014/main" id="{EC29A3BC-A997-474F-BF68-0DC02F6A1A7A}"/>
-              </a:ext>
-            </a:extLst>
-          </p:cNvPr>
-          <p:cNvSpPr>
-            <a:spLocks noGrp="1"/>
-          </p:cNvSpPr>
-          <p:nvPr>
-            <p:ph type="title"/>
-          </p:nvPr>
-        </p:nvSpPr>
-        <p:spPr/>
-        <p:txBody>
-          <a:bodyPr/>
-          <a:lstStyle/>
-          <a:p>
-            <a:r>
-              <a:rPr lang="pt-BR" dirty="0"/>
-              <a:t>Desafio – Salário Funcionários</a:t>
-            </a:r>
-          </a:p>
-        </p:txBody>
-      </p:sp>
-      <p:sp>
-        <p:nvSpPr>
-          <p:cNvPr id="3" name="Espaço Reservado para Conteúdo 2">
-            <a:extLst>
-              <a:ext uri="{FF2B5EF4-FFF2-40B4-BE49-F238E27FC236}">
-                <a16:creationId xmlns:a16="http://schemas.microsoft.com/office/drawing/2014/main" id="{9745B109-97EC-4C22-BEBE-72211B9295A4}"/>
-              </a:ext>
-            </a:extLst>
-          </p:cNvPr>
-          <p:cNvSpPr>
-            <a:spLocks noGrp="1"/>
-          </p:cNvSpPr>
-          <p:nvPr>
-            <p:ph idx="1"/>
-          </p:nvPr>
-        </p:nvSpPr>
-        <p:spPr>
-          <a:xfrm>
-            <a:off x="592347" y="1731562"/>
-            <a:ext cx="11007306" cy="1691005"/>
-          </a:xfrm>
-        </p:spPr>
-        <p:txBody>
-          <a:bodyPr/>
-          <a:lstStyle/>
-          <a:p>
-            <a:r>
-              <a:rPr lang="pt-BR" sz="1400" dirty="0"/>
-              <a:t>Neste desafio, você irá implementar um sistema de pedidos de itens para um cliente, permitindo que o usuário cadastre o cliente solicitando seu nome e e-mail, crie um pedido contendo vários itens, onde cada item inclui o nome, quantidade e preço unitário, e exiba um resumo do pedido com os dados do cliente, o valor total do pedido e o status do pedido. Além disso, o sistema deve permitir a alteração do status do pedido, que pode ser "PENDENTE", "PROCESSANDO", "ENVIADO" ou "ENTREGUE", e calcular automaticamente o valor total do pedido, somando o preço de todos os itens, considerando a quantidade de cada um.</a:t>
-            </a:r>
-          </a:p>
-        </p:txBody>
-      </p:sp>
-      <p:cxnSp>
-        <p:nvCxnSpPr>
-          <p:cNvPr id="11" name="Conector de Seta Reta 10">
-            <a:extLst>
-              <a:ext uri="{FF2B5EF4-FFF2-40B4-BE49-F238E27FC236}">
-                <a16:creationId xmlns:a16="http://schemas.microsoft.com/office/drawing/2014/main" id="{5265272D-14AC-4AF2-9576-EA6EB77A778A}"/>
-              </a:ext>
-            </a:extLst>
-          </p:cNvPr>
-          <p:cNvCxnSpPr>
-            <a:cxnSpLocks/>
-            <a:stCxn id="4" idx="3"/>
-            <a:endCxn id="5" idx="1"/>
-          </p:cNvCxnSpPr>
-          <p:nvPr/>
-        </p:nvCxnSpPr>
-        <p:spPr>
-          <a:xfrm flipV="1">
-            <a:off x="4645923" y="4298782"/>
-            <a:ext cx="2713585" cy="1"/>
-          </a:xfrm>
-          <a:prstGeom prst="straightConnector1">
-            <a:avLst/>
-          </a:prstGeom>
-          <a:ln w="28575">
-            <a:solidFill>
-              <a:schemeClr val="tx1">
-                <a:lumMod val="95000"/>
-                <a:lumOff val="5000"/>
-              </a:schemeClr>
-            </a:solidFill>
-            <a:tailEnd type="triangle"/>
-          </a:ln>
-        </p:spPr>
-        <p:style>
-          <a:lnRef idx="1">
-            <a:schemeClr val="accent1"/>
-          </a:lnRef>
-          <a:fillRef idx="0">
-            <a:schemeClr val="accent1"/>
-          </a:fillRef>
-          <a:effectRef idx="0">
-            <a:schemeClr val="accent1"/>
-          </a:effectRef>
-          <a:fontRef idx="minor">
-            <a:schemeClr val="tx1"/>
-          </a:fontRef>
-        </p:style>
-      </p:cxnSp>
-      <p:cxnSp>
-        <p:nvCxnSpPr>
-          <p:cNvPr id="13" name="Conector de Seta Reta 12">
-            <a:extLst>
-              <a:ext uri="{FF2B5EF4-FFF2-40B4-BE49-F238E27FC236}">
-                <a16:creationId xmlns:a16="http://schemas.microsoft.com/office/drawing/2014/main" id="{CED1653C-3B4D-49BC-BB49-1604CBF506A2}"/>
-              </a:ext>
-            </a:extLst>
-          </p:cNvPr>
-          <p:cNvCxnSpPr>
-            <a:cxnSpLocks/>
-            <a:stCxn id="4" idx="2"/>
-            <a:endCxn id="10" idx="0"/>
-          </p:cNvCxnSpPr>
-          <p:nvPr/>
-        </p:nvCxnSpPr>
-        <p:spPr>
-          <a:xfrm>
-            <a:off x="3414446" y="4975176"/>
-            <a:ext cx="0" cy="906623"/>
-          </a:xfrm>
-          <a:prstGeom prst="straightConnector1">
-            <a:avLst/>
-          </a:prstGeom>
-          <a:ln w="28575">
-            <a:solidFill>
-              <a:schemeClr val="tx1">
-                <a:lumMod val="95000"/>
-                <a:lumOff val="5000"/>
-              </a:schemeClr>
-            </a:solidFill>
-            <a:tailEnd type="triangle"/>
-          </a:ln>
-        </p:spPr>
-        <p:style>
-          <a:lnRef idx="1">
-            <a:schemeClr val="accent1"/>
-          </a:lnRef>
-          <a:fillRef idx="0">
-            <a:schemeClr val="accent1"/>
-          </a:fillRef>
-          <a:effectRef idx="0">
-            <a:schemeClr val="accent1"/>
-          </a:effectRef>
-          <a:fontRef idx="minor">
-            <a:schemeClr val="tx1"/>
-          </a:fontRef>
-        </p:style>
-      </p:cxnSp>
-      <p:sp>
-        <p:nvSpPr>
-          <p:cNvPr id="16" name="CaixaDeTexto 15">
-            <a:extLst>
-              <a:ext uri="{FF2B5EF4-FFF2-40B4-BE49-F238E27FC236}">
-                <a16:creationId xmlns:a16="http://schemas.microsoft.com/office/drawing/2014/main" id="{D703A429-1E05-4285-9B24-660BB42EDD2E}"/>
-              </a:ext>
-            </a:extLst>
-          </p:cNvPr>
-          <p:cNvSpPr txBox="1"/>
-          <p:nvPr/>
-        </p:nvSpPr>
-        <p:spPr>
-          <a:xfrm>
-            <a:off x="3414445" y="5552029"/>
-            <a:ext cx="808235" cy="307777"/>
-          </a:xfrm>
-          <a:prstGeom prst="rect">
-            <a:avLst/>
-          </a:prstGeom>
-          <a:noFill/>
-        </p:spPr>
-        <p:txBody>
-          <a:bodyPr wrap="none" rtlCol="0">
-            <a:spAutoFit/>
-          </a:bodyPr>
-          <a:lstStyle/>
-          <a:p>
-            <a:r>
-              <a:rPr lang="pt-BR" sz="1400" dirty="0">
-                <a:latin typeface="Times New Roman" panose="02020603050405020304" pitchFamily="18" charset="0"/>
-                <a:cs typeface="Times New Roman" panose="02020603050405020304" pitchFamily="18" charset="0"/>
-              </a:rPr>
-              <a:t>- Cliente</a:t>
-            </a:r>
-          </a:p>
-        </p:txBody>
-      </p:sp>
-      <p:sp>
-        <p:nvSpPr>
-          <p:cNvPr id="17" name="CaixaDeTexto 16">
-            <a:extLst>
-              <a:ext uri="{FF2B5EF4-FFF2-40B4-BE49-F238E27FC236}">
-                <a16:creationId xmlns:a16="http://schemas.microsoft.com/office/drawing/2014/main" id="{338137B2-943A-47FE-9278-8D3385A9BFE8}"/>
-              </a:ext>
-            </a:extLst>
-          </p:cNvPr>
-          <p:cNvSpPr txBox="1"/>
-          <p:nvPr/>
-        </p:nvSpPr>
-        <p:spPr>
-          <a:xfrm>
-            <a:off x="2769917" y="5552029"/>
-            <a:ext cx="274434" cy="307777"/>
-          </a:xfrm>
-          <a:prstGeom prst="rect">
-            <a:avLst/>
-          </a:prstGeom>
-          <a:noFill/>
-        </p:spPr>
-        <p:txBody>
-          <a:bodyPr wrap="none" rtlCol="0">
-            <a:spAutoFit/>
-          </a:bodyPr>
-          <a:lstStyle/>
-          <a:p>
-            <a:r>
-              <a:rPr lang="pt-BR" sz="1400" dirty="0">
-                <a:latin typeface="Times New Roman" panose="02020603050405020304" pitchFamily="18" charset="0"/>
-                <a:cs typeface="Times New Roman" panose="02020603050405020304" pitchFamily="18" charset="0"/>
-              </a:rPr>
-              <a:t>1</a:t>
-            </a:r>
-          </a:p>
-        </p:txBody>
-      </p:sp>
-      <p:sp>
-        <p:nvSpPr>
-          <p:cNvPr id="18" name="CaixaDeTexto 17">
-            <a:extLst>
-              <a:ext uri="{FF2B5EF4-FFF2-40B4-BE49-F238E27FC236}">
-                <a16:creationId xmlns:a16="http://schemas.microsoft.com/office/drawing/2014/main" id="{42759F0F-A10C-4315-B432-712E95401ACB}"/>
-              </a:ext>
-            </a:extLst>
-          </p:cNvPr>
-          <p:cNvSpPr txBox="1"/>
-          <p:nvPr/>
-        </p:nvSpPr>
-        <p:spPr>
-          <a:xfrm>
-            <a:off x="5795938" y="3874893"/>
-            <a:ext cx="1128835" cy="369332"/>
-          </a:xfrm>
-          <a:prstGeom prst="rect">
-            <a:avLst/>
-          </a:prstGeom>
-          <a:noFill/>
-        </p:spPr>
-        <p:txBody>
-          <a:bodyPr wrap="none" rtlCol="0">
-            <a:spAutoFit/>
-          </a:bodyPr>
-          <a:lstStyle/>
-          <a:p>
-            <a:r>
-              <a:rPr lang="pt-BR" sz="1400" dirty="0">
-                <a:latin typeface="Times New Roman" panose="02020603050405020304" pitchFamily="18" charset="0"/>
-                <a:cs typeface="Times New Roman" panose="02020603050405020304" pitchFamily="18" charset="0"/>
-              </a:rPr>
-              <a:t>-</a:t>
-            </a:r>
-            <a:r>
-              <a:rPr lang="pt-BR" dirty="0">
-                <a:latin typeface="Times New Roman" panose="02020603050405020304" pitchFamily="18" charset="0"/>
-                <a:cs typeface="Times New Roman" panose="02020603050405020304" pitchFamily="18" charset="0"/>
-              </a:rPr>
-              <a:t> </a:t>
-            </a:r>
-            <a:r>
-              <a:rPr lang="pt-BR" sz="1400" dirty="0" err="1">
-                <a:latin typeface="Times New Roman" panose="02020603050405020304" pitchFamily="18" charset="0"/>
-                <a:cs typeface="Times New Roman" panose="02020603050405020304" pitchFamily="18" charset="0"/>
-              </a:rPr>
-              <a:t>ItemPedido</a:t>
-            </a:r>
-            <a:endParaRPr lang="pt-BR" sz="1400" dirty="0">
-              <a:latin typeface="Times New Roman" panose="02020603050405020304" pitchFamily="18" charset="0"/>
-              <a:cs typeface="Times New Roman" panose="02020603050405020304" pitchFamily="18" charset="0"/>
-            </a:endParaRPr>
-          </a:p>
-        </p:txBody>
-      </p:sp>
-      <p:sp>
-        <p:nvSpPr>
-          <p:cNvPr id="19" name="CaixaDeTexto 18">
-            <a:extLst>
-              <a:ext uri="{FF2B5EF4-FFF2-40B4-BE49-F238E27FC236}">
-                <a16:creationId xmlns:a16="http://schemas.microsoft.com/office/drawing/2014/main" id="{D1F68849-2D2B-4B97-BB8D-46B9A0AB280D}"/>
-              </a:ext>
-            </a:extLst>
-          </p:cNvPr>
-          <p:cNvSpPr txBox="1"/>
-          <p:nvPr/>
-        </p:nvSpPr>
-        <p:spPr>
-          <a:xfrm>
-            <a:off x="6303288" y="4486040"/>
-            <a:ext cx="274434" cy="307777"/>
-          </a:xfrm>
-          <a:prstGeom prst="rect">
-            <a:avLst/>
-          </a:prstGeom>
-          <a:noFill/>
-        </p:spPr>
-        <p:txBody>
-          <a:bodyPr wrap="none" rtlCol="0">
-            <a:spAutoFit/>
-          </a:bodyPr>
-          <a:lstStyle/>
-          <a:p>
-            <a:r>
-              <a:rPr lang="pt-BR" sz="1400" dirty="0">
-                <a:latin typeface="Times New Roman" panose="02020603050405020304" pitchFamily="18" charset="0"/>
-                <a:cs typeface="Times New Roman" panose="02020603050405020304" pitchFamily="18" charset="0"/>
-              </a:rPr>
-              <a:t>*</a:t>
-            </a:r>
-          </a:p>
-        </p:txBody>
-      </p:sp>
-      <p:pic>
-        <p:nvPicPr>
-          <p:cNvPr id="4" name="Imagem 3">
-            <a:extLst>
-              <a:ext uri="{FF2B5EF4-FFF2-40B4-BE49-F238E27FC236}">
-                <a16:creationId xmlns:a16="http://schemas.microsoft.com/office/drawing/2014/main" id="{4107C07B-8CE1-4C19-B039-0956CC86B2E0}"/>
-              </a:ext>
-            </a:extLst>
-          </p:cNvPr>
-          <p:cNvPicPr>
-            <a:picLocks noChangeAspect="1"/>
-          </p:cNvPicPr>
-          <p:nvPr/>
-        </p:nvPicPr>
-        <p:blipFill>
-          <a:blip r:embed="rId2"/>
-          <a:stretch>
-            <a:fillRect/>
-          </a:stretch>
-        </p:blipFill>
-        <p:spPr>
-          <a:xfrm>
-            <a:off x="2182968" y="3622389"/>
-            <a:ext cx="2462955" cy="1352787"/>
-          </a:xfrm>
-          <a:prstGeom prst="rect">
-            <a:avLst/>
-          </a:prstGeom>
-        </p:spPr>
-      </p:pic>
-      <p:pic>
-        <p:nvPicPr>
-          <p:cNvPr id="5" name="Imagem 4">
-            <a:extLst>
-              <a:ext uri="{FF2B5EF4-FFF2-40B4-BE49-F238E27FC236}">
-                <a16:creationId xmlns:a16="http://schemas.microsoft.com/office/drawing/2014/main" id="{D67733EC-788C-49F8-BA90-1F0B0E3BAAE6}"/>
-              </a:ext>
-            </a:extLst>
-          </p:cNvPr>
-          <p:cNvPicPr>
-            <a:picLocks noChangeAspect="1"/>
-          </p:cNvPicPr>
-          <p:nvPr/>
-        </p:nvPicPr>
-        <p:blipFill>
-          <a:blip r:embed="rId3"/>
-          <a:stretch>
-            <a:fillRect/>
-          </a:stretch>
-        </p:blipFill>
-        <p:spPr>
-          <a:xfrm>
-            <a:off x="7359508" y="3702346"/>
-            <a:ext cx="2529190" cy="1192872"/>
-          </a:xfrm>
-          <a:prstGeom prst="rect">
-            <a:avLst/>
-          </a:prstGeom>
-        </p:spPr>
-      </p:pic>
-      <p:pic>
-        <p:nvPicPr>
-          <p:cNvPr id="10" name="Imagem 9">
-            <a:extLst>
-              <a:ext uri="{FF2B5EF4-FFF2-40B4-BE49-F238E27FC236}">
-                <a16:creationId xmlns:a16="http://schemas.microsoft.com/office/drawing/2014/main" id="{17D8FBC8-9B3F-4E8F-BB0E-DAE804B2D3A5}"/>
-              </a:ext>
-            </a:extLst>
-          </p:cNvPr>
-          <p:cNvPicPr>
-            <a:picLocks noChangeAspect="1"/>
-          </p:cNvPicPr>
-          <p:nvPr/>
-        </p:nvPicPr>
-        <p:blipFill>
-          <a:blip r:embed="rId4"/>
-          <a:stretch>
-            <a:fillRect/>
-          </a:stretch>
-        </p:blipFill>
-        <p:spPr>
-          <a:xfrm>
-            <a:off x="2206773" y="5881799"/>
-            <a:ext cx="2415345" cy="764258"/>
-          </a:xfrm>
-          <a:prstGeom prst="rect">
-            <a:avLst/>
-          </a:prstGeom>
-        </p:spPr>
-      </p:pic>
-      <p:pic>
-        <p:nvPicPr>
-          <p:cNvPr id="26" name="Imagem 25">
-            <a:extLst>
-              <a:ext uri="{FF2B5EF4-FFF2-40B4-BE49-F238E27FC236}">
-                <a16:creationId xmlns:a16="http://schemas.microsoft.com/office/drawing/2014/main" id="{068126E2-A7B5-4A01-A647-C3B166C3530A}"/>
-              </a:ext>
-            </a:extLst>
-          </p:cNvPr>
-          <p:cNvPicPr>
-            <a:picLocks noChangeAspect="1"/>
-          </p:cNvPicPr>
-          <p:nvPr/>
-        </p:nvPicPr>
-        <p:blipFill>
-          <a:blip r:embed="rId5"/>
-          <a:stretch>
-            <a:fillRect/>
-          </a:stretch>
-        </p:blipFill>
-        <p:spPr>
-          <a:xfrm>
-            <a:off x="7085073" y="5221188"/>
-            <a:ext cx="3045517" cy="1436393"/>
-          </a:xfrm>
-          <a:prstGeom prst="rect">
-            <a:avLst/>
-          </a:prstGeom>
-        </p:spPr>
-      </p:pic>
-    </p:spTree>
-    <p:extLst>
-      <p:ext uri="{BB962C8B-B14F-4D97-AF65-F5344CB8AC3E}">
-        <p14:creationId xmlns:p14="http://schemas.microsoft.com/office/powerpoint/2010/main" val="2683351586"/>
-      </p:ext>
-    </p:extLst>
-  </p:cSld>
-  <p:clrMapOvr>
-    <a:masterClrMapping/>
-  </p:clrMapOvr>
-</p:sld>
-</file>
-
-<file path=ppt/slides/slide12.xml><?xml version="1.0" encoding="utf-8"?>
-<p:sld xmlns:a="http://schemas.openxmlformats.org/drawingml/2006/main" xmlns:r="http://schemas.openxmlformats.org/officeDocument/2006/relationships" xmlns:p="http://schemas.openxmlformats.org/presentationml/2006/main">
-  <p:cSld>
-    <p:spTree>
-      <p:nvGrpSpPr>
-        <p:cNvPr id="1" name=""/>
-        <p:cNvGrpSpPr/>
-        <p:nvPr/>
-      </p:nvGrpSpPr>
-      <p:grpSpPr>
-        <a:xfrm>
-          <a:off x="0" y="0"/>
-          <a:ext cx="0" cy="0"/>
-          <a:chOff x="0" y="0"/>
-          <a:chExt cx="0" cy="0"/>
-        </a:xfrm>
-      </p:grpSpPr>
-      <p:sp>
-        <p:nvSpPr>
-          <p:cNvPr id="2" name="Título 1">
-            <a:extLst>
-              <a:ext uri="{FF2B5EF4-FFF2-40B4-BE49-F238E27FC236}">
-                <a16:creationId xmlns:a16="http://schemas.microsoft.com/office/drawing/2014/main" id="{9C83C8CD-8401-4DC6-B477-672E88F3EB82}"/>
-              </a:ext>
-            </a:extLst>
-          </p:cNvPr>
-          <p:cNvSpPr>
-            <a:spLocks noGrp="1"/>
-          </p:cNvSpPr>
-          <p:nvPr>
-            <p:ph type="title"/>
-          </p:nvPr>
-        </p:nvSpPr>
-        <p:spPr/>
-        <p:txBody>
-          <a:bodyPr/>
-          <a:lstStyle/>
-          <a:p>
-            <a:r>
-              <a:rPr lang="pt-BR" dirty="0"/>
-              <a:t>Exemplo de Entrada</a:t>
-            </a:r>
-          </a:p>
-        </p:txBody>
-      </p:sp>
-      <p:sp>
-        <p:nvSpPr>
-          <p:cNvPr id="3" name="Espaço Reservado para Conteúdo 2">
-            <a:extLst>
-              <a:ext uri="{FF2B5EF4-FFF2-40B4-BE49-F238E27FC236}">
-                <a16:creationId xmlns:a16="http://schemas.microsoft.com/office/drawing/2014/main" id="{E5F4117E-D99F-4F36-8DF8-1BBE4A8EBDB2}"/>
-              </a:ext>
-            </a:extLst>
-          </p:cNvPr>
-          <p:cNvSpPr>
-            <a:spLocks noGrp="1"/>
-          </p:cNvSpPr>
-          <p:nvPr>
-            <p:ph idx="1"/>
-          </p:nvPr>
-        </p:nvSpPr>
-        <p:spPr/>
-        <p:txBody>
-          <a:bodyPr/>
-          <a:lstStyle/>
-          <a:p>
-            <a:r>
-              <a:rPr lang="pt-BR" sz="1800" b="1" dirty="0"/>
-              <a:t>Nome do cliente: </a:t>
-            </a:r>
-            <a:r>
-              <a:rPr lang="pt-BR" sz="1800" dirty="0"/>
-              <a:t>João da Silva</a:t>
-            </a:r>
-          </a:p>
-          <a:p>
-            <a:r>
-              <a:rPr lang="pt-BR" sz="1800" b="1" dirty="0" err="1"/>
-              <a:t>Email</a:t>
-            </a:r>
-            <a:r>
-              <a:rPr lang="pt-BR" sz="1800" b="1" dirty="0"/>
-              <a:t> do cliente: </a:t>
-            </a:r>
-            <a:r>
-              <a:rPr lang="pt-BR" sz="1800" dirty="0">
-                <a:hlinkClick r:id="rId2"/>
-              </a:rPr>
-              <a:t>joao@gmail.com</a:t>
-            </a:r>
-            <a:endParaRPr lang="pt-BR" sz="1800" dirty="0"/>
-          </a:p>
-          <a:p>
-            <a:r>
-              <a:rPr lang="pt-BR" sz="1800" b="1" dirty="0"/>
-              <a:t>Quantidade de itens no pedido: </a:t>
-            </a:r>
-            <a:r>
-              <a:rPr lang="pt-BR" sz="1800" dirty="0"/>
-              <a:t>2</a:t>
-            </a:r>
-          </a:p>
-          <a:p>
-            <a:r>
-              <a:rPr lang="pt-BR" sz="1800" b="1" dirty="0"/>
-              <a:t>Nome do item:</a:t>
-            </a:r>
-            <a:r>
-              <a:rPr lang="pt-BR" sz="1800" dirty="0"/>
-              <a:t> Produto A</a:t>
-            </a:r>
-          </a:p>
-          <a:p>
-            <a:r>
-              <a:rPr lang="pt-BR" sz="1800" b="1" dirty="0"/>
-              <a:t>Quantidade: </a:t>
-            </a:r>
-            <a:r>
-              <a:rPr lang="pt-BR" sz="1800" dirty="0"/>
-              <a:t>3</a:t>
-            </a:r>
-          </a:p>
-          <a:p>
-            <a:r>
-              <a:rPr lang="pt-BR" sz="1800" b="1" dirty="0"/>
-              <a:t>Preço unitário: </a:t>
-            </a:r>
-            <a:r>
-              <a:rPr lang="pt-BR" sz="1800" dirty="0"/>
-              <a:t>10.50</a:t>
-            </a:r>
-          </a:p>
-          <a:p>
-            <a:r>
-              <a:rPr lang="pt-BR" sz="1800" b="1" dirty="0"/>
-              <a:t>Nome do item:</a:t>
-            </a:r>
-            <a:r>
-              <a:rPr lang="pt-BR" sz="1800" dirty="0"/>
-              <a:t> Produto B</a:t>
-            </a:r>
-          </a:p>
-          <a:p>
-            <a:r>
-              <a:rPr lang="pt-BR" sz="1800" b="1" dirty="0"/>
-              <a:t>Quantidade: </a:t>
-            </a:r>
-            <a:r>
-              <a:rPr lang="pt-BR" sz="1800" dirty="0"/>
-              <a:t>1</a:t>
-            </a:r>
-          </a:p>
-          <a:p>
-            <a:r>
-              <a:rPr lang="pt-BR" sz="1800" b="1" dirty="0"/>
-              <a:t>Preço unitário: </a:t>
-            </a:r>
-            <a:r>
-              <a:rPr lang="pt-BR" sz="1800" dirty="0"/>
-              <a:t>25.00</a:t>
-            </a:r>
-          </a:p>
-        </p:txBody>
-      </p:sp>
-    </p:spTree>
-    <p:extLst>
-      <p:ext uri="{BB962C8B-B14F-4D97-AF65-F5344CB8AC3E}">
-        <p14:creationId xmlns:p14="http://schemas.microsoft.com/office/powerpoint/2010/main" val="2910531329"/>
-      </p:ext>
-    </p:extLst>
-  </p:cSld>
-  <p:clrMapOvr>
-    <a:masterClrMapping/>
-  </p:clrMapOvr>
-</p:sld>
-</file>
-
-<file path=ppt/slides/slide13.xml><?xml version="1.0" encoding="utf-8"?>
-<p:sld xmlns:a="http://schemas.openxmlformats.org/drawingml/2006/main" xmlns:r="http://schemas.openxmlformats.org/officeDocument/2006/relationships" xmlns:p="http://schemas.openxmlformats.org/presentationml/2006/main">
-  <p:cSld>
-    <p:spTree>
-      <p:nvGrpSpPr>
-        <p:cNvPr id="1" name=""/>
-        <p:cNvGrpSpPr/>
-        <p:nvPr/>
-      </p:nvGrpSpPr>
-      <p:grpSpPr>
-        <a:xfrm>
-          <a:off x="0" y="0"/>
-          <a:ext cx="0" cy="0"/>
-          <a:chOff x="0" y="0"/>
-          <a:chExt cx="0" cy="0"/>
-        </a:xfrm>
-      </p:grpSpPr>
-      <p:sp>
-        <p:nvSpPr>
-          <p:cNvPr id="2" name="Título 1">
-            <a:extLst>
-              <a:ext uri="{FF2B5EF4-FFF2-40B4-BE49-F238E27FC236}">
-                <a16:creationId xmlns:a16="http://schemas.microsoft.com/office/drawing/2014/main" id="{9C83C8CD-8401-4DC6-B477-672E88F3EB82}"/>
-              </a:ext>
-            </a:extLst>
-          </p:cNvPr>
-          <p:cNvSpPr>
-            <a:spLocks noGrp="1"/>
-          </p:cNvSpPr>
-          <p:nvPr>
-            <p:ph type="title"/>
-          </p:nvPr>
-        </p:nvSpPr>
-        <p:spPr/>
-        <p:txBody>
-          <a:bodyPr/>
-          <a:lstStyle/>
-          <a:p>
-            <a:r>
-              <a:rPr lang="pt-BR" dirty="0"/>
-              <a:t>Exemplo de Saída</a:t>
-            </a:r>
-          </a:p>
-        </p:txBody>
-      </p:sp>
-      <p:sp>
-        <p:nvSpPr>
-          <p:cNvPr id="3" name="Espaço Reservado para Conteúdo 2">
-            <a:extLst>
-              <a:ext uri="{FF2B5EF4-FFF2-40B4-BE49-F238E27FC236}">
-                <a16:creationId xmlns:a16="http://schemas.microsoft.com/office/drawing/2014/main" id="{E5F4117E-D99F-4F36-8DF8-1BBE4A8EBDB2}"/>
-              </a:ext>
-            </a:extLst>
-          </p:cNvPr>
-          <p:cNvSpPr>
-            <a:spLocks noGrp="1"/>
-          </p:cNvSpPr>
-          <p:nvPr>
-            <p:ph idx="1"/>
-          </p:nvPr>
-        </p:nvSpPr>
-        <p:spPr/>
-        <p:txBody>
-          <a:bodyPr/>
-          <a:lstStyle/>
-          <a:p>
-            <a:r>
-              <a:rPr lang="pt-BR" sz="1800" dirty="0"/>
-              <a:t>Pedido do cliente João da Silva (</a:t>
-            </a:r>
-            <a:r>
-              <a:rPr lang="pt-BR" sz="1800" dirty="0">
-                <a:hlinkClick r:id="rId2"/>
-              </a:rPr>
-              <a:t>joao@gmail.com</a:t>
-            </a:r>
-            <a:r>
-              <a:rPr lang="pt-BR" sz="1800" dirty="0"/>
-              <a:t>):</a:t>
-            </a:r>
-          </a:p>
-          <a:p>
-            <a:r>
-              <a:rPr lang="pt-BR" sz="1800" dirty="0"/>
-              <a:t>Total do pedido: R$ 56,50</a:t>
-            </a:r>
-          </a:p>
-          <a:p>
-            <a:r>
-              <a:rPr lang="pt-BR" sz="1800" dirty="0"/>
-              <a:t>Status do pedido: PENDENTE</a:t>
-            </a:r>
-          </a:p>
-        </p:txBody>
-      </p:sp>
-    </p:spTree>
-    <p:extLst>
-      <p:ext uri="{BB962C8B-B14F-4D97-AF65-F5344CB8AC3E}">
-        <p14:creationId xmlns:p14="http://schemas.microsoft.com/office/powerpoint/2010/main" val="2041902631"/>
       </p:ext>
     </p:extLst>
   </p:cSld>
@@ -5228,7 +3787,7 @@
           <p:cNvPr id="2" name="Título 1">
             <a:extLst>
               <a:ext uri="{FF2B5EF4-FFF2-40B4-BE49-F238E27FC236}">
-                <a16:creationId xmlns:a16="http://schemas.microsoft.com/office/drawing/2014/main" id="{272E6838-A390-4F99-9C0E-1742C5ED7375}"/>
+                <a16:creationId xmlns:a16="http://schemas.microsoft.com/office/drawing/2014/main" id="{0D84D924-540A-4316-943E-C6BA50E63230}"/>
               </a:ext>
             </a:extLst>
           </p:cNvPr>
@@ -5246,7 +3805,7 @@
           <a:p>
             <a:r>
               <a:rPr lang="pt-BR" dirty="0"/>
-              <a:t>Enumerações</a:t>
+              <a:t>Herança	</a:t>
             </a:r>
           </a:p>
         </p:txBody>
@@ -5256,7 +3815,7 @@
           <p:cNvPr id="3" name="Espaço Reservado para Conteúdo 2">
             <a:extLst>
               <a:ext uri="{FF2B5EF4-FFF2-40B4-BE49-F238E27FC236}">
-                <a16:creationId xmlns:a16="http://schemas.microsoft.com/office/drawing/2014/main" id="{BD6FFC19-B7D3-4883-83C1-F362931AB6B0}"/>
+                <a16:creationId xmlns:a16="http://schemas.microsoft.com/office/drawing/2014/main" id="{7E221AAF-219E-425B-A860-267505691DB6}"/>
               </a:ext>
             </a:extLst>
           </p:cNvPr>
@@ -5270,7 +3829,7 @@
         <p:spPr>
           <a:xfrm>
             <a:off x="592347" y="1844675"/>
-            <a:ext cx="11007306" cy="4351338"/>
+            <a:ext cx="11007306" cy="1978388"/>
           </a:xfrm>
         </p:spPr>
         <p:txBody>
@@ -5279,37 +3838,284 @@
           <a:p>
             <a:r>
               <a:rPr lang="pt-BR" dirty="0"/>
-              <a:t>As enumerações em Java (</a:t>
-            </a:r>
-            <a:r>
-              <a:rPr lang="pt-BR" dirty="0" err="1"/>
-              <a:t>enum</a:t>
-            </a:r>
+              <a:t>A herança é um dos pilares da programação orientada a objetos (POO) e permite que uma classe (chamada de classe filha ou subclasse) herde atributos e métodos de outra classe (chamada de classe pai ou superclasse).</a:t>
+            </a:r>
+          </a:p>
+          <a:p>
             <a:r>
               <a:rPr lang="pt-BR" dirty="0"/>
-              <a:t>) são um tipo especial de classe que representa um conjunto fixo de constantes. Elas são usadas quando há um número limitado de opções possíveis, como dias da semana, estados de um pedido ou tipos de pagamento. Diferente de variáveis final convencionais, um </a:t>
-            </a:r>
-            <a:r>
-              <a:rPr lang="pt-BR" dirty="0" err="1"/>
-              <a:t>enum</a:t>
-            </a:r>
-            <a:r>
-              <a:rPr lang="pt-BR" dirty="0"/>
-              <a:t> pode ter métodos, construtores e até atributos, tendo como vantagens:</a:t>
-            </a:r>
-          </a:p>
-          <a:p>
-            <a:pPr marL="1028700" lvl="1" indent="-342900"/>
-            <a:r>
-              <a:rPr lang="pt-BR" dirty="0"/>
-              <a:t>Melhor semântica</a:t>
-            </a:r>
-          </a:p>
-          <a:p>
-            <a:pPr marL="1028700" lvl="1" indent="-342900"/>
-            <a:r>
-              <a:rPr lang="pt-BR" dirty="0"/>
-              <a:t>Código mais legível e auxiliado pelo compilador</a:t>
+              <a:t>Essa técnica promove reutilização de código, facilidade de manutenção e organização do projeto.</a:t>
+            </a:r>
+          </a:p>
+        </p:txBody>
+      </p:sp>
+      <p:sp>
+        <p:nvSpPr>
+          <p:cNvPr id="4" name="Retângulo 3">
+            <a:extLst>
+              <a:ext uri="{FF2B5EF4-FFF2-40B4-BE49-F238E27FC236}">
+                <a16:creationId xmlns:a16="http://schemas.microsoft.com/office/drawing/2014/main" id="{B587A1F1-EEA6-48CA-B512-CE51E69F7B90}"/>
+              </a:ext>
+            </a:extLst>
+          </p:cNvPr>
+          <p:cNvSpPr/>
+          <p:nvPr/>
+        </p:nvSpPr>
+        <p:spPr>
+          <a:xfrm>
+            <a:off x="1365932" y="5124140"/>
+            <a:ext cx="2970685" cy="878830"/>
+          </a:xfrm>
+          <a:prstGeom prst="rect">
+            <a:avLst/>
+          </a:prstGeom>
+        </p:spPr>
+        <p:txBody>
+          <a:bodyPr wrap="none">
+            <a:spAutoFit/>
+          </a:bodyPr>
+          <a:lstStyle/>
+          <a:p>
+            <a:pPr>
+              <a:lnSpc>
+                <a:spcPct val="150000"/>
+              </a:lnSpc>
+            </a:pPr>
+            <a:r>
+              <a:rPr lang="pt-BR" b="1" dirty="0" err="1">
+                <a:solidFill>
+                  <a:srgbClr val="7F0055"/>
+                </a:solidFill>
+                <a:latin typeface="Consolas" panose="020B0609020204030204" pitchFamily="49" charset="0"/>
+              </a:rPr>
+              <a:t>public</a:t>
+            </a:r>
+            <a:r>
+              <a:rPr lang="pt-BR" dirty="0">
+                <a:solidFill>
+                  <a:srgbClr val="000000"/>
+                </a:solidFill>
+                <a:latin typeface="Consolas" panose="020B0609020204030204" pitchFamily="49" charset="0"/>
+              </a:rPr>
+              <a:t> </a:t>
+            </a:r>
+            <a:r>
+              <a:rPr lang="pt-BR" b="1" dirty="0" err="1">
+                <a:solidFill>
+                  <a:srgbClr val="7F0055"/>
+                </a:solidFill>
+                <a:latin typeface="Consolas" panose="020B0609020204030204" pitchFamily="49" charset="0"/>
+              </a:rPr>
+              <a:t>class</a:t>
+            </a:r>
+            <a:r>
+              <a:rPr lang="pt-BR" dirty="0">
+                <a:solidFill>
+                  <a:srgbClr val="000000"/>
+                </a:solidFill>
+                <a:latin typeface="Consolas" panose="020B0609020204030204" pitchFamily="49" charset="0"/>
+              </a:rPr>
+              <a:t> Veiculo {</a:t>
+            </a:r>
+          </a:p>
+          <a:p>
+            <a:pPr>
+              <a:lnSpc>
+                <a:spcPct val="150000"/>
+              </a:lnSpc>
+            </a:pPr>
+            <a:r>
+              <a:rPr lang="pt-BR" dirty="0">
+                <a:solidFill>
+                  <a:srgbClr val="000000"/>
+                </a:solidFill>
+                <a:latin typeface="Consolas" panose="020B0609020204030204" pitchFamily="49" charset="0"/>
+              </a:rPr>
+              <a:t>}</a:t>
+            </a:r>
+          </a:p>
+        </p:txBody>
+      </p:sp>
+      <p:sp>
+        <p:nvSpPr>
+          <p:cNvPr id="5" name="Retângulo 4">
+            <a:extLst>
+              <a:ext uri="{FF2B5EF4-FFF2-40B4-BE49-F238E27FC236}">
+                <a16:creationId xmlns:a16="http://schemas.microsoft.com/office/drawing/2014/main" id="{1300CE9B-4915-4B07-9094-95315EF1F69D}"/>
+              </a:ext>
+            </a:extLst>
+          </p:cNvPr>
+          <p:cNvSpPr/>
+          <p:nvPr/>
+        </p:nvSpPr>
+        <p:spPr>
+          <a:xfrm>
+            <a:off x="5702549" y="5123531"/>
+            <a:ext cx="4743606" cy="880049"/>
+          </a:xfrm>
+          <a:prstGeom prst="rect">
+            <a:avLst/>
+          </a:prstGeom>
+        </p:spPr>
+        <p:txBody>
+          <a:bodyPr wrap="none">
+            <a:spAutoFit/>
+          </a:bodyPr>
+          <a:lstStyle/>
+          <a:p>
+            <a:pPr>
+              <a:lnSpc>
+                <a:spcPct val="150000"/>
+              </a:lnSpc>
+            </a:pPr>
+            <a:r>
+              <a:rPr lang="pt-BR" b="1" dirty="0" err="1">
+                <a:solidFill>
+                  <a:srgbClr val="7F0055"/>
+                </a:solidFill>
+                <a:latin typeface="Consolas" panose="020B0609020204030204" pitchFamily="49" charset="0"/>
+              </a:rPr>
+              <a:t>public</a:t>
+            </a:r>
+            <a:r>
+              <a:rPr lang="pt-BR" dirty="0">
+                <a:solidFill>
+                  <a:srgbClr val="000000"/>
+                </a:solidFill>
+                <a:latin typeface="Consolas" panose="020B0609020204030204" pitchFamily="49" charset="0"/>
+              </a:rPr>
+              <a:t> </a:t>
+            </a:r>
+            <a:r>
+              <a:rPr lang="pt-BR" b="1" dirty="0" err="1">
+                <a:solidFill>
+                  <a:srgbClr val="7F0055"/>
+                </a:solidFill>
+                <a:latin typeface="Consolas" panose="020B0609020204030204" pitchFamily="49" charset="0"/>
+              </a:rPr>
+              <a:t>class</a:t>
+            </a:r>
+            <a:r>
+              <a:rPr lang="pt-BR" dirty="0">
+                <a:solidFill>
+                  <a:srgbClr val="000000"/>
+                </a:solidFill>
+                <a:latin typeface="Consolas" panose="020B0609020204030204" pitchFamily="49" charset="0"/>
+              </a:rPr>
+              <a:t> Carro </a:t>
+            </a:r>
+            <a:r>
+              <a:rPr lang="pt-BR" b="1" dirty="0" err="1">
+                <a:solidFill>
+                  <a:srgbClr val="7F0055"/>
+                </a:solidFill>
+                <a:latin typeface="Consolas" panose="020B0609020204030204" pitchFamily="49" charset="0"/>
+              </a:rPr>
+              <a:t>extends</a:t>
+            </a:r>
+            <a:r>
+              <a:rPr lang="pt-BR" dirty="0">
+                <a:solidFill>
+                  <a:srgbClr val="000000"/>
+                </a:solidFill>
+                <a:latin typeface="Consolas" panose="020B0609020204030204" pitchFamily="49" charset="0"/>
+              </a:rPr>
+              <a:t> Veiculo {</a:t>
+            </a:r>
+          </a:p>
+          <a:p>
+            <a:pPr>
+              <a:lnSpc>
+                <a:spcPct val="150000"/>
+              </a:lnSpc>
+            </a:pPr>
+            <a:r>
+              <a:rPr lang="pt-BR" dirty="0">
+                <a:solidFill>
+                  <a:srgbClr val="000000"/>
+                </a:solidFill>
+                <a:latin typeface="Consolas" panose="020B0609020204030204" pitchFamily="49" charset="0"/>
+              </a:rPr>
+              <a:t>}</a:t>
+            </a:r>
+            <a:endParaRPr lang="pt-BR" dirty="0"/>
+          </a:p>
+        </p:txBody>
+      </p:sp>
+      <p:sp>
+        <p:nvSpPr>
+          <p:cNvPr id="6" name="CaixaDeTexto 5">
+            <a:extLst>
+              <a:ext uri="{FF2B5EF4-FFF2-40B4-BE49-F238E27FC236}">
+                <a16:creationId xmlns:a16="http://schemas.microsoft.com/office/drawing/2014/main" id="{8F74EE8B-95F0-458A-8106-8ED07F10470D}"/>
+              </a:ext>
+            </a:extLst>
+          </p:cNvPr>
+          <p:cNvSpPr txBox="1"/>
+          <p:nvPr/>
+        </p:nvSpPr>
+        <p:spPr>
+          <a:xfrm>
+            <a:off x="2293534" y="4754199"/>
+            <a:ext cx="1115480" cy="338554"/>
+          </a:xfrm>
+          <a:prstGeom prst="rect">
+            <a:avLst/>
+          </a:prstGeom>
+          <a:noFill/>
+        </p:spPr>
+        <p:txBody>
+          <a:bodyPr wrap="square" rtlCol="0">
+            <a:spAutoFit/>
+          </a:bodyPr>
+          <a:lstStyle/>
+          <a:p>
+            <a:pPr algn="ctr"/>
+            <a:r>
+              <a:rPr lang="pt-BR" sz="1600" dirty="0">
+                <a:latin typeface="Times New Roman" panose="02020603050405020304" pitchFamily="18" charset="0"/>
+                <a:cs typeface="Times New Roman" panose="02020603050405020304" pitchFamily="18" charset="0"/>
+              </a:rPr>
+              <a:t>Classe Pai</a:t>
+            </a:r>
+          </a:p>
+        </p:txBody>
+      </p:sp>
+      <p:sp>
+        <p:nvSpPr>
+          <p:cNvPr id="7" name="CaixaDeTexto 6">
+            <a:extLst>
+              <a:ext uri="{FF2B5EF4-FFF2-40B4-BE49-F238E27FC236}">
+                <a16:creationId xmlns:a16="http://schemas.microsoft.com/office/drawing/2014/main" id="{90EC80A9-E65B-4805-AB0D-D59950A02392}"/>
+              </a:ext>
+            </a:extLst>
+          </p:cNvPr>
+          <p:cNvSpPr txBox="1"/>
+          <p:nvPr/>
+        </p:nvSpPr>
+        <p:spPr>
+          <a:xfrm>
+            <a:off x="7481911" y="4784977"/>
+            <a:ext cx="1184883" cy="338554"/>
+          </a:xfrm>
+          <a:prstGeom prst="rect">
+            <a:avLst/>
+          </a:prstGeom>
+          <a:noFill/>
+        </p:spPr>
+        <p:txBody>
+          <a:bodyPr wrap="square" rtlCol="0">
+            <a:spAutoFit/>
+          </a:bodyPr>
+          <a:lstStyle/>
+          <a:p>
+            <a:pPr algn="ctr"/>
+            <a:r>
+              <a:rPr lang="pt-BR" sz="1600" dirty="0">
+                <a:latin typeface="Times New Roman" panose="02020603050405020304" pitchFamily="18" charset="0"/>
+                <a:cs typeface="Times New Roman" panose="02020603050405020304" pitchFamily="18" charset="0"/>
+              </a:rPr>
+              <a:t>Classe Filha</a:t>
             </a:r>
           </a:p>
         </p:txBody>
@@ -5317,7 +4123,7 @@
     </p:spTree>
     <p:extLst>
       <p:ext uri="{BB962C8B-B14F-4D97-AF65-F5344CB8AC3E}">
-        <p14:creationId xmlns:p14="http://schemas.microsoft.com/office/powerpoint/2010/main" val="1639859345"/>
+        <p14:creationId xmlns:p14="http://schemas.microsoft.com/office/powerpoint/2010/main" val="2024618128"/>
       </p:ext>
     </p:extLst>
   </p:cSld>
@@ -5349,7 +4155,7 @@
           <p:cNvPr id="2" name="Título 1">
             <a:extLst>
               <a:ext uri="{FF2B5EF4-FFF2-40B4-BE49-F238E27FC236}">
-                <a16:creationId xmlns:a16="http://schemas.microsoft.com/office/drawing/2014/main" id="{832E01F1-38F6-4690-BD9D-90A02974DD1D}"/>
+                <a16:creationId xmlns:a16="http://schemas.microsoft.com/office/drawing/2014/main" id="{E043F642-E38A-4B17-B305-F70323727EF7}"/>
               </a:ext>
             </a:extLst>
           </p:cNvPr>
@@ -5367,436 +4173,171 @@
           <a:p>
             <a:r>
               <a:rPr lang="pt-BR" dirty="0"/>
-              <a:t>Exemplo – Ciclo de vida de um pedido</a:t>
-            </a:r>
-          </a:p>
-        </p:txBody>
-      </p:sp>
-      <p:sp>
-        <p:nvSpPr>
-          <p:cNvPr id="4" name="Elipse 3">
-            <a:extLst>
-              <a:ext uri="{FF2B5EF4-FFF2-40B4-BE49-F238E27FC236}">
-                <a16:creationId xmlns:a16="http://schemas.microsoft.com/office/drawing/2014/main" id="{1282368E-3874-4DFC-AF5B-F8384EAD0294}"/>
-              </a:ext>
-            </a:extLst>
-          </p:cNvPr>
-          <p:cNvSpPr/>
+              <a:t>Exemplo </a:t>
+            </a:r>
+          </a:p>
+        </p:txBody>
+      </p:sp>
+      <p:sp>
+        <p:nvSpPr>
+          <p:cNvPr id="3" name="Espaço Reservado para Conteúdo 2">
+            <a:extLst>
+              <a:ext uri="{FF2B5EF4-FFF2-40B4-BE49-F238E27FC236}">
+                <a16:creationId xmlns:a16="http://schemas.microsoft.com/office/drawing/2014/main" id="{2A74A100-D328-4756-BBA8-8AB542B26B35}"/>
+              </a:ext>
+            </a:extLst>
+          </p:cNvPr>
+          <p:cNvSpPr>
+            <a:spLocks noGrp="1"/>
+          </p:cNvSpPr>
+          <p:nvPr>
+            <p:ph idx="1"/>
+          </p:nvPr>
+        </p:nvSpPr>
+        <p:spPr>
+          <a:xfrm>
+            <a:off x="592347" y="1844675"/>
+            <a:ext cx="11007306" cy="994319"/>
+          </a:xfrm>
+        </p:spPr>
+        <p:txBody>
+          <a:bodyPr/>
+          <a:lstStyle/>
+          <a:p>
+            <a:r>
+              <a:rPr lang="pt-BR" sz="1600" dirty="0"/>
+              <a:t>Um exemplo prático de herança pode ser um sistema de gestão de funcionários, onde há uma classe genérica chamada </a:t>
+            </a:r>
+            <a:r>
+              <a:rPr lang="pt-BR" sz="1600" dirty="0" err="1"/>
+              <a:t>Funcionario</a:t>
+            </a:r>
+            <a:r>
+              <a:rPr lang="pt-BR" sz="1600" dirty="0"/>
+              <a:t>, e classes mais específicas como Gerente e Vendedor, que herdam características e comportamentos da classe pai.</a:t>
+            </a:r>
+          </a:p>
+        </p:txBody>
+      </p:sp>
+      <p:pic>
+        <p:nvPicPr>
+          <p:cNvPr id="7" name="Imagem 6">
+            <a:extLst>
+              <a:ext uri="{FF2B5EF4-FFF2-40B4-BE49-F238E27FC236}">
+                <a16:creationId xmlns:a16="http://schemas.microsoft.com/office/drawing/2014/main" id="{5E8AE307-8B5A-4EB5-AE5D-95027CF12C2A}"/>
+              </a:ext>
+            </a:extLst>
+          </p:cNvPr>
+          <p:cNvPicPr>
+            <a:picLocks noChangeAspect="1"/>
+          </p:cNvPicPr>
           <p:nvPr/>
-        </p:nvSpPr>
-        <p:spPr>
-          <a:xfrm>
-            <a:off x="5916000" y="1715623"/>
-            <a:ext cx="360000" cy="360000"/>
-          </a:xfrm>
-          <a:prstGeom prst="ellipse">
+        </p:nvPicPr>
+        <p:blipFill>
+          <a:blip r:embed="rId2"/>
+          <a:stretch>
+            <a:fillRect/>
+          </a:stretch>
+        </p:blipFill>
+        <p:spPr>
+          <a:xfrm>
+            <a:off x="4267588" y="2908138"/>
+            <a:ext cx="3240000" cy="1300408"/>
+          </a:xfrm>
+          <a:prstGeom prst="rect">
             <a:avLst/>
           </a:prstGeom>
-          <a:solidFill>
-            <a:schemeClr val="tx1"/>
-          </a:solidFill>
-          <a:ln>
-            <a:solidFill>
-              <a:schemeClr val="tx1"/>
-            </a:solidFill>
-          </a:ln>
-        </p:spPr>
-        <p:style>
-          <a:lnRef idx="2">
-            <a:schemeClr val="accent1">
-              <a:shade val="50000"/>
-            </a:schemeClr>
-          </a:lnRef>
-          <a:fillRef idx="1">
-            <a:schemeClr val="accent1"/>
-          </a:fillRef>
-          <a:effectRef idx="0">
-            <a:schemeClr val="accent1"/>
-          </a:effectRef>
-          <a:fontRef idx="minor">
-            <a:schemeClr val="lt1"/>
-          </a:fontRef>
-        </p:style>
-        <p:txBody>
-          <a:bodyPr rtlCol="0" anchor="ctr"/>
-          <a:lstStyle/>
-          <a:p>
-            <a:pPr algn="ctr"/>
-            <a:endParaRPr lang="pt-BR"/>
-          </a:p>
-        </p:txBody>
-      </p:sp>
-      <p:sp>
-        <p:nvSpPr>
-          <p:cNvPr id="5" name="Retângulo: Cantos Arredondados 4">
-            <a:extLst>
-              <a:ext uri="{FF2B5EF4-FFF2-40B4-BE49-F238E27FC236}">
-                <a16:creationId xmlns:a16="http://schemas.microsoft.com/office/drawing/2014/main" id="{81DD6F8C-5917-4E8C-8CC8-21BCFAF9AEC1}"/>
-              </a:ext>
-            </a:extLst>
-          </p:cNvPr>
-          <p:cNvSpPr/>
+        </p:spPr>
+      </p:pic>
+      <p:pic>
+        <p:nvPicPr>
+          <p:cNvPr id="8" name="Imagem 7">
+            <a:extLst>
+              <a:ext uri="{FF2B5EF4-FFF2-40B4-BE49-F238E27FC236}">
+                <a16:creationId xmlns:a16="http://schemas.microsoft.com/office/drawing/2014/main" id="{33868085-22EF-419F-B2AC-212A12FC168B}"/>
+              </a:ext>
+            </a:extLst>
+          </p:cNvPr>
+          <p:cNvPicPr>
+            <a:picLocks noChangeAspect="1"/>
+          </p:cNvPicPr>
           <p:nvPr/>
-        </p:nvSpPr>
-        <p:spPr>
-          <a:xfrm>
-            <a:off x="5376000" y="2455063"/>
-            <a:ext cx="1440000" cy="540000"/>
-          </a:xfrm>
-          <a:prstGeom prst="roundRect">
+        </p:nvPicPr>
+        <p:blipFill>
+          <a:blip r:embed="rId3"/>
+          <a:stretch>
+            <a:fillRect/>
+          </a:stretch>
+        </p:blipFill>
+        <p:spPr>
+          <a:xfrm>
+            <a:off x="1456081" y="5249412"/>
+            <a:ext cx="3240000" cy="1053000"/>
+          </a:xfrm>
+          <a:prstGeom prst="rect">
             <a:avLst/>
           </a:prstGeom>
-          <a:solidFill>
-            <a:schemeClr val="bg1"/>
-          </a:solidFill>
-          <a:ln w="19050">
+        </p:spPr>
+      </p:pic>
+      <p:pic>
+        <p:nvPicPr>
+          <p:cNvPr id="9" name="Imagem 8">
+            <a:extLst>
+              <a:ext uri="{FF2B5EF4-FFF2-40B4-BE49-F238E27FC236}">
+                <a16:creationId xmlns:a16="http://schemas.microsoft.com/office/drawing/2014/main" id="{F9C11D01-EFA5-4C5F-9D54-CCFC18BC144A}"/>
+              </a:ext>
+            </a:extLst>
+          </p:cNvPr>
+          <p:cNvPicPr>
+            <a:picLocks noChangeAspect="1"/>
+          </p:cNvPicPr>
+          <p:nvPr/>
+        </p:nvPicPr>
+        <p:blipFill>
+          <a:blip r:embed="rId4"/>
+          <a:stretch>
+            <a:fillRect/>
+          </a:stretch>
+        </p:blipFill>
+        <p:spPr>
+          <a:xfrm>
+            <a:off x="7079095" y="5249412"/>
+            <a:ext cx="3240000" cy="1055398"/>
+          </a:xfrm>
+          <a:prstGeom prst="rect">
+            <a:avLst/>
+          </a:prstGeom>
+        </p:spPr>
+      </p:pic>
+      <p:cxnSp>
+        <p:nvCxnSpPr>
+          <p:cNvPr id="11" name="Conector: Angulado 10">
+            <a:extLst>
+              <a:ext uri="{FF2B5EF4-FFF2-40B4-BE49-F238E27FC236}">
+                <a16:creationId xmlns:a16="http://schemas.microsoft.com/office/drawing/2014/main" id="{5DCC4665-BFFC-40AE-AFE7-D861CB10BDEF}"/>
+              </a:ext>
+            </a:extLst>
+          </p:cNvPr>
+          <p:cNvCxnSpPr>
+            <a:stCxn id="7" idx="2"/>
+            <a:endCxn id="8" idx="0"/>
+          </p:cNvCxnSpPr>
+          <p:nvPr/>
+        </p:nvCxnSpPr>
+        <p:spPr>
+          <a:xfrm rot="5400000">
+            <a:off x="3961402" y="3323226"/>
+            <a:ext cx="1040866" cy="2811507"/>
+          </a:xfrm>
+          <a:prstGeom prst="bentConnector3">
+            <a:avLst/>
+          </a:prstGeom>
+          <a:ln w="28575">
             <a:solidFill>
               <a:schemeClr val="tx1">
                 <a:lumMod val="95000"/>
                 <a:lumOff val="5000"/>
               </a:schemeClr>
-            </a:solidFill>
-          </a:ln>
-        </p:spPr>
-        <p:style>
-          <a:lnRef idx="2">
-            <a:schemeClr val="accent1">
-              <a:shade val="50000"/>
-            </a:schemeClr>
-          </a:lnRef>
-          <a:fillRef idx="1">
-            <a:schemeClr val="accent1"/>
-          </a:fillRef>
-          <a:effectRef idx="0">
-            <a:schemeClr val="accent1"/>
-          </a:effectRef>
-          <a:fontRef idx="minor">
-            <a:schemeClr val="lt1"/>
-          </a:fontRef>
-        </p:style>
-        <p:txBody>
-          <a:bodyPr rot="0" spcFirstLastPara="0" vertOverflow="overflow" horzOverflow="overflow" vert="horz" wrap="square" lIns="91440" tIns="45720" rIns="91440" bIns="45720" numCol="1" spcCol="0" rtlCol="0" fromWordArt="0" anchor="ctr" anchorCtr="0" forceAA="0" compatLnSpc="1">
-            <a:prstTxWarp prst="textNoShape">
-              <a:avLst/>
-            </a:prstTxWarp>
-            <a:noAutofit/>
-          </a:bodyPr>
-          <a:lstStyle/>
-          <a:p>
-            <a:pPr algn="ctr"/>
-            <a:r>
-              <a:rPr lang="pt-BR" sz="1200" dirty="0" err="1">
-                <a:solidFill>
-                  <a:schemeClr val="tx1"/>
-                </a:solidFill>
-                <a:latin typeface="Times New Roman" panose="02020603050405020304" pitchFamily="18" charset="0"/>
-                <a:cs typeface="Times New Roman" panose="02020603050405020304" pitchFamily="18" charset="0"/>
-              </a:rPr>
-              <a:t>pagamentoPedente</a:t>
-            </a:r>
-            <a:endParaRPr lang="pt-BR" sz="1200" dirty="0">
-              <a:solidFill>
-                <a:schemeClr val="tx1"/>
-              </a:solidFill>
-              <a:latin typeface="Times New Roman" panose="02020603050405020304" pitchFamily="18" charset="0"/>
-              <a:cs typeface="Times New Roman" panose="02020603050405020304" pitchFamily="18" charset="0"/>
-            </a:endParaRPr>
-          </a:p>
-        </p:txBody>
-      </p:sp>
-      <p:sp>
-        <p:nvSpPr>
-          <p:cNvPr id="6" name="Retângulo: Cantos Arredondados 5">
-            <a:extLst>
-              <a:ext uri="{FF2B5EF4-FFF2-40B4-BE49-F238E27FC236}">
-                <a16:creationId xmlns:a16="http://schemas.microsoft.com/office/drawing/2014/main" id="{CBAABF08-8E31-47A4-812E-7EFF0A093947}"/>
-              </a:ext>
-            </a:extLst>
-          </p:cNvPr>
-          <p:cNvSpPr/>
-          <p:nvPr/>
-        </p:nvSpPr>
-        <p:spPr>
-          <a:xfrm>
-            <a:off x="5376000" y="3374503"/>
-            <a:ext cx="1440000" cy="540000"/>
-          </a:xfrm>
-          <a:prstGeom prst="roundRect">
-            <a:avLst/>
-          </a:prstGeom>
-          <a:solidFill>
-            <a:schemeClr val="bg1"/>
-          </a:solidFill>
-          <a:ln w="19050">
-            <a:solidFill>
-              <a:schemeClr val="tx1">
-                <a:lumMod val="95000"/>
-                <a:lumOff val="5000"/>
-              </a:schemeClr>
-            </a:solidFill>
-          </a:ln>
-        </p:spPr>
-        <p:style>
-          <a:lnRef idx="2">
-            <a:schemeClr val="accent1">
-              <a:shade val="50000"/>
-            </a:schemeClr>
-          </a:lnRef>
-          <a:fillRef idx="1">
-            <a:schemeClr val="accent1"/>
-          </a:fillRef>
-          <a:effectRef idx="0">
-            <a:schemeClr val="accent1"/>
-          </a:effectRef>
-          <a:fontRef idx="minor">
-            <a:schemeClr val="lt1"/>
-          </a:fontRef>
-        </p:style>
-        <p:txBody>
-          <a:bodyPr rot="0" spcFirstLastPara="0" vertOverflow="overflow" horzOverflow="overflow" vert="horz" wrap="square" lIns="91440" tIns="45720" rIns="91440" bIns="45720" numCol="1" spcCol="0" rtlCol="0" fromWordArt="0" anchor="ctr" anchorCtr="0" forceAA="0" compatLnSpc="1">
-            <a:prstTxWarp prst="textNoShape">
-              <a:avLst/>
-            </a:prstTxWarp>
-            <a:noAutofit/>
-          </a:bodyPr>
-          <a:lstStyle/>
-          <a:p>
-            <a:pPr algn="ctr"/>
-            <a:r>
-              <a:rPr lang="pt-BR" sz="1200" dirty="0">
-                <a:solidFill>
-                  <a:schemeClr val="tx1"/>
-                </a:solidFill>
-                <a:latin typeface="Times New Roman" panose="02020603050405020304" pitchFamily="18" charset="0"/>
-                <a:cs typeface="Times New Roman" panose="02020603050405020304" pitchFamily="18" charset="0"/>
-              </a:rPr>
-              <a:t>processando</a:t>
-            </a:r>
-          </a:p>
-        </p:txBody>
-      </p:sp>
-      <p:sp>
-        <p:nvSpPr>
-          <p:cNvPr id="7" name="Retângulo: Cantos Arredondados 6">
-            <a:extLst>
-              <a:ext uri="{FF2B5EF4-FFF2-40B4-BE49-F238E27FC236}">
-                <a16:creationId xmlns:a16="http://schemas.microsoft.com/office/drawing/2014/main" id="{5653A840-D735-44AE-BE5B-B2CCEFE9916F}"/>
-              </a:ext>
-            </a:extLst>
-          </p:cNvPr>
-          <p:cNvSpPr/>
-          <p:nvPr/>
-        </p:nvSpPr>
-        <p:spPr>
-          <a:xfrm>
-            <a:off x="5376000" y="4293943"/>
-            <a:ext cx="1440000" cy="540000"/>
-          </a:xfrm>
-          <a:prstGeom prst="roundRect">
-            <a:avLst/>
-          </a:prstGeom>
-          <a:solidFill>
-            <a:schemeClr val="bg1"/>
-          </a:solidFill>
-          <a:ln w="19050">
-            <a:solidFill>
-              <a:schemeClr val="tx1">
-                <a:lumMod val="95000"/>
-                <a:lumOff val="5000"/>
-              </a:schemeClr>
-            </a:solidFill>
-          </a:ln>
-        </p:spPr>
-        <p:style>
-          <a:lnRef idx="2">
-            <a:schemeClr val="accent1">
-              <a:shade val="50000"/>
-            </a:schemeClr>
-          </a:lnRef>
-          <a:fillRef idx="1">
-            <a:schemeClr val="accent1"/>
-          </a:fillRef>
-          <a:effectRef idx="0">
-            <a:schemeClr val="accent1"/>
-          </a:effectRef>
-          <a:fontRef idx="minor">
-            <a:schemeClr val="lt1"/>
-          </a:fontRef>
-        </p:style>
-        <p:txBody>
-          <a:bodyPr rot="0" spcFirstLastPara="0" vertOverflow="overflow" horzOverflow="overflow" vert="horz" wrap="square" lIns="91440" tIns="45720" rIns="91440" bIns="45720" numCol="1" spcCol="0" rtlCol="0" fromWordArt="0" anchor="ctr" anchorCtr="0" forceAA="0" compatLnSpc="1">
-            <a:prstTxWarp prst="textNoShape">
-              <a:avLst/>
-            </a:prstTxWarp>
-            <a:noAutofit/>
-          </a:bodyPr>
-          <a:lstStyle/>
-          <a:p>
-            <a:pPr algn="ctr"/>
-            <a:r>
-              <a:rPr lang="pt-BR" sz="1200" dirty="0">
-                <a:solidFill>
-                  <a:schemeClr val="tx1"/>
-                </a:solidFill>
-                <a:latin typeface="Times New Roman" panose="02020603050405020304" pitchFamily="18" charset="0"/>
-                <a:cs typeface="Times New Roman" panose="02020603050405020304" pitchFamily="18" charset="0"/>
-              </a:rPr>
-              <a:t>enviado</a:t>
-            </a:r>
-          </a:p>
-        </p:txBody>
-      </p:sp>
-      <p:sp>
-        <p:nvSpPr>
-          <p:cNvPr id="8" name="Retângulo: Cantos Arredondados 7">
-            <a:extLst>
-              <a:ext uri="{FF2B5EF4-FFF2-40B4-BE49-F238E27FC236}">
-                <a16:creationId xmlns:a16="http://schemas.microsoft.com/office/drawing/2014/main" id="{EA3C4DB8-7148-4A8F-AF73-25964AE5DEA8}"/>
-              </a:ext>
-            </a:extLst>
-          </p:cNvPr>
-          <p:cNvSpPr/>
-          <p:nvPr/>
-        </p:nvSpPr>
-        <p:spPr>
-          <a:xfrm>
-            <a:off x="5376000" y="5213383"/>
-            <a:ext cx="1440000" cy="540000"/>
-          </a:xfrm>
-          <a:prstGeom prst="roundRect">
-            <a:avLst/>
-          </a:prstGeom>
-          <a:solidFill>
-            <a:schemeClr val="bg1"/>
-          </a:solidFill>
-          <a:ln w="19050">
-            <a:solidFill>
-              <a:schemeClr val="tx1">
-                <a:lumMod val="95000"/>
-                <a:lumOff val="5000"/>
-              </a:schemeClr>
-            </a:solidFill>
-          </a:ln>
-        </p:spPr>
-        <p:style>
-          <a:lnRef idx="2">
-            <a:schemeClr val="accent1">
-              <a:shade val="50000"/>
-            </a:schemeClr>
-          </a:lnRef>
-          <a:fillRef idx="1">
-            <a:schemeClr val="accent1"/>
-          </a:fillRef>
-          <a:effectRef idx="0">
-            <a:schemeClr val="accent1"/>
-          </a:effectRef>
-          <a:fontRef idx="minor">
-            <a:schemeClr val="lt1"/>
-          </a:fontRef>
-        </p:style>
-        <p:txBody>
-          <a:bodyPr rot="0" spcFirstLastPara="0" vertOverflow="overflow" horzOverflow="overflow" vert="horz" wrap="square" lIns="91440" tIns="45720" rIns="91440" bIns="45720" numCol="1" spcCol="0" rtlCol="0" fromWordArt="0" anchor="ctr" anchorCtr="0" forceAA="0" compatLnSpc="1">
-            <a:prstTxWarp prst="textNoShape">
-              <a:avLst/>
-            </a:prstTxWarp>
-            <a:noAutofit/>
-          </a:bodyPr>
-          <a:lstStyle/>
-          <a:p>
-            <a:pPr algn="ctr"/>
-            <a:r>
-              <a:rPr lang="pt-BR" sz="1200" dirty="0">
-                <a:solidFill>
-                  <a:schemeClr val="tx1"/>
-                </a:solidFill>
-                <a:latin typeface="Times New Roman" panose="02020603050405020304" pitchFamily="18" charset="0"/>
-                <a:cs typeface="Times New Roman" panose="02020603050405020304" pitchFamily="18" charset="0"/>
-              </a:rPr>
-              <a:t>entregue</a:t>
-            </a:r>
-          </a:p>
-        </p:txBody>
-      </p:sp>
-      <p:sp>
-        <p:nvSpPr>
-          <p:cNvPr id="9" name="Elipse 8">
-            <a:extLst>
-              <a:ext uri="{FF2B5EF4-FFF2-40B4-BE49-F238E27FC236}">
-                <a16:creationId xmlns:a16="http://schemas.microsoft.com/office/drawing/2014/main" id="{76C0DC08-B6E3-4AF4-8128-562429B3C71C}"/>
-              </a:ext>
-            </a:extLst>
-          </p:cNvPr>
-          <p:cNvSpPr/>
-          <p:nvPr/>
-        </p:nvSpPr>
-        <p:spPr>
-          <a:xfrm>
-            <a:off x="5916000" y="6132824"/>
-            <a:ext cx="360000" cy="360000"/>
-          </a:xfrm>
-          <a:prstGeom prst="ellipse">
-            <a:avLst/>
-          </a:prstGeom>
-          <a:solidFill>
-            <a:schemeClr val="tx1"/>
-          </a:solidFill>
-          <a:ln>
-            <a:solidFill>
-              <a:schemeClr val="tx1"/>
-            </a:solidFill>
-          </a:ln>
-        </p:spPr>
-        <p:style>
-          <a:lnRef idx="2">
-            <a:schemeClr val="accent1">
-              <a:shade val="50000"/>
-            </a:schemeClr>
-          </a:lnRef>
-          <a:fillRef idx="1">
-            <a:schemeClr val="accent1"/>
-          </a:fillRef>
-          <a:effectRef idx="0">
-            <a:schemeClr val="accent1"/>
-          </a:effectRef>
-          <a:fontRef idx="minor">
-            <a:schemeClr val="lt1"/>
-          </a:fontRef>
-        </p:style>
-        <p:txBody>
-          <a:bodyPr rtlCol="0" anchor="ctr"/>
-          <a:lstStyle/>
-          <a:p>
-            <a:pPr algn="ctr"/>
-            <a:endParaRPr lang="pt-BR"/>
-          </a:p>
-        </p:txBody>
-      </p:sp>
-      <p:cxnSp>
-        <p:nvCxnSpPr>
-          <p:cNvPr id="17" name="Conector de Seta Reta 16">
-            <a:extLst>
-              <a:ext uri="{FF2B5EF4-FFF2-40B4-BE49-F238E27FC236}">
-                <a16:creationId xmlns:a16="http://schemas.microsoft.com/office/drawing/2014/main" id="{AC698232-E982-4C08-A81C-08407146E11C}"/>
-              </a:ext>
-            </a:extLst>
-          </p:cNvPr>
-          <p:cNvCxnSpPr>
-            <a:stCxn id="4" idx="4"/>
-            <a:endCxn id="5" idx="0"/>
-          </p:cNvCxnSpPr>
-          <p:nvPr/>
-        </p:nvCxnSpPr>
-        <p:spPr>
-          <a:xfrm>
-            <a:off x="6096000" y="2075623"/>
-            <a:ext cx="0" cy="379440"/>
-          </a:xfrm>
-          <a:prstGeom prst="straightConnector1">
-            <a:avLst/>
-          </a:prstGeom>
-          <a:ln w="19050">
-            <a:solidFill>
-              <a:schemeClr val="tx1"/>
             </a:solidFill>
             <a:tailEnd type="triangle"/>
           </a:ln>
@@ -5818,30 +4359,33 @@
       </p:cxnSp>
       <p:cxnSp>
         <p:nvCxnSpPr>
-          <p:cNvPr id="21" name="Conector de Seta Reta 20">
-            <a:extLst>
-              <a:ext uri="{FF2B5EF4-FFF2-40B4-BE49-F238E27FC236}">
-                <a16:creationId xmlns:a16="http://schemas.microsoft.com/office/drawing/2014/main" id="{DE820786-1015-4D53-B4FD-338C23009DCC}"/>
+          <p:cNvPr id="13" name="Conector: Angulado 12">
+            <a:extLst>
+              <a:ext uri="{FF2B5EF4-FFF2-40B4-BE49-F238E27FC236}">
+                <a16:creationId xmlns:a16="http://schemas.microsoft.com/office/drawing/2014/main" id="{033EE9D9-2A89-4ADA-90DE-318D1F09CB34}"/>
               </a:ext>
             </a:extLst>
           </p:cNvPr>
           <p:cNvCxnSpPr>
-            <a:stCxn id="5" idx="2"/>
-            <a:endCxn id="6" idx="0"/>
+            <a:stCxn id="7" idx="2"/>
+            <a:endCxn id="9" idx="0"/>
           </p:cNvCxnSpPr>
           <p:nvPr/>
         </p:nvCxnSpPr>
         <p:spPr>
-          <a:xfrm>
-            <a:off x="6096000" y="2995063"/>
-            <a:ext cx="0" cy="379440"/>
-          </a:xfrm>
-          <a:prstGeom prst="straightConnector1">
+          <a:xfrm rot="16200000" flipH="1">
+            <a:off x="6772908" y="3323225"/>
+            <a:ext cx="1040866" cy="2811507"/>
+          </a:xfrm>
+          <a:prstGeom prst="bentConnector3">
             <a:avLst/>
           </a:prstGeom>
-          <a:ln w="19050">
+          <a:ln w="28575">
             <a:solidFill>
-              <a:schemeClr val="tx1"/>
+              <a:schemeClr val="tx1">
+                <a:lumMod val="95000"/>
+                <a:lumOff val="5000"/>
+              </a:schemeClr>
             </a:solidFill>
             <a:tailEnd type="triangle"/>
           </a:ln>
@@ -5861,267 +4405,10 @@
           </a:fontRef>
         </p:style>
       </p:cxnSp>
-      <p:cxnSp>
-        <p:nvCxnSpPr>
-          <p:cNvPr id="23" name="Conector de Seta Reta 22">
-            <a:extLst>
-              <a:ext uri="{FF2B5EF4-FFF2-40B4-BE49-F238E27FC236}">
-                <a16:creationId xmlns:a16="http://schemas.microsoft.com/office/drawing/2014/main" id="{62DD2803-5143-4840-880A-B69498C883F1}"/>
-              </a:ext>
-            </a:extLst>
-          </p:cNvPr>
-          <p:cNvCxnSpPr>
-            <a:stCxn id="6" idx="2"/>
-            <a:endCxn id="7" idx="0"/>
-          </p:cNvCxnSpPr>
-          <p:nvPr/>
-        </p:nvCxnSpPr>
-        <p:spPr>
-          <a:xfrm>
-            <a:off x="6096000" y="3914503"/>
-            <a:ext cx="0" cy="379440"/>
-          </a:xfrm>
-          <a:prstGeom prst="straightConnector1">
-            <a:avLst/>
-          </a:prstGeom>
-          <a:ln w="19050">
-            <a:solidFill>
-              <a:schemeClr val="tx1"/>
-            </a:solidFill>
-            <a:tailEnd type="triangle"/>
-          </a:ln>
-        </p:spPr>
-        <p:style>
-          <a:lnRef idx="1">
-            <a:schemeClr val="accent1"/>
-          </a:lnRef>
-          <a:fillRef idx="0">
-            <a:schemeClr val="accent1"/>
-          </a:fillRef>
-          <a:effectRef idx="0">
-            <a:schemeClr val="accent1"/>
-          </a:effectRef>
-          <a:fontRef idx="minor">
-            <a:schemeClr val="tx1"/>
-          </a:fontRef>
-        </p:style>
-      </p:cxnSp>
-      <p:cxnSp>
-        <p:nvCxnSpPr>
-          <p:cNvPr id="25" name="Conector de Seta Reta 24">
-            <a:extLst>
-              <a:ext uri="{FF2B5EF4-FFF2-40B4-BE49-F238E27FC236}">
-                <a16:creationId xmlns:a16="http://schemas.microsoft.com/office/drawing/2014/main" id="{23FCB8AB-7210-40B7-864E-7D7644FFEE33}"/>
-              </a:ext>
-            </a:extLst>
-          </p:cNvPr>
-          <p:cNvCxnSpPr>
-            <a:stCxn id="7" idx="2"/>
-            <a:endCxn id="8" idx="0"/>
-          </p:cNvCxnSpPr>
-          <p:nvPr/>
-        </p:nvCxnSpPr>
-        <p:spPr>
-          <a:xfrm>
-            <a:off x="6096000" y="4833943"/>
-            <a:ext cx="0" cy="379440"/>
-          </a:xfrm>
-          <a:prstGeom prst="straightConnector1">
-            <a:avLst/>
-          </a:prstGeom>
-          <a:ln w="19050">
-            <a:solidFill>
-              <a:schemeClr val="tx1"/>
-            </a:solidFill>
-            <a:tailEnd type="triangle"/>
-          </a:ln>
-        </p:spPr>
-        <p:style>
-          <a:lnRef idx="1">
-            <a:schemeClr val="accent1"/>
-          </a:lnRef>
-          <a:fillRef idx="0">
-            <a:schemeClr val="accent1"/>
-          </a:fillRef>
-          <a:effectRef idx="0">
-            <a:schemeClr val="accent1"/>
-          </a:effectRef>
-          <a:fontRef idx="minor">
-            <a:schemeClr val="tx1"/>
-          </a:fontRef>
-        </p:style>
-      </p:cxnSp>
-      <p:cxnSp>
-        <p:nvCxnSpPr>
-          <p:cNvPr id="27" name="Conector de Seta Reta 26">
-            <a:extLst>
-              <a:ext uri="{FF2B5EF4-FFF2-40B4-BE49-F238E27FC236}">
-                <a16:creationId xmlns:a16="http://schemas.microsoft.com/office/drawing/2014/main" id="{D46388DB-CC84-4CCD-A605-861A129253C7}"/>
-              </a:ext>
-            </a:extLst>
-          </p:cNvPr>
-          <p:cNvCxnSpPr>
-            <a:stCxn id="8" idx="2"/>
-            <a:endCxn id="9" idx="0"/>
-          </p:cNvCxnSpPr>
-          <p:nvPr/>
-        </p:nvCxnSpPr>
-        <p:spPr>
-          <a:xfrm>
-            <a:off x="6096000" y="5753383"/>
-            <a:ext cx="0" cy="379441"/>
-          </a:xfrm>
-          <a:prstGeom prst="straightConnector1">
-            <a:avLst/>
-          </a:prstGeom>
-          <a:ln w="19050">
-            <a:solidFill>
-              <a:schemeClr val="tx1"/>
-            </a:solidFill>
-            <a:tailEnd type="triangle"/>
-          </a:ln>
-        </p:spPr>
-        <p:style>
-          <a:lnRef idx="1">
-            <a:schemeClr val="accent1"/>
-          </a:lnRef>
-          <a:fillRef idx="0">
-            <a:schemeClr val="accent1"/>
-          </a:fillRef>
-          <a:effectRef idx="0">
-            <a:schemeClr val="accent1"/>
-          </a:effectRef>
-          <a:fontRef idx="minor">
-            <a:schemeClr val="tx1"/>
-          </a:fontRef>
-        </p:style>
-      </p:cxnSp>
-      <p:sp>
-        <p:nvSpPr>
-          <p:cNvPr id="28" name="CaixaDeTexto 27">
-            <a:extLst>
-              <a:ext uri="{FF2B5EF4-FFF2-40B4-BE49-F238E27FC236}">
-                <a16:creationId xmlns:a16="http://schemas.microsoft.com/office/drawing/2014/main" id="{9711FE21-5735-4518-80E5-3B9D91C5A3CD}"/>
-              </a:ext>
-            </a:extLst>
-          </p:cNvPr>
-          <p:cNvSpPr txBox="1"/>
-          <p:nvPr/>
-        </p:nvSpPr>
-        <p:spPr>
-          <a:xfrm>
-            <a:off x="6570756" y="3046283"/>
-            <a:ext cx="805400" cy="276999"/>
-          </a:xfrm>
-          <a:prstGeom prst="rect">
-            <a:avLst/>
-          </a:prstGeom>
-          <a:noFill/>
-        </p:spPr>
-        <p:txBody>
-          <a:bodyPr wrap="square" rtlCol="0">
-            <a:spAutoFit/>
-          </a:bodyPr>
-          <a:lstStyle/>
-          <a:p>
-            <a:r>
-              <a:rPr lang="pt-BR" sz="1200" dirty="0" err="1">
-                <a:latin typeface="Times New Roman" panose="02020603050405020304" pitchFamily="18" charset="0"/>
-                <a:cs typeface="Times New Roman" panose="02020603050405020304" pitchFamily="18" charset="0"/>
-              </a:rPr>
-              <a:t>cobranca</a:t>
-            </a:r>
-            <a:endParaRPr lang="pt-BR" sz="1200" dirty="0">
-              <a:latin typeface="Times New Roman" panose="02020603050405020304" pitchFamily="18" charset="0"/>
-              <a:cs typeface="Times New Roman" panose="02020603050405020304" pitchFamily="18" charset="0"/>
-            </a:endParaRPr>
-          </a:p>
-        </p:txBody>
-      </p:sp>
-      <p:sp>
-        <p:nvSpPr>
-          <p:cNvPr id="29" name="CaixaDeTexto 28">
-            <a:extLst>
-              <a:ext uri="{FF2B5EF4-FFF2-40B4-BE49-F238E27FC236}">
-                <a16:creationId xmlns:a16="http://schemas.microsoft.com/office/drawing/2014/main" id="{74B0A4B2-DC6B-46DD-86A1-1B44E7AD98F8}"/>
-              </a:ext>
-            </a:extLst>
-          </p:cNvPr>
-          <p:cNvSpPr txBox="1"/>
-          <p:nvPr/>
-        </p:nvSpPr>
-        <p:spPr>
-          <a:xfrm>
-            <a:off x="6570756" y="3965723"/>
-            <a:ext cx="805400" cy="276999"/>
-          </a:xfrm>
-          <a:prstGeom prst="rect">
-            <a:avLst/>
-          </a:prstGeom>
-          <a:noFill/>
-        </p:spPr>
-        <p:txBody>
-          <a:bodyPr wrap="square" rtlCol="0">
-            <a:spAutoFit/>
-          </a:bodyPr>
-          <a:lstStyle/>
-          <a:p>
-            <a:r>
-              <a:rPr lang="pt-BR" sz="1200" dirty="0" err="1">
-                <a:latin typeface="Times New Roman" panose="02020603050405020304" pitchFamily="18" charset="0"/>
-                <a:cs typeface="Times New Roman" panose="02020603050405020304" pitchFamily="18" charset="0"/>
-              </a:rPr>
-              <a:t>expidicao</a:t>
-            </a:r>
-            <a:endParaRPr lang="pt-BR" sz="1200" dirty="0">
-              <a:latin typeface="Times New Roman" panose="02020603050405020304" pitchFamily="18" charset="0"/>
-              <a:cs typeface="Times New Roman" panose="02020603050405020304" pitchFamily="18" charset="0"/>
-            </a:endParaRPr>
-          </a:p>
-        </p:txBody>
-      </p:sp>
-      <p:sp>
-        <p:nvSpPr>
-          <p:cNvPr id="30" name="CaixaDeTexto 29">
-            <a:extLst>
-              <a:ext uri="{FF2B5EF4-FFF2-40B4-BE49-F238E27FC236}">
-                <a16:creationId xmlns:a16="http://schemas.microsoft.com/office/drawing/2014/main" id="{A9754EAC-E5EF-422B-9FCC-7C077383A8BE}"/>
-              </a:ext>
-            </a:extLst>
-          </p:cNvPr>
-          <p:cNvSpPr txBox="1"/>
-          <p:nvPr/>
-        </p:nvSpPr>
-        <p:spPr>
-          <a:xfrm>
-            <a:off x="6570756" y="4885163"/>
-            <a:ext cx="805400" cy="276999"/>
-          </a:xfrm>
-          <a:prstGeom prst="rect">
-            <a:avLst/>
-          </a:prstGeom>
-          <a:noFill/>
-        </p:spPr>
-        <p:txBody>
-          <a:bodyPr wrap="square" rtlCol="0">
-            <a:spAutoFit/>
-          </a:bodyPr>
-          <a:lstStyle/>
-          <a:p>
-            <a:r>
-              <a:rPr lang="pt-BR" sz="1200" dirty="0">
-                <a:latin typeface="Times New Roman" panose="02020603050405020304" pitchFamily="18" charset="0"/>
-                <a:cs typeface="Times New Roman" panose="02020603050405020304" pitchFamily="18" charset="0"/>
-              </a:rPr>
-              <a:t>entregar</a:t>
-            </a:r>
-          </a:p>
-        </p:txBody>
-      </p:sp>
     </p:spTree>
     <p:extLst>
       <p:ext uri="{BB962C8B-B14F-4D97-AF65-F5344CB8AC3E}">
-        <p14:creationId xmlns:p14="http://schemas.microsoft.com/office/powerpoint/2010/main" val="3903066355"/>
+        <p14:creationId xmlns:p14="http://schemas.microsoft.com/office/powerpoint/2010/main" val="1963364193"/>
       </p:ext>
     </p:extLst>
   </p:cSld>
@@ -6153,7 +4440,7 @@
           <p:cNvPr id="2" name="Título 1">
             <a:extLst>
               <a:ext uri="{FF2B5EF4-FFF2-40B4-BE49-F238E27FC236}">
-                <a16:creationId xmlns:a16="http://schemas.microsoft.com/office/drawing/2014/main" id="{03553AE7-AA7B-4D96-84DD-4943C49EA982}"/>
+                <a16:creationId xmlns:a16="http://schemas.microsoft.com/office/drawing/2014/main" id="{13BF5B45-63CF-41F7-8496-D896490AE335}"/>
               </a:ext>
             </a:extLst>
           </p:cNvPr>
@@ -6171,17 +4458,105 @@
           <a:p>
             <a:r>
               <a:rPr lang="pt-BR" dirty="0"/>
-              <a:t>Criando a classe enumerada</a:t>
-            </a:r>
-          </a:p>
-        </p:txBody>
-      </p:sp>
-      <p:sp>
-        <p:nvSpPr>
-          <p:cNvPr id="4" name="Retângulo 3">
-            <a:extLst>
-              <a:ext uri="{FF2B5EF4-FFF2-40B4-BE49-F238E27FC236}">
-                <a16:creationId xmlns:a16="http://schemas.microsoft.com/office/drawing/2014/main" id="{5C7D2A6F-A459-499C-AD14-95D9BC8529EE}"/>
+              <a:t>Construtor </a:t>
+            </a:r>
+            <a:r>
+              <a:rPr lang="pt-BR" dirty="0" err="1"/>
+              <a:t>Super</a:t>
+            </a:r>
+            <a:r>
+              <a:rPr lang="pt-BR" dirty="0"/>
+              <a:t>()</a:t>
+            </a:r>
+          </a:p>
+        </p:txBody>
+      </p:sp>
+      <p:sp>
+        <p:nvSpPr>
+          <p:cNvPr id="3" name="Espaço Reservado para Conteúdo 2">
+            <a:extLst>
+              <a:ext uri="{FF2B5EF4-FFF2-40B4-BE49-F238E27FC236}">
+                <a16:creationId xmlns:a16="http://schemas.microsoft.com/office/drawing/2014/main" id="{05C539C4-EDD4-414C-ADA6-9C2633603CB2}"/>
+              </a:ext>
+            </a:extLst>
+          </p:cNvPr>
+          <p:cNvSpPr>
+            <a:spLocks noGrp="1"/>
+          </p:cNvSpPr>
+          <p:nvPr>
+            <p:ph idx="1"/>
+          </p:nvPr>
+        </p:nvSpPr>
+        <p:spPr>
+          <a:xfrm>
+            <a:off x="592347" y="1844675"/>
+            <a:ext cx="11007306" cy="1473291"/>
+          </a:xfrm>
+        </p:spPr>
+        <p:txBody>
+          <a:bodyPr/>
+          <a:lstStyle/>
+          <a:p>
+            <a:r>
+              <a:rPr lang="pt-BR" sz="1800" dirty="0"/>
+              <a:t>A palavra-chave </a:t>
+            </a:r>
+            <a:r>
+              <a:rPr lang="pt-BR" sz="1800" dirty="0" err="1"/>
+              <a:t>super</a:t>
+            </a:r>
+            <a:r>
+              <a:rPr lang="pt-BR" sz="1800" dirty="0"/>
+              <a:t> é utilizada para se referir à superclasse (classe pai) de uma classe derivada (classe filha). Ela é especialmente útil quando há a necessidade de reutilizar atributos ou métodos da classe pai, evitando a repetição de código.</a:t>
+            </a:r>
+          </a:p>
+        </p:txBody>
+      </p:sp>
+      <p:sp>
+        <p:nvSpPr>
+          <p:cNvPr id="6" name="CaixaDeTexto 5">
+            <a:extLst>
+              <a:ext uri="{FF2B5EF4-FFF2-40B4-BE49-F238E27FC236}">
+                <a16:creationId xmlns:a16="http://schemas.microsoft.com/office/drawing/2014/main" id="{2B572424-897C-4079-B040-AC0C43E820EC}"/>
+              </a:ext>
+            </a:extLst>
+          </p:cNvPr>
+          <p:cNvSpPr txBox="1"/>
+          <p:nvPr/>
+        </p:nvSpPr>
+        <p:spPr>
+          <a:xfrm>
+            <a:off x="5538260" y="3361405"/>
+            <a:ext cx="1115480" cy="338554"/>
+          </a:xfrm>
+          <a:prstGeom prst="rect">
+            <a:avLst/>
+          </a:prstGeom>
+          <a:noFill/>
+        </p:spPr>
+        <p:txBody>
+          <a:bodyPr wrap="square" rtlCol="0">
+            <a:spAutoFit/>
+          </a:bodyPr>
+          <a:lstStyle/>
+          <a:p>
+            <a:pPr algn="ctr"/>
+            <a:r>
+              <a:rPr lang="pt-BR" sz="1600" dirty="0">
+                <a:latin typeface="Times New Roman" panose="02020603050405020304" pitchFamily="18" charset="0"/>
+                <a:cs typeface="Times New Roman" panose="02020603050405020304" pitchFamily="18" charset="0"/>
+              </a:rPr>
+              <a:t>Classe Pai</a:t>
+            </a:r>
+          </a:p>
+        </p:txBody>
+      </p:sp>
+      <p:sp>
+        <p:nvSpPr>
+          <p:cNvPr id="8" name="Retângulo 7">
+            <a:extLst>
+              <a:ext uri="{FF2B5EF4-FFF2-40B4-BE49-F238E27FC236}">
+                <a16:creationId xmlns:a16="http://schemas.microsoft.com/office/drawing/2014/main" id="{974DDB22-2288-4893-8D35-C51A4D00B151}"/>
               </a:ext>
             </a:extLst>
           </p:cNvPr>
@@ -6190,8 +4565,8 @@
         </p:nvSpPr>
         <p:spPr>
           <a:xfrm>
-            <a:off x="7058025" y="2984064"/>
-            <a:ext cx="3381375" cy="2308324"/>
+            <a:off x="2960279" y="3743397"/>
+            <a:ext cx="6271441" cy="2749471"/>
           </a:xfrm>
           <a:prstGeom prst="rect">
             <a:avLst/>
@@ -6203,17 +4578,25 @@
           </a:bodyPr>
           <a:lstStyle/>
           <a:p>
-            <a:r>
-              <a:rPr lang="pt-BR" b="1" dirty="0" err="1">
+            <a:pPr>
+              <a:spcBef>
+                <a:spcPts val="150"/>
+              </a:spcBef>
+              <a:spcAft>
+                <a:spcPts val="150"/>
+              </a:spcAft>
+            </a:pPr>
+            <a:r>
+              <a:rPr lang="pt-BR" sz="1600" b="1" dirty="0" err="1">
                 <a:solidFill>
                   <a:srgbClr val="7F0055"/>
                 </a:solidFill>
                 <a:latin typeface="Consolas" panose="020B0609020204030204" pitchFamily="49" charset="0"/>
               </a:rPr>
-              <a:t>package</a:t>
-            </a:r>
-            <a:r>
-              <a:rPr lang="pt-BR" dirty="0">
+              <a:t>public</a:t>
+            </a:r>
+            <a:r>
+              <a:rPr lang="pt-BR" sz="1600" dirty="0">
                 <a:solidFill>
                   <a:srgbClr val="000000"/>
                 </a:solidFill>
@@ -6222,26 +4605,162 @@
               <a:t> </a:t>
             </a:r>
             <a:r>
-              <a:rPr lang="pt-BR" dirty="0" err="1">
+              <a:rPr lang="pt-BR" sz="1600" b="1" dirty="0" err="1">
+                <a:solidFill>
+                  <a:srgbClr val="7F0055"/>
+                </a:solidFill>
+                <a:latin typeface="Consolas" panose="020B0609020204030204" pitchFamily="49" charset="0"/>
+              </a:rPr>
+              <a:t>class</a:t>
+            </a:r>
+            <a:r>
+              <a:rPr lang="pt-BR" sz="1600" dirty="0">
                 <a:solidFill>
                   <a:srgbClr val="000000"/>
                 </a:solidFill>
                 <a:latin typeface="Consolas" panose="020B0609020204030204" pitchFamily="49" charset="0"/>
               </a:rPr>
-              <a:t>entidades.enums</a:t>
-            </a:r>
-            <a:r>
-              <a:rPr lang="pt-BR" dirty="0">
+              <a:t> </a:t>
+            </a:r>
+            <a:r>
+              <a:rPr lang="pt-BR" sz="1600" dirty="0" err="1">
                 <a:solidFill>
                   <a:srgbClr val="000000"/>
                 </a:solidFill>
                 <a:latin typeface="Consolas" panose="020B0609020204030204" pitchFamily="49" charset="0"/>
               </a:rPr>
+              <a:t>Funcionarios</a:t>
+            </a:r>
+            <a:r>
+              <a:rPr lang="pt-BR" sz="1600" dirty="0">
+                <a:solidFill>
+                  <a:srgbClr val="000000"/>
+                </a:solidFill>
+                <a:latin typeface="Consolas" panose="020B0609020204030204" pitchFamily="49" charset="0"/>
+              </a:rPr>
+              <a:t> {</a:t>
+            </a:r>
+          </a:p>
+          <a:p>
+            <a:pPr lvl="1">
+              <a:spcBef>
+                <a:spcPts val="150"/>
+              </a:spcBef>
+              <a:spcAft>
+                <a:spcPts val="150"/>
+              </a:spcAft>
+            </a:pPr>
+            <a:r>
+              <a:rPr lang="pt-BR" sz="1600" b="1" dirty="0" err="1">
+                <a:solidFill>
+                  <a:srgbClr val="7F0055"/>
+                </a:solidFill>
+                <a:latin typeface="Consolas" panose="020B0609020204030204" pitchFamily="49" charset="0"/>
+              </a:rPr>
+              <a:t>private</a:t>
+            </a:r>
+            <a:r>
+              <a:rPr lang="pt-BR" sz="1600" dirty="0">
+                <a:solidFill>
+                  <a:srgbClr val="000000"/>
+                </a:solidFill>
+                <a:latin typeface="Consolas" panose="020B0609020204030204" pitchFamily="49" charset="0"/>
+              </a:rPr>
+              <a:t> String </a:t>
+            </a:r>
+            <a:r>
+              <a:rPr lang="pt-BR" sz="1600" u="sng" dirty="0">
+                <a:solidFill>
+                  <a:srgbClr val="0000C0"/>
+                </a:solidFill>
+                <a:latin typeface="Consolas" panose="020B0609020204030204" pitchFamily="49" charset="0"/>
+              </a:rPr>
+              <a:t>nome</a:t>
+            </a:r>
+            <a:r>
+              <a:rPr lang="pt-BR" sz="1600" dirty="0">
+                <a:solidFill>
+                  <a:srgbClr val="000000"/>
+                </a:solidFill>
+                <a:latin typeface="Consolas" panose="020B0609020204030204" pitchFamily="49" charset="0"/>
+              </a:rPr>
               <a:t>;</a:t>
             </a:r>
           </a:p>
           <a:p>
-            <a:endParaRPr lang="pt-BR" dirty="0">
+            <a:pPr lvl="1">
+              <a:spcBef>
+                <a:spcPts val="150"/>
+              </a:spcBef>
+              <a:spcAft>
+                <a:spcPts val="150"/>
+              </a:spcAft>
+            </a:pPr>
+            <a:r>
+              <a:rPr lang="pt-BR" sz="1600" b="1" dirty="0" err="1">
+                <a:solidFill>
+                  <a:srgbClr val="7F0055"/>
+                </a:solidFill>
+                <a:latin typeface="Consolas" panose="020B0609020204030204" pitchFamily="49" charset="0"/>
+              </a:rPr>
+              <a:t>private</a:t>
+            </a:r>
+            <a:r>
+              <a:rPr lang="pt-BR" sz="1600" dirty="0">
+                <a:solidFill>
+                  <a:srgbClr val="000000"/>
+                </a:solidFill>
+                <a:latin typeface="Consolas" panose="020B0609020204030204" pitchFamily="49" charset="0"/>
+              </a:rPr>
+              <a:t> </a:t>
+            </a:r>
+            <a:r>
+              <a:rPr lang="pt-BR" sz="1600" b="1" dirty="0">
+                <a:solidFill>
+                  <a:srgbClr val="7F0055"/>
+                </a:solidFill>
+                <a:latin typeface="Consolas" panose="020B0609020204030204" pitchFamily="49" charset="0"/>
+              </a:rPr>
+              <a:t>double</a:t>
+            </a:r>
+            <a:r>
+              <a:rPr lang="pt-BR" sz="1600" dirty="0">
+                <a:solidFill>
+                  <a:srgbClr val="000000"/>
+                </a:solidFill>
+                <a:latin typeface="Consolas" panose="020B0609020204030204" pitchFamily="49" charset="0"/>
+              </a:rPr>
+              <a:t> </a:t>
+            </a:r>
+            <a:r>
+              <a:rPr lang="pt-BR" sz="1600" u="sng" dirty="0">
+                <a:solidFill>
+                  <a:srgbClr val="0000C0"/>
+                </a:solidFill>
+                <a:latin typeface="Consolas" panose="020B0609020204030204" pitchFamily="49" charset="0"/>
+              </a:rPr>
+              <a:t>salario</a:t>
+            </a:r>
+            <a:r>
+              <a:rPr lang="pt-BR" sz="1600" dirty="0">
+                <a:solidFill>
+                  <a:srgbClr val="000000"/>
+                </a:solidFill>
+                <a:latin typeface="Consolas" panose="020B0609020204030204" pitchFamily="49" charset="0"/>
+              </a:rPr>
+              <a:t>;</a:t>
+            </a:r>
+          </a:p>
+          <a:p>
+            <a:pPr lvl="1">
+              <a:spcBef>
+                <a:spcPts val="150"/>
+              </a:spcBef>
+              <a:spcAft>
+                <a:spcPts val="150"/>
+              </a:spcAft>
+            </a:pPr>
+            <a:endParaRPr lang="pt-BR" sz="1600" dirty="0">
               <a:solidFill>
                 <a:srgbClr val="000000"/>
               </a:solidFill>
@@ -6249,8 +4768,16 @@
             </a:endParaRPr>
           </a:p>
           <a:p>
-            <a:r>
-              <a:rPr lang="pt-BR" b="1" dirty="0" err="1">
+            <a:pPr lvl="1">
+              <a:spcBef>
+                <a:spcPts val="150"/>
+              </a:spcBef>
+              <a:spcAft>
+                <a:spcPts val="150"/>
+              </a:spcAft>
+            </a:pPr>
+            <a:r>
+              <a:rPr lang="pt-BR" sz="1600" b="1" dirty="0" err="1">
                 <a:solidFill>
                   <a:srgbClr val="7F0055"/>
                 </a:solidFill>
@@ -6259,7 +4786,7 @@
               <a:t>public</a:t>
             </a:r>
             <a:r>
-              <a:rPr lang="pt-BR" dirty="0">
+              <a:rPr lang="pt-BR" sz="1600" dirty="0">
                 <a:solidFill>
                   <a:srgbClr val="000000"/>
                 </a:solidFill>
@@ -6268,16 +4795,52 @@
               <a:t> </a:t>
             </a:r>
             <a:r>
-              <a:rPr lang="pt-BR" b="1" dirty="0" err="1">
+              <a:rPr lang="pt-BR" sz="1600" dirty="0" err="1">
+                <a:solidFill>
+                  <a:srgbClr val="000000"/>
+                </a:solidFill>
+                <a:latin typeface="Consolas" panose="020B0609020204030204" pitchFamily="49" charset="0"/>
+              </a:rPr>
+              <a:t>Funcionarios</a:t>
+            </a:r>
+            <a:r>
+              <a:rPr lang="pt-BR" sz="1600" dirty="0">
+                <a:solidFill>
+                  <a:srgbClr val="000000"/>
+                </a:solidFill>
+                <a:latin typeface="Consolas" panose="020B0609020204030204" pitchFamily="49" charset="0"/>
+              </a:rPr>
+              <a:t>(String </a:t>
+            </a:r>
+            <a:r>
+              <a:rPr lang="pt-BR" sz="1600" dirty="0">
+                <a:solidFill>
+                  <a:srgbClr val="6A3E3E"/>
+                </a:solidFill>
+                <a:latin typeface="Consolas" panose="020B0609020204030204" pitchFamily="49" charset="0"/>
+              </a:rPr>
+              <a:t>nome</a:t>
+            </a:r>
+            <a:r>
+              <a:rPr lang="pt-BR" sz="1600" dirty="0">
+                <a:solidFill>
+                  <a:srgbClr val="000000"/>
+                </a:solidFill>
+                <a:latin typeface="Consolas" panose="020B0609020204030204" pitchFamily="49" charset="0"/>
+              </a:rPr>
+              <a:t>, </a:t>
+            </a:r>
+            <a:r>
+              <a:rPr lang="pt-BR" sz="1600" b="1" dirty="0">
                 <a:solidFill>
                   <a:srgbClr val="7F0055"/>
                 </a:solidFill>
                 <a:latin typeface="Consolas" panose="020B0609020204030204" pitchFamily="49" charset="0"/>
               </a:rPr>
-              <a:t>enum</a:t>
-            </a:r>
-            <a:r>
-              <a:rPr lang="pt-BR" dirty="0">
+              <a:t>double</a:t>
+            </a:r>
+            <a:r>
+              <a:rPr lang="pt-BR" sz="1600" dirty="0">
                 <a:solidFill>
                   <a:srgbClr val="000000"/>
                 </a:solidFill>
@@ -6286,225 +4849,188 @@
               <a:t> </a:t>
             </a:r>
             <a:r>
-              <a:rPr lang="pt-BR" dirty="0" err="1">
+              <a:rPr lang="pt-BR" sz="1600" dirty="0">
+                <a:solidFill>
+                  <a:srgbClr val="6A3E3E"/>
+                </a:solidFill>
+                <a:latin typeface="Consolas" panose="020B0609020204030204" pitchFamily="49" charset="0"/>
+              </a:rPr>
+              <a:t>salario</a:t>
+            </a:r>
+            <a:r>
+              <a:rPr lang="pt-BR" sz="1600" dirty="0">
                 <a:solidFill>
                   <a:srgbClr val="000000"/>
                 </a:solidFill>
                 <a:latin typeface="Consolas" panose="020B0609020204030204" pitchFamily="49" charset="0"/>
               </a:rPr>
-              <a:t>OrderStatus</a:t>
-            </a:r>
-            <a:r>
-              <a:rPr lang="pt-BR" dirty="0">
+              <a:t>) {</a:t>
+            </a:r>
+          </a:p>
+          <a:p>
+            <a:pPr lvl="2">
+              <a:spcBef>
+                <a:spcPts val="150"/>
+              </a:spcBef>
+              <a:spcAft>
+                <a:spcPts val="150"/>
+              </a:spcAft>
+            </a:pPr>
+            <a:r>
+              <a:rPr lang="pt-BR" sz="1600" b="1" dirty="0" err="1">
+                <a:solidFill>
+                  <a:srgbClr val="7F0055"/>
+                </a:solidFill>
+                <a:latin typeface="Consolas" panose="020B0609020204030204" pitchFamily="49" charset="0"/>
+              </a:rPr>
+              <a:t>this</a:t>
+            </a:r>
+            <a:r>
+              <a:rPr lang="pt-BR" sz="1600" dirty="0" err="1">
                 <a:solidFill>
                   <a:srgbClr val="000000"/>
                 </a:solidFill>
                 <a:latin typeface="Consolas" panose="020B0609020204030204" pitchFamily="49" charset="0"/>
               </a:rPr>
-              <a:t> {</a:t>
-            </a:r>
-          </a:p>
-          <a:p>
-            <a:pPr indent="457200"/>
-            <a:r>
-              <a:rPr lang="pt-BR" b="1" i="1" dirty="0">
+              <a:t>.</a:t>
+            </a:r>
+            <a:r>
+              <a:rPr lang="pt-BR" sz="1600" dirty="0" err="1">
                 <a:solidFill>
                   <a:srgbClr val="0000C0"/>
                 </a:solidFill>
                 <a:latin typeface="Consolas" panose="020B0609020204030204" pitchFamily="49" charset="0"/>
               </a:rPr>
-              <a:t>PAGAMENTO_PENDENTE</a:t>
-            </a:r>
-            <a:r>
-              <a:rPr lang="pt-BR" dirty="0">
+              <a:t>nome</a:t>
+            </a:r>
+            <a:r>
+              <a:rPr lang="pt-BR" sz="1600" dirty="0">
                 <a:solidFill>
                   <a:srgbClr val="000000"/>
                 </a:solidFill>
                 <a:latin typeface="Consolas" panose="020B0609020204030204" pitchFamily="49" charset="0"/>
               </a:rPr>
-              <a:t>,</a:t>
-            </a:r>
-          </a:p>
-          <a:p>
-            <a:pPr indent="457200"/>
-            <a:r>
-              <a:rPr lang="pt-BR" b="1" i="1" dirty="0">
+              <a:t> = </a:t>
+            </a:r>
+            <a:r>
+              <a:rPr lang="pt-BR" sz="1600" dirty="0">
+                <a:solidFill>
+                  <a:srgbClr val="6A3E3E"/>
+                </a:solidFill>
+                <a:latin typeface="Consolas" panose="020B0609020204030204" pitchFamily="49" charset="0"/>
+              </a:rPr>
+              <a:t>nome</a:t>
+            </a:r>
+            <a:r>
+              <a:rPr lang="pt-BR" sz="1600" dirty="0">
+                <a:solidFill>
+                  <a:srgbClr val="000000"/>
+                </a:solidFill>
+                <a:latin typeface="Consolas" panose="020B0609020204030204" pitchFamily="49" charset="0"/>
+              </a:rPr>
+              <a:t>;</a:t>
+            </a:r>
+          </a:p>
+          <a:p>
+            <a:pPr lvl="2">
+              <a:spcBef>
+                <a:spcPts val="150"/>
+              </a:spcBef>
+              <a:spcAft>
+                <a:spcPts val="150"/>
+              </a:spcAft>
+            </a:pPr>
+            <a:r>
+              <a:rPr lang="pt-BR" sz="1600" b="1" dirty="0" err="1">
+                <a:solidFill>
+                  <a:srgbClr val="7F0055"/>
+                </a:solidFill>
+                <a:latin typeface="Consolas" panose="020B0609020204030204" pitchFamily="49" charset="0"/>
+              </a:rPr>
+              <a:t>this</a:t>
+            </a:r>
+            <a:r>
+              <a:rPr lang="pt-BR" sz="1600" dirty="0" err="1">
+                <a:solidFill>
+                  <a:srgbClr val="000000"/>
+                </a:solidFill>
+                <a:latin typeface="Consolas" panose="020B0609020204030204" pitchFamily="49" charset="0"/>
+              </a:rPr>
+              <a:t>.</a:t>
+            </a:r>
+            <a:r>
+              <a:rPr lang="pt-BR" sz="1600" dirty="0" err="1">
                 <a:solidFill>
                   <a:srgbClr val="0000C0"/>
                 </a:solidFill>
                 <a:latin typeface="Consolas" panose="020B0609020204030204" pitchFamily="49" charset="0"/>
               </a:rPr>
-              <a:t>PROCESSANDO</a:t>
-            </a:r>
-            <a:r>
-              <a:rPr lang="pt-BR" dirty="0">
+              <a:t>salario</a:t>
+            </a:r>
+            <a:r>
+              <a:rPr lang="pt-BR" sz="1600" dirty="0">
                 <a:solidFill>
                   <a:srgbClr val="000000"/>
                 </a:solidFill>
                 <a:latin typeface="Consolas" panose="020B0609020204030204" pitchFamily="49" charset="0"/>
               </a:rPr>
-              <a:t>,</a:t>
-            </a:r>
-          </a:p>
-          <a:p>
-            <a:pPr indent="457200"/>
-            <a:r>
-              <a:rPr lang="pt-BR" b="1" i="1" dirty="0">
-                <a:solidFill>
-                  <a:srgbClr val="0000C0"/>
-                </a:solidFill>
-                <a:latin typeface="Consolas" panose="020B0609020204030204" pitchFamily="49" charset="0"/>
-              </a:rPr>
-              <a:t>ENVIADO</a:t>
-            </a:r>
-            <a:r>
-              <a:rPr lang="pt-BR" dirty="0">
+              <a:t> = </a:t>
+            </a:r>
+            <a:r>
+              <a:rPr lang="pt-BR" sz="1600" dirty="0">
+                <a:solidFill>
+                  <a:srgbClr val="6A3E3E"/>
+                </a:solidFill>
+                <a:latin typeface="Consolas" panose="020B0609020204030204" pitchFamily="49" charset="0"/>
+              </a:rPr>
+              <a:t>salario</a:t>
+            </a:r>
+            <a:r>
+              <a:rPr lang="pt-BR" sz="1600" dirty="0">
                 <a:solidFill>
                   <a:srgbClr val="000000"/>
                 </a:solidFill>
                 <a:latin typeface="Consolas" panose="020B0609020204030204" pitchFamily="49" charset="0"/>
               </a:rPr>
-              <a:t>,</a:t>
-            </a:r>
-          </a:p>
-          <a:p>
-            <a:pPr indent="457200"/>
-            <a:r>
-              <a:rPr lang="pt-BR" b="1" i="1" dirty="0">
-                <a:solidFill>
-                  <a:srgbClr val="0000C0"/>
-                </a:solidFill>
-                <a:latin typeface="Consolas" panose="020B0609020204030204" pitchFamily="49" charset="0"/>
-              </a:rPr>
-              <a:t>ENTREGUE</a:t>
-            </a:r>
-            <a:r>
-              <a:rPr lang="pt-BR" dirty="0">
+              <a:t>;</a:t>
+            </a:r>
+          </a:p>
+          <a:p>
+            <a:pPr marL="457200" lvl="2">
+              <a:spcBef>
+                <a:spcPts val="150"/>
+              </a:spcBef>
+              <a:spcAft>
+                <a:spcPts val="150"/>
+              </a:spcAft>
+            </a:pPr>
+            <a:r>
+              <a:rPr lang="pt-BR" sz="1600" dirty="0">
                 <a:solidFill>
                   <a:srgbClr val="000000"/>
                 </a:solidFill>
                 <a:latin typeface="Consolas" panose="020B0609020204030204" pitchFamily="49" charset="0"/>
               </a:rPr>
-              <a:t>,</a:t>
-            </a:r>
-          </a:p>
-          <a:p>
-            <a:r>
-              <a:rPr lang="pt-BR" dirty="0">
+              <a:t>}</a:t>
+            </a:r>
+          </a:p>
+          <a:p>
+            <a:pPr>
+              <a:spcBef>
+                <a:spcPts val="150"/>
+              </a:spcBef>
+              <a:spcAft>
+                <a:spcPts val="150"/>
+              </a:spcAft>
+            </a:pPr>
+            <a:r>
+              <a:rPr lang="pt-BR" sz="1600" dirty="0">
                 <a:solidFill>
                   <a:srgbClr val="000000"/>
                 </a:solidFill>
                 <a:latin typeface="Consolas" panose="020B0609020204030204" pitchFamily="49" charset="0"/>
               </a:rPr>
               <a:t>}</a:t>
-            </a:r>
-          </a:p>
-        </p:txBody>
-      </p:sp>
-      <p:pic>
-        <p:nvPicPr>
-          <p:cNvPr id="5" name="Imagem 4">
-            <a:extLst>
-              <a:ext uri="{FF2B5EF4-FFF2-40B4-BE49-F238E27FC236}">
-                <a16:creationId xmlns:a16="http://schemas.microsoft.com/office/drawing/2014/main" id="{0791D49D-8355-489E-9C1A-F5CEAFE983E1}"/>
-              </a:ext>
-            </a:extLst>
-          </p:cNvPr>
-          <p:cNvPicPr>
-            <a:picLocks noChangeAspect="1"/>
-          </p:cNvPicPr>
-          <p:nvPr/>
-        </p:nvPicPr>
-        <p:blipFill>
-          <a:blip r:embed="rId2"/>
-          <a:stretch>
-            <a:fillRect/>
-          </a:stretch>
-        </p:blipFill>
-        <p:spPr>
-          <a:xfrm>
-            <a:off x="1752600" y="2984064"/>
-            <a:ext cx="3086100" cy="2338314"/>
-          </a:xfrm>
-          <a:prstGeom prst="rect">
-            <a:avLst/>
-          </a:prstGeom>
-        </p:spPr>
-      </p:pic>
-      <p:sp>
-        <p:nvSpPr>
-          <p:cNvPr id="6" name="CaixaDeTexto 5">
-            <a:extLst>
-              <a:ext uri="{FF2B5EF4-FFF2-40B4-BE49-F238E27FC236}">
-                <a16:creationId xmlns:a16="http://schemas.microsoft.com/office/drawing/2014/main" id="{EA1AD3ED-1C71-4FB3-B714-9350BE5CFE3D}"/>
-              </a:ext>
-            </a:extLst>
-          </p:cNvPr>
-          <p:cNvSpPr txBox="1"/>
-          <p:nvPr/>
-        </p:nvSpPr>
-        <p:spPr>
-          <a:xfrm>
-            <a:off x="2290763" y="2550378"/>
-            <a:ext cx="2009775" cy="369332"/>
-          </a:xfrm>
-          <a:prstGeom prst="rect">
-            <a:avLst/>
-          </a:prstGeom>
-          <a:noFill/>
-        </p:spPr>
-        <p:txBody>
-          <a:bodyPr wrap="square" rtlCol="0">
-            <a:spAutoFit/>
-          </a:bodyPr>
-          <a:lstStyle/>
-          <a:p>
-            <a:pPr algn="ctr"/>
-            <a:r>
-              <a:rPr lang="pt-BR" dirty="0">
-                <a:latin typeface="Times New Roman" panose="02020603050405020304" pitchFamily="18" charset="0"/>
-                <a:cs typeface="Times New Roman" panose="02020603050405020304" pitchFamily="18" charset="0"/>
-              </a:rPr>
-              <a:t>Classe enumerada</a:t>
-            </a:r>
-          </a:p>
-        </p:txBody>
-      </p:sp>
-      <p:sp>
-        <p:nvSpPr>
-          <p:cNvPr id="7" name="CaixaDeTexto 6">
-            <a:extLst>
-              <a:ext uri="{FF2B5EF4-FFF2-40B4-BE49-F238E27FC236}">
-                <a16:creationId xmlns:a16="http://schemas.microsoft.com/office/drawing/2014/main" id="{AF8BCA77-58F1-4609-A89F-912354AAD3B7}"/>
-              </a:ext>
-            </a:extLst>
-          </p:cNvPr>
-          <p:cNvSpPr txBox="1"/>
-          <p:nvPr/>
-        </p:nvSpPr>
-        <p:spPr>
-          <a:xfrm>
-            <a:off x="7460457" y="2550378"/>
-            <a:ext cx="2576511" cy="369332"/>
-          </a:xfrm>
-          <a:prstGeom prst="rect">
-            <a:avLst/>
-          </a:prstGeom>
-          <a:noFill/>
-        </p:spPr>
-        <p:txBody>
-          <a:bodyPr wrap="square" rtlCol="0">
-            <a:spAutoFit/>
-          </a:bodyPr>
-          <a:lstStyle/>
-          <a:p>
-            <a:pPr algn="ctr"/>
-            <a:r>
-              <a:rPr lang="pt-BR" dirty="0">
-                <a:latin typeface="Times New Roman" panose="02020603050405020304" pitchFamily="18" charset="0"/>
-                <a:cs typeface="Times New Roman" panose="02020603050405020304" pitchFamily="18" charset="0"/>
-              </a:rPr>
-              <a:t>Código classe enumerada</a:t>
             </a:r>
           </a:p>
         </p:txBody>
@@ -6512,7 +5038,7 @@
     </p:spTree>
     <p:extLst>
       <p:ext uri="{BB962C8B-B14F-4D97-AF65-F5344CB8AC3E}">
-        <p14:creationId xmlns:p14="http://schemas.microsoft.com/office/powerpoint/2010/main" val="814556531"/>
+        <p14:creationId xmlns:p14="http://schemas.microsoft.com/office/powerpoint/2010/main" val="229873426"/>
       </p:ext>
     </p:extLst>
   </p:cSld>
@@ -6544,7 +5070,7 @@
           <p:cNvPr id="2" name="Título 1">
             <a:extLst>
               <a:ext uri="{FF2B5EF4-FFF2-40B4-BE49-F238E27FC236}">
-                <a16:creationId xmlns:a16="http://schemas.microsoft.com/office/drawing/2014/main" id="{192C4781-775D-46DD-BC08-010D81CC06E6}"/>
+                <a16:creationId xmlns:a16="http://schemas.microsoft.com/office/drawing/2014/main" id="{13BF5B45-63CF-41F7-8496-D896490AE335}"/>
               </a:ext>
             </a:extLst>
           </p:cNvPr>
@@ -6562,7 +5088,95 @@
           <a:p>
             <a:r>
               <a:rPr lang="pt-BR" dirty="0"/>
-              <a:t>Criando a classe Pedido</a:t>
+              <a:t>Construtor </a:t>
+            </a:r>
+            <a:r>
+              <a:rPr lang="pt-BR" dirty="0" err="1"/>
+              <a:t>Super</a:t>
+            </a:r>
+            <a:r>
+              <a:rPr lang="pt-BR" dirty="0"/>
+              <a:t>()</a:t>
+            </a:r>
+          </a:p>
+        </p:txBody>
+      </p:sp>
+      <p:sp>
+        <p:nvSpPr>
+          <p:cNvPr id="3" name="Espaço Reservado para Conteúdo 2">
+            <a:extLst>
+              <a:ext uri="{FF2B5EF4-FFF2-40B4-BE49-F238E27FC236}">
+                <a16:creationId xmlns:a16="http://schemas.microsoft.com/office/drawing/2014/main" id="{05C539C4-EDD4-414C-ADA6-9C2633603CB2}"/>
+              </a:ext>
+            </a:extLst>
+          </p:cNvPr>
+          <p:cNvSpPr>
+            <a:spLocks noGrp="1"/>
+          </p:cNvSpPr>
+          <p:nvPr>
+            <p:ph idx="1"/>
+          </p:nvPr>
+        </p:nvSpPr>
+        <p:spPr>
+          <a:xfrm>
+            <a:off x="592347" y="1844675"/>
+            <a:ext cx="11007306" cy="1473291"/>
+          </a:xfrm>
+        </p:spPr>
+        <p:txBody>
+          <a:bodyPr/>
+          <a:lstStyle/>
+          <a:p>
+            <a:r>
+              <a:rPr lang="pt-BR" sz="1800" dirty="0"/>
+              <a:t>A palavra-chave </a:t>
+            </a:r>
+            <a:r>
+              <a:rPr lang="pt-BR" sz="1800" dirty="0" err="1"/>
+              <a:t>super</a:t>
+            </a:r>
+            <a:r>
+              <a:rPr lang="pt-BR" sz="1800" dirty="0"/>
+              <a:t> é utilizada para se referir à superclasse (classe pai) de uma classe derivada (classe filha). Ela é especialmente útil quando há a necessidade de reutilizar atributos ou métodos da classe pai, evitando a repetição de código.</a:t>
+            </a:r>
+          </a:p>
+        </p:txBody>
+      </p:sp>
+      <p:sp>
+        <p:nvSpPr>
+          <p:cNvPr id="7" name="CaixaDeTexto 6">
+            <a:extLst>
+              <a:ext uri="{FF2B5EF4-FFF2-40B4-BE49-F238E27FC236}">
+                <a16:creationId xmlns:a16="http://schemas.microsoft.com/office/drawing/2014/main" id="{15C42C8B-8DB6-4C73-97AE-4AF8FC519272}"/>
+              </a:ext>
+            </a:extLst>
+          </p:cNvPr>
+          <p:cNvSpPr txBox="1"/>
+          <p:nvPr/>
+        </p:nvSpPr>
+        <p:spPr>
+          <a:xfrm>
+            <a:off x="5503559" y="3520485"/>
+            <a:ext cx="1184883" cy="338554"/>
+          </a:xfrm>
+          <a:prstGeom prst="rect">
+            <a:avLst/>
+          </a:prstGeom>
+          <a:noFill/>
+        </p:spPr>
+        <p:txBody>
+          <a:bodyPr wrap="square" rtlCol="0">
+            <a:spAutoFit/>
+          </a:bodyPr>
+          <a:lstStyle/>
+          <a:p>
+            <a:pPr algn="ctr"/>
+            <a:r>
+              <a:rPr lang="pt-BR" sz="1600" dirty="0">
+                <a:latin typeface="Times New Roman" panose="02020603050405020304" pitchFamily="18" charset="0"/>
+                <a:cs typeface="Times New Roman" panose="02020603050405020304" pitchFamily="18" charset="0"/>
+              </a:rPr>
+              <a:t>Classe Filha</a:t>
             </a:r>
           </a:p>
         </p:txBody>
@@ -6572,7 +5186,7 @@
           <p:cNvPr id="4" name="Retângulo 3">
             <a:extLst>
               <a:ext uri="{FF2B5EF4-FFF2-40B4-BE49-F238E27FC236}">
-                <a16:creationId xmlns:a16="http://schemas.microsoft.com/office/drawing/2014/main" id="{48188E54-3CA0-4C02-8982-6A34F2E2C9D7}"/>
+                <a16:creationId xmlns:a16="http://schemas.microsoft.com/office/drawing/2014/main" id="{FFAD0326-5AFB-4F87-8E1F-8F1446812B25}"/>
               </a:ext>
             </a:extLst>
           </p:cNvPr>
@@ -6581,8 +5195,8 @@
         </p:nvSpPr>
         <p:spPr>
           <a:xfrm>
-            <a:off x="1396885" y="2546026"/>
-            <a:ext cx="5022965" cy="3416320"/>
+            <a:off x="1698171" y="4061558"/>
+            <a:ext cx="8795657" cy="2421176"/>
           </a:xfrm>
           <a:prstGeom prst="rect">
             <a:avLst/>
@@ -6594,455 +5208,457 @@
           </a:bodyPr>
           <a:lstStyle/>
           <a:p>
-            <a:r>
-              <a:rPr lang="pt-BR" b="1" dirty="0" err="1">
+            <a:pPr>
+              <a:spcBef>
+                <a:spcPts val="150"/>
+              </a:spcBef>
+              <a:spcAft>
+                <a:spcPts val="150"/>
+              </a:spcAft>
+            </a:pPr>
+            <a:r>
+              <a:rPr lang="pt-BR" sz="1600" b="1" dirty="0" err="1">
                 <a:solidFill>
                   <a:srgbClr val="7F0055"/>
                 </a:solidFill>
                 <a:latin typeface="Consolas" panose="020B0609020204030204" pitchFamily="49" charset="0"/>
               </a:rPr>
-              <a:t>package</a:t>
-            </a:r>
-            <a:r>
-              <a:rPr lang="pt-BR" dirty="0">
+              <a:t>public</a:t>
+            </a:r>
+            <a:r>
+              <a:rPr lang="pt-BR" sz="1600" dirty="0">
                 <a:solidFill>
                   <a:srgbClr val="000000"/>
                 </a:solidFill>
                 <a:latin typeface="Consolas" panose="020B0609020204030204" pitchFamily="49" charset="0"/>
               </a:rPr>
-              <a:t> entidades;</a:t>
-            </a:r>
-          </a:p>
-          <a:p>
-            <a:r>
-              <a:rPr lang="pt-BR" b="1" dirty="0" err="1">
+              <a:t> </a:t>
+            </a:r>
+            <a:r>
+              <a:rPr lang="pt-BR" sz="1600" b="1" dirty="0" err="1">
                 <a:solidFill>
                   <a:srgbClr val="7F0055"/>
                 </a:solidFill>
                 <a:latin typeface="Consolas" panose="020B0609020204030204" pitchFamily="49" charset="0"/>
               </a:rPr>
-              <a:t>import</a:t>
-            </a:r>
-            <a:r>
-              <a:rPr lang="pt-BR" dirty="0">
+              <a:t>class</a:t>
+            </a:r>
+            <a:r>
+              <a:rPr lang="pt-BR" sz="1600" dirty="0">
                 <a:solidFill>
                   <a:srgbClr val="000000"/>
                 </a:solidFill>
                 <a:latin typeface="Consolas" panose="020B0609020204030204" pitchFamily="49" charset="0"/>
               </a:rPr>
+              <a:t> Gerente </a:t>
+            </a:r>
+            <a:r>
+              <a:rPr lang="pt-BR" sz="1600" b="1" dirty="0" err="1">
+                <a:solidFill>
+                  <a:srgbClr val="7F0055"/>
+                </a:solidFill>
+                <a:latin typeface="Consolas" panose="020B0609020204030204" pitchFamily="49" charset="0"/>
+              </a:rPr>
+              <a:t>extends</a:t>
+            </a:r>
+            <a:r>
+              <a:rPr lang="pt-BR" sz="1600" dirty="0">
+                <a:solidFill>
+                  <a:srgbClr val="000000"/>
+                </a:solidFill>
+                <a:latin typeface="Consolas" panose="020B0609020204030204" pitchFamily="49" charset="0"/>
+              </a:rPr>
               <a:t> </a:t>
             </a:r>
             <a:r>
-              <a:rPr lang="pt-BR" dirty="0" err="1">
+              <a:rPr lang="pt-BR" sz="1600" dirty="0" err="1">
                 <a:solidFill>
                   <a:srgbClr val="000000"/>
                 </a:solidFill>
                 <a:latin typeface="Consolas" panose="020B0609020204030204" pitchFamily="49" charset="0"/>
               </a:rPr>
-              <a:t>java.util.Date</a:t>
-            </a:r>
-            <a:r>
-              <a:rPr lang="pt-BR" dirty="0">
+              <a:t>Funcionarios</a:t>
+            </a:r>
+            <a:r>
+              <a:rPr lang="pt-BR" sz="1600" dirty="0">
                 <a:solidFill>
                   <a:srgbClr val="000000"/>
                 </a:solidFill>
                 <a:latin typeface="Consolas" panose="020B0609020204030204" pitchFamily="49" charset="0"/>
               </a:rPr>
+              <a:t>{</a:t>
+            </a:r>
+          </a:p>
+          <a:p>
+            <a:pPr lvl="1">
+              <a:spcBef>
+                <a:spcPts val="150"/>
+              </a:spcBef>
+              <a:spcAft>
+                <a:spcPts val="150"/>
+              </a:spcAft>
+            </a:pPr>
+            <a:r>
+              <a:rPr lang="pt-BR" sz="1600" b="1" dirty="0" err="1">
+                <a:solidFill>
+                  <a:srgbClr val="7F0055"/>
+                </a:solidFill>
+                <a:latin typeface="Consolas" panose="020B0609020204030204" pitchFamily="49" charset="0"/>
+              </a:rPr>
+              <a:t>private</a:t>
+            </a:r>
+            <a:r>
+              <a:rPr lang="pt-BR" sz="1600" dirty="0">
+                <a:solidFill>
+                  <a:srgbClr val="000000"/>
+                </a:solidFill>
+                <a:latin typeface="Consolas" panose="020B0609020204030204" pitchFamily="49" charset="0"/>
+              </a:rPr>
+              <a:t> </a:t>
+            </a:r>
+            <a:r>
+              <a:rPr lang="pt-BR" sz="1600" b="1" dirty="0">
+                <a:solidFill>
+                  <a:srgbClr val="7F0055"/>
+                </a:solidFill>
+                <a:latin typeface="Consolas" panose="020B0609020204030204" pitchFamily="49" charset="0"/>
+              </a:rPr>
+              <a:t>double</a:t>
+            </a:r>
+            <a:r>
+              <a:rPr lang="pt-BR" sz="1600" dirty="0">
+                <a:solidFill>
+                  <a:srgbClr val="000000"/>
+                </a:solidFill>
+                <a:latin typeface="Consolas" panose="020B0609020204030204" pitchFamily="49" charset="0"/>
+              </a:rPr>
+              <a:t> </a:t>
+            </a:r>
+            <a:r>
+              <a:rPr lang="pt-BR" sz="1600" u="sng" dirty="0" err="1">
+                <a:solidFill>
+                  <a:srgbClr val="0000C0"/>
+                </a:solidFill>
+                <a:latin typeface="Consolas" panose="020B0609020204030204" pitchFamily="49" charset="0"/>
+              </a:rPr>
+              <a:t>adicionalGerencia</a:t>
+            </a:r>
+            <a:r>
+              <a:rPr lang="pt-BR" sz="1600" dirty="0">
+                <a:solidFill>
+                  <a:srgbClr val="000000"/>
+                </a:solidFill>
+                <a:latin typeface="Consolas" panose="020B0609020204030204" pitchFamily="49" charset="0"/>
+              </a:rPr>
               <a:t>;</a:t>
             </a:r>
           </a:p>
           <a:p>
-            <a:br>
-              <a:rPr lang="pt-BR" dirty="0">
-                <a:solidFill>
-                  <a:srgbClr val="000000"/>
-                </a:solidFill>
-                <a:latin typeface="Consolas" panose="020B0609020204030204" pitchFamily="49" charset="0"/>
-              </a:rPr>
-            </a:br>
-            <a:endParaRPr lang="pt-BR" dirty="0">
+            <a:pPr lvl="1">
+              <a:spcBef>
+                <a:spcPts val="150"/>
+              </a:spcBef>
+              <a:spcAft>
+                <a:spcPts val="150"/>
+              </a:spcAft>
+            </a:pPr>
+            <a:endParaRPr lang="pt-BR" sz="1600" b="1" dirty="0">
               <a:solidFill>
-                <a:srgbClr val="000000"/>
+                <a:srgbClr val="7F0055"/>
               </a:solidFill>
               <a:latin typeface="Consolas" panose="020B0609020204030204" pitchFamily="49" charset="0"/>
             </a:endParaRPr>
           </a:p>
           <a:p>
-            <a:r>
-              <a:rPr lang="pt-BR" b="1" dirty="0" err="1">
+            <a:pPr lvl="1">
+              <a:spcBef>
+                <a:spcPts val="150"/>
+              </a:spcBef>
+              <a:spcAft>
+                <a:spcPts val="150"/>
+              </a:spcAft>
+            </a:pPr>
+            <a:r>
+              <a:rPr lang="pt-BR" sz="1600" b="1" dirty="0" err="1">
                 <a:solidFill>
                   <a:srgbClr val="7F0055"/>
                 </a:solidFill>
                 <a:latin typeface="Consolas" panose="020B0609020204030204" pitchFamily="49" charset="0"/>
               </a:rPr>
-              <a:t>import</a:t>
-            </a:r>
-            <a:r>
-              <a:rPr lang="pt-BR" dirty="0">
+              <a:t>public</a:t>
+            </a:r>
+            <a:r>
+              <a:rPr lang="pt-BR" sz="1600" dirty="0">
                 <a:solidFill>
                   <a:srgbClr val="000000"/>
                 </a:solidFill>
                 <a:latin typeface="Consolas" panose="020B0609020204030204" pitchFamily="49" charset="0"/>
               </a:rPr>
+              <a:t> Gerente(String </a:t>
+            </a:r>
+            <a:r>
+              <a:rPr lang="pt-BR" sz="1600" dirty="0">
+                <a:solidFill>
+                  <a:srgbClr val="6A3E3E"/>
+                </a:solidFill>
+                <a:latin typeface="Consolas" panose="020B0609020204030204" pitchFamily="49" charset="0"/>
+              </a:rPr>
+              <a:t>nome</a:t>
+            </a:r>
+            <a:r>
+              <a:rPr lang="pt-BR" sz="1600" dirty="0">
+                <a:solidFill>
+                  <a:srgbClr val="000000"/>
+                </a:solidFill>
+                <a:latin typeface="Consolas" panose="020B0609020204030204" pitchFamily="49" charset="0"/>
+              </a:rPr>
+              <a:t>, </a:t>
+            </a:r>
+            <a:r>
+              <a:rPr lang="pt-BR" sz="1600" b="1" dirty="0">
+                <a:solidFill>
+                  <a:srgbClr val="7F0055"/>
+                </a:solidFill>
+                <a:latin typeface="Consolas" panose="020B0609020204030204" pitchFamily="49" charset="0"/>
+              </a:rPr>
+              <a:t>double</a:t>
+            </a:r>
+            <a:r>
+              <a:rPr lang="pt-BR" sz="1600" dirty="0">
+                <a:solidFill>
+                  <a:srgbClr val="000000"/>
+                </a:solidFill>
+                <a:latin typeface="Consolas" panose="020B0609020204030204" pitchFamily="49" charset="0"/>
+              </a:rPr>
               <a:t> </a:t>
             </a:r>
             <a:r>
-              <a:rPr lang="pt-BR" dirty="0" err="1">
+              <a:rPr lang="pt-BR" sz="1600" dirty="0">
+                <a:solidFill>
+                  <a:srgbClr val="6A3E3E"/>
+                </a:solidFill>
+                <a:latin typeface="Consolas" panose="020B0609020204030204" pitchFamily="49" charset="0"/>
+              </a:rPr>
+              <a:t>salario</a:t>
+            </a:r>
+            <a:r>
+              <a:rPr lang="pt-BR" sz="1600" dirty="0">
                 <a:solidFill>
                   <a:srgbClr val="000000"/>
                 </a:solidFill>
                 <a:latin typeface="Consolas" panose="020B0609020204030204" pitchFamily="49" charset="0"/>
               </a:rPr>
-              <a:t>entidades.enums.OrderStatus</a:t>
-            </a:r>
-            <a:r>
-              <a:rPr lang="pt-BR" dirty="0">
+              <a:t>, </a:t>
+            </a:r>
+            <a:r>
+              <a:rPr lang="pt-BR" sz="1600" b="1" dirty="0">
+                <a:solidFill>
+                  <a:srgbClr val="7F0055"/>
+                </a:solidFill>
+                <a:latin typeface="Consolas" panose="020B0609020204030204" pitchFamily="49" charset="0"/>
+              </a:rPr>
+              <a:t>double</a:t>
+            </a:r>
+            <a:r>
+              <a:rPr lang="pt-BR" sz="1600" dirty="0">
                 <a:solidFill>
                   <a:srgbClr val="000000"/>
                 </a:solidFill>
                 <a:latin typeface="Consolas" panose="020B0609020204030204" pitchFamily="49" charset="0"/>
               </a:rPr>
+              <a:t> </a:t>
+            </a:r>
+            <a:r>
+              <a:rPr lang="pt-BR" sz="1600" dirty="0" err="1">
+                <a:solidFill>
+                  <a:srgbClr val="6A3E3E"/>
+                </a:solidFill>
+                <a:latin typeface="Consolas" panose="020B0609020204030204" pitchFamily="49" charset="0"/>
+              </a:rPr>
+              <a:t>adicionalGerencia</a:t>
+            </a:r>
+            <a:r>
+              <a:rPr lang="pt-BR" sz="1600" dirty="0">
+                <a:solidFill>
+                  <a:srgbClr val="000000"/>
+                </a:solidFill>
+                <a:latin typeface="Consolas" panose="020B0609020204030204" pitchFamily="49" charset="0"/>
+              </a:rPr>
+              <a:t>) {</a:t>
+            </a:r>
+          </a:p>
+          <a:p>
+            <a:pPr lvl="2">
+              <a:spcBef>
+                <a:spcPts val="150"/>
+              </a:spcBef>
+              <a:spcAft>
+                <a:spcPts val="150"/>
+              </a:spcAft>
+            </a:pPr>
+            <a:r>
+              <a:rPr lang="pt-BR" sz="1600" b="1" dirty="0" err="1">
+                <a:solidFill>
+                  <a:srgbClr val="7F0055"/>
+                </a:solidFill>
+                <a:latin typeface="Consolas" panose="020B0609020204030204" pitchFamily="49" charset="0"/>
+              </a:rPr>
+              <a:t>super</a:t>
+            </a:r>
+            <a:r>
+              <a:rPr lang="pt-BR" sz="1600" dirty="0">
+                <a:solidFill>
+                  <a:srgbClr val="000000"/>
+                </a:solidFill>
+                <a:latin typeface="Consolas" panose="020B0609020204030204" pitchFamily="49" charset="0"/>
+              </a:rPr>
+              <a:t>(</a:t>
+            </a:r>
+            <a:r>
+              <a:rPr lang="pt-BR" sz="1600" dirty="0">
+                <a:solidFill>
+                  <a:srgbClr val="6A3E3E"/>
+                </a:solidFill>
+                <a:latin typeface="Consolas" panose="020B0609020204030204" pitchFamily="49" charset="0"/>
+              </a:rPr>
+              <a:t>nome</a:t>
+            </a:r>
+            <a:r>
+              <a:rPr lang="pt-BR" sz="1600" dirty="0">
+                <a:solidFill>
+                  <a:srgbClr val="000000"/>
+                </a:solidFill>
+                <a:latin typeface="Consolas" panose="020B0609020204030204" pitchFamily="49" charset="0"/>
+              </a:rPr>
+              <a:t>, </a:t>
+            </a:r>
+            <a:r>
+              <a:rPr lang="pt-BR" sz="1600" dirty="0">
+                <a:solidFill>
+                  <a:srgbClr val="6A3E3E"/>
+                </a:solidFill>
+                <a:latin typeface="Consolas" panose="020B0609020204030204" pitchFamily="49" charset="0"/>
+              </a:rPr>
+              <a:t>salario</a:t>
+            </a:r>
+            <a:r>
+              <a:rPr lang="pt-BR" sz="1600" dirty="0">
+                <a:solidFill>
+                  <a:srgbClr val="000000"/>
+                </a:solidFill>
+                <a:latin typeface="Consolas" panose="020B0609020204030204" pitchFamily="49" charset="0"/>
+              </a:rPr>
+              <a:t>);</a:t>
+            </a:r>
+          </a:p>
+          <a:p>
+            <a:pPr lvl="2">
+              <a:spcBef>
+                <a:spcPts val="150"/>
+              </a:spcBef>
+              <a:spcAft>
+                <a:spcPts val="150"/>
+              </a:spcAft>
+            </a:pPr>
+            <a:r>
+              <a:rPr lang="pt-BR" sz="1600" b="1" dirty="0" err="1">
+                <a:solidFill>
+                  <a:srgbClr val="7F0055"/>
+                </a:solidFill>
+                <a:latin typeface="Consolas" panose="020B0609020204030204" pitchFamily="49" charset="0"/>
+              </a:rPr>
+              <a:t>this</a:t>
+            </a:r>
+            <a:r>
+              <a:rPr lang="pt-BR" sz="1600" dirty="0" err="1">
+                <a:solidFill>
+                  <a:srgbClr val="000000"/>
+                </a:solidFill>
+                <a:latin typeface="Consolas" panose="020B0609020204030204" pitchFamily="49" charset="0"/>
+              </a:rPr>
+              <a:t>.</a:t>
+            </a:r>
+            <a:r>
+              <a:rPr lang="pt-BR" sz="1600" dirty="0" err="1">
+                <a:solidFill>
+                  <a:srgbClr val="0000C0"/>
+                </a:solidFill>
+                <a:latin typeface="Consolas" panose="020B0609020204030204" pitchFamily="49" charset="0"/>
+              </a:rPr>
+              <a:t>adicionalGerencia</a:t>
+            </a:r>
+            <a:r>
+              <a:rPr lang="pt-BR" sz="1600" dirty="0">
+                <a:solidFill>
+                  <a:srgbClr val="000000"/>
+                </a:solidFill>
+                <a:latin typeface="Consolas" panose="020B0609020204030204" pitchFamily="49" charset="0"/>
+              </a:rPr>
+              <a:t> = </a:t>
+            </a:r>
+            <a:r>
+              <a:rPr lang="pt-BR" sz="1600" dirty="0" err="1">
+                <a:solidFill>
+                  <a:srgbClr val="6A3E3E"/>
+                </a:solidFill>
+                <a:latin typeface="Consolas" panose="020B0609020204030204" pitchFamily="49" charset="0"/>
+              </a:rPr>
+              <a:t>adicionalGerencia</a:t>
+            </a:r>
+            <a:r>
+              <a:rPr lang="pt-BR" sz="1600" dirty="0">
+                <a:solidFill>
+                  <a:srgbClr val="000000"/>
+                </a:solidFill>
+                <a:latin typeface="Consolas" panose="020B0609020204030204" pitchFamily="49" charset="0"/>
+              </a:rPr>
               <a:t>;</a:t>
             </a:r>
           </a:p>
           <a:p>
-            <a:br>
-              <a:rPr lang="pt-BR" dirty="0">
+            <a:pPr lvl="1">
+              <a:spcBef>
+                <a:spcPts val="150"/>
+              </a:spcBef>
+              <a:spcAft>
+                <a:spcPts val="150"/>
+              </a:spcAft>
+            </a:pPr>
+            <a:r>
+              <a:rPr lang="pt-BR" sz="1600" dirty="0">
                 <a:solidFill>
                   <a:srgbClr val="000000"/>
                 </a:solidFill>
                 <a:latin typeface="Consolas" panose="020B0609020204030204" pitchFamily="49" charset="0"/>
               </a:rPr>
-            </a:br>
-            <a:endParaRPr lang="pt-BR" dirty="0">
-              <a:solidFill>
-                <a:srgbClr val="000000"/>
-              </a:solidFill>
-              <a:latin typeface="Consolas" panose="020B0609020204030204" pitchFamily="49" charset="0"/>
-            </a:endParaRPr>
-          </a:p>
-          <a:p>
-            <a:r>
-              <a:rPr lang="pt-BR" b="1" dirty="0" err="1">
-                <a:solidFill>
-                  <a:srgbClr val="7F0055"/>
-                </a:solidFill>
-                <a:latin typeface="Consolas" panose="020B0609020204030204" pitchFamily="49" charset="0"/>
-              </a:rPr>
-              <a:t>public</a:t>
-            </a:r>
-            <a:r>
-              <a:rPr lang="pt-BR" dirty="0">
+              <a:t>}</a:t>
+            </a:r>
+          </a:p>
+          <a:p>
+            <a:pPr>
+              <a:spcBef>
+                <a:spcPts val="150"/>
+              </a:spcBef>
+              <a:spcAft>
+                <a:spcPts val="150"/>
+              </a:spcAft>
+            </a:pPr>
+            <a:r>
+              <a:rPr lang="pt-BR" sz="1600" dirty="0">
                 <a:solidFill>
                   <a:srgbClr val="000000"/>
                 </a:solidFill>
                 <a:latin typeface="Consolas" panose="020B0609020204030204" pitchFamily="49" charset="0"/>
               </a:rPr>
-              <a:t> </a:t>
-            </a:r>
-            <a:r>
-              <a:rPr lang="pt-BR" b="1" dirty="0" err="1">
-                <a:solidFill>
-                  <a:srgbClr val="7F0055"/>
-                </a:solidFill>
-                <a:latin typeface="Consolas" panose="020B0609020204030204" pitchFamily="49" charset="0"/>
-              </a:rPr>
-              <a:t>class</a:t>
-            </a:r>
-            <a:r>
-              <a:rPr lang="pt-BR" dirty="0">
-                <a:solidFill>
-                  <a:srgbClr val="000000"/>
-                </a:solidFill>
-                <a:latin typeface="Consolas" panose="020B0609020204030204" pitchFamily="49" charset="0"/>
-              </a:rPr>
-              <a:t> Ordem {</a:t>
-            </a:r>
-          </a:p>
-          <a:p>
-            <a:pPr lvl="1"/>
-            <a:r>
-              <a:rPr lang="pt-BR" b="1" dirty="0" err="1">
-                <a:solidFill>
-                  <a:srgbClr val="7F0055"/>
-                </a:solidFill>
-                <a:latin typeface="Consolas" panose="020B0609020204030204" pitchFamily="49" charset="0"/>
-              </a:rPr>
-              <a:t>private</a:t>
-            </a:r>
-            <a:r>
-              <a:rPr lang="pt-BR" dirty="0">
-                <a:solidFill>
-                  <a:srgbClr val="000000"/>
-                </a:solidFill>
-                <a:latin typeface="Consolas" panose="020B0609020204030204" pitchFamily="49" charset="0"/>
-              </a:rPr>
-              <a:t> </a:t>
-            </a:r>
-            <a:r>
-              <a:rPr lang="pt-BR" b="1" dirty="0">
-                <a:solidFill>
-                  <a:srgbClr val="7F0055"/>
-                </a:solidFill>
-                <a:latin typeface="Consolas" panose="020B0609020204030204" pitchFamily="49" charset="0"/>
-              </a:rPr>
-              <a:t>int</a:t>
-            </a:r>
-            <a:r>
-              <a:rPr lang="pt-BR" dirty="0">
-                <a:solidFill>
-                  <a:srgbClr val="000000"/>
-                </a:solidFill>
-                <a:latin typeface="Consolas" panose="020B0609020204030204" pitchFamily="49" charset="0"/>
-              </a:rPr>
-              <a:t> </a:t>
-            </a:r>
-            <a:r>
-              <a:rPr lang="pt-BR" dirty="0">
-                <a:solidFill>
-                  <a:srgbClr val="0000C0"/>
-                </a:solidFill>
-                <a:latin typeface="Consolas" panose="020B0609020204030204" pitchFamily="49" charset="0"/>
-              </a:rPr>
-              <a:t>id</a:t>
-            </a:r>
-            <a:r>
-              <a:rPr lang="pt-BR" dirty="0">
-                <a:solidFill>
-                  <a:srgbClr val="000000"/>
-                </a:solidFill>
-                <a:latin typeface="Consolas" panose="020B0609020204030204" pitchFamily="49" charset="0"/>
-              </a:rPr>
-              <a:t>;</a:t>
-            </a:r>
-          </a:p>
-          <a:p>
-            <a:pPr lvl="1"/>
-            <a:r>
-              <a:rPr lang="pt-BR" b="1" dirty="0" err="1">
-                <a:solidFill>
-                  <a:srgbClr val="7F0055"/>
-                </a:solidFill>
-                <a:latin typeface="Consolas" panose="020B0609020204030204" pitchFamily="49" charset="0"/>
-              </a:rPr>
-              <a:t>private</a:t>
-            </a:r>
-            <a:r>
-              <a:rPr lang="pt-BR" dirty="0">
-                <a:solidFill>
-                  <a:srgbClr val="000000"/>
-                </a:solidFill>
-                <a:latin typeface="Consolas" panose="020B0609020204030204" pitchFamily="49" charset="0"/>
-              </a:rPr>
-              <a:t> Date </a:t>
-            </a:r>
-            <a:r>
-              <a:rPr lang="pt-BR" dirty="0" err="1">
-                <a:solidFill>
-                  <a:srgbClr val="0000C0"/>
-                </a:solidFill>
-                <a:latin typeface="Consolas" panose="020B0609020204030204" pitchFamily="49" charset="0"/>
-              </a:rPr>
-              <a:t>moment</a:t>
-            </a:r>
-            <a:r>
-              <a:rPr lang="pt-BR" dirty="0">
-                <a:solidFill>
-                  <a:srgbClr val="000000"/>
-                </a:solidFill>
-                <a:latin typeface="Consolas" panose="020B0609020204030204" pitchFamily="49" charset="0"/>
-              </a:rPr>
-              <a:t>;</a:t>
-            </a:r>
-          </a:p>
-          <a:p>
-            <a:pPr lvl="1"/>
-            <a:r>
-              <a:rPr lang="pt-BR" b="1" dirty="0" err="1">
-                <a:solidFill>
-                  <a:srgbClr val="7F0055"/>
-                </a:solidFill>
-                <a:latin typeface="Consolas" panose="020B0609020204030204" pitchFamily="49" charset="0"/>
-              </a:rPr>
-              <a:t>private</a:t>
-            </a:r>
-            <a:r>
-              <a:rPr lang="pt-BR" dirty="0">
-                <a:solidFill>
-                  <a:srgbClr val="000000"/>
-                </a:solidFill>
-                <a:latin typeface="Consolas" panose="020B0609020204030204" pitchFamily="49" charset="0"/>
-              </a:rPr>
-              <a:t> </a:t>
-            </a:r>
-            <a:r>
-              <a:rPr lang="pt-BR" dirty="0" err="1">
-                <a:solidFill>
-                  <a:srgbClr val="000000"/>
-                </a:solidFill>
-                <a:latin typeface="Consolas" panose="020B0609020204030204" pitchFamily="49" charset="0"/>
-              </a:rPr>
-              <a:t>OrderStatus</a:t>
-            </a:r>
-            <a:r>
-              <a:rPr lang="pt-BR" dirty="0">
-                <a:solidFill>
-                  <a:srgbClr val="000000"/>
-                </a:solidFill>
-                <a:latin typeface="Consolas" panose="020B0609020204030204" pitchFamily="49" charset="0"/>
-              </a:rPr>
-              <a:t> </a:t>
-            </a:r>
-            <a:r>
-              <a:rPr lang="pt-BR" dirty="0">
-                <a:solidFill>
-                  <a:srgbClr val="0000C0"/>
-                </a:solidFill>
-                <a:latin typeface="Consolas" panose="020B0609020204030204" pitchFamily="49" charset="0"/>
-              </a:rPr>
-              <a:t>status</a:t>
-            </a:r>
-            <a:r>
-              <a:rPr lang="pt-BR" dirty="0">
-                <a:solidFill>
-                  <a:srgbClr val="000000"/>
-                </a:solidFill>
-                <a:latin typeface="Consolas" panose="020B0609020204030204" pitchFamily="49" charset="0"/>
-              </a:rPr>
-              <a:t>;</a:t>
-            </a:r>
-          </a:p>
-          <a:p>
-            <a:pPr marL="0" lvl="1"/>
-            <a:r>
-              <a:rPr lang="pt-BR" dirty="0">
-                <a:solidFill>
-                  <a:srgbClr val="000000"/>
-                </a:solidFill>
-                <a:latin typeface="Consolas" panose="020B0609020204030204" pitchFamily="49" charset="0"/>
-              </a:rPr>
               <a:t>}</a:t>
             </a:r>
-          </a:p>
-        </p:txBody>
-      </p:sp>
-      <p:sp>
-        <p:nvSpPr>
-          <p:cNvPr id="5" name="CaixaDeTexto 4">
-            <a:extLst>
-              <a:ext uri="{FF2B5EF4-FFF2-40B4-BE49-F238E27FC236}">
-                <a16:creationId xmlns:a16="http://schemas.microsoft.com/office/drawing/2014/main" id="{BF9E1BA4-474E-4107-8321-046E6CD40E4E}"/>
-              </a:ext>
-            </a:extLst>
-          </p:cNvPr>
-          <p:cNvSpPr txBox="1"/>
-          <p:nvPr/>
-        </p:nvSpPr>
-        <p:spPr>
-          <a:xfrm>
-            <a:off x="7429500" y="3398503"/>
-            <a:ext cx="3019425" cy="1711366"/>
-          </a:xfrm>
-          <a:prstGeom prst="rect">
-            <a:avLst/>
-          </a:prstGeom>
-          <a:noFill/>
-        </p:spPr>
-        <p:txBody>
-          <a:bodyPr wrap="square" rtlCol="0">
-            <a:spAutoFit/>
-          </a:bodyPr>
-          <a:lstStyle/>
-          <a:p>
-            <a:pPr>
-              <a:lnSpc>
-                <a:spcPct val="150000"/>
-              </a:lnSpc>
-            </a:pPr>
-            <a:r>
-              <a:rPr lang="pt-BR" dirty="0">
-                <a:latin typeface="Times New Roman" panose="02020603050405020304" pitchFamily="18" charset="0"/>
-                <a:cs typeface="Times New Roman" panose="02020603050405020304" pitchFamily="18" charset="0"/>
-              </a:rPr>
-              <a:t>Criar os:</a:t>
-            </a:r>
-          </a:p>
-          <a:p>
-            <a:pPr marL="742950" lvl="1" indent="-285750">
-              <a:lnSpc>
-                <a:spcPct val="150000"/>
-              </a:lnSpc>
-              <a:buFont typeface="Arial" panose="020B0604020202020204" pitchFamily="34" charset="0"/>
-              <a:buChar char="•"/>
-            </a:pPr>
-            <a:r>
-              <a:rPr lang="pt-BR" dirty="0">
-                <a:latin typeface="Times New Roman" panose="02020603050405020304" pitchFamily="18" charset="0"/>
-                <a:cs typeface="Times New Roman" panose="02020603050405020304" pitchFamily="18" charset="0"/>
-              </a:rPr>
-              <a:t>Construtores</a:t>
-            </a:r>
-          </a:p>
-          <a:p>
-            <a:pPr marL="742950" lvl="1" indent="-285750">
-              <a:lnSpc>
-                <a:spcPct val="150000"/>
-              </a:lnSpc>
-              <a:buFont typeface="Arial" panose="020B0604020202020204" pitchFamily="34" charset="0"/>
-              <a:buChar char="•"/>
-            </a:pPr>
-            <a:r>
-              <a:rPr lang="pt-BR" dirty="0" err="1">
-                <a:latin typeface="Times New Roman" panose="02020603050405020304" pitchFamily="18" charset="0"/>
-                <a:cs typeface="Times New Roman" panose="02020603050405020304" pitchFamily="18" charset="0"/>
-              </a:rPr>
-              <a:t>Getters</a:t>
-            </a:r>
-            <a:r>
-              <a:rPr lang="pt-BR" dirty="0">
-                <a:latin typeface="Times New Roman" panose="02020603050405020304" pitchFamily="18" charset="0"/>
-                <a:cs typeface="Times New Roman" panose="02020603050405020304" pitchFamily="18" charset="0"/>
-              </a:rPr>
-              <a:t> e </a:t>
-            </a:r>
-            <a:r>
-              <a:rPr lang="pt-BR" dirty="0" err="1">
-                <a:latin typeface="Times New Roman" panose="02020603050405020304" pitchFamily="18" charset="0"/>
-                <a:cs typeface="Times New Roman" panose="02020603050405020304" pitchFamily="18" charset="0"/>
-              </a:rPr>
-              <a:t>Setters</a:t>
-            </a:r>
-            <a:endParaRPr lang="pt-BR" dirty="0">
-              <a:latin typeface="Times New Roman" panose="02020603050405020304" pitchFamily="18" charset="0"/>
-              <a:cs typeface="Times New Roman" panose="02020603050405020304" pitchFamily="18" charset="0"/>
-            </a:endParaRPr>
-          </a:p>
-          <a:p>
-            <a:pPr marL="742950" lvl="1" indent="-285750">
-              <a:lnSpc>
-                <a:spcPct val="150000"/>
-              </a:lnSpc>
-              <a:buFont typeface="Arial" panose="020B0604020202020204" pitchFamily="34" charset="0"/>
-              <a:buChar char="•"/>
-            </a:pPr>
-            <a:r>
-              <a:rPr lang="pt-BR" dirty="0" err="1">
-                <a:latin typeface="Times New Roman" panose="02020603050405020304" pitchFamily="18" charset="0"/>
-                <a:cs typeface="Times New Roman" panose="02020603050405020304" pitchFamily="18" charset="0"/>
-              </a:rPr>
-              <a:t>toString</a:t>
-            </a:r>
-            <a:endParaRPr lang="pt-BR" dirty="0">
-              <a:latin typeface="Times New Roman" panose="02020603050405020304" pitchFamily="18" charset="0"/>
-              <a:cs typeface="Times New Roman" panose="02020603050405020304" pitchFamily="18" charset="0"/>
-            </a:endParaRPr>
           </a:p>
         </p:txBody>
       </p:sp>
     </p:spTree>
     <p:extLst>
       <p:ext uri="{BB962C8B-B14F-4D97-AF65-F5344CB8AC3E}">
-        <p14:creationId xmlns:p14="http://schemas.microsoft.com/office/powerpoint/2010/main" val="1622572021"/>
+        <p14:creationId xmlns:p14="http://schemas.microsoft.com/office/powerpoint/2010/main" val="13419183"/>
       </p:ext>
     </p:extLst>
   </p:cSld>
@@ -7074,7 +5690,7 @@
           <p:cNvPr id="2" name="Título 1">
             <a:extLst>
               <a:ext uri="{FF2B5EF4-FFF2-40B4-BE49-F238E27FC236}">
-                <a16:creationId xmlns:a16="http://schemas.microsoft.com/office/drawing/2014/main" id="{192C4781-775D-46DD-BC08-010D81CC06E6}"/>
+                <a16:creationId xmlns:a16="http://schemas.microsoft.com/office/drawing/2014/main" id="{13BF5B45-63CF-41F7-8496-D896490AE335}"/>
               </a:ext>
             </a:extLst>
           </p:cNvPr>
@@ -7092,39 +5708,122 @@
           <a:p>
             <a:r>
               <a:rPr lang="pt-BR" dirty="0"/>
-              <a:t>Programa </a:t>
+              <a:t>Construtor </a:t>
             </a:r>
             <a:r>
               <a:rPr lang="pt-BR" dirty="0" err="1"/>
-              <a:t>Main</a:t>
-            </a:r>
-            <a:endParaRPr lang="pt-BR" dirty="0"/>
-          </a:p>
-        </p:txBody>
-      </p:sp>
-      <p:sp>
-        <p:nvSpPr>
-          <p:cNvPr id="3" name="Retângulo 2">
-            <a:extLst>
-              <a:ext uri="{FF2B5EF4-FFF2-40B4-BE49-F238E27FC236}">
-                <a16:creationId xmlns:a16="http://schemas.microsoft.com/office/drawing/2014/main" id="{AB3854B5-B2AB-4C55-86AF-9A07E762CDC0}"/>
-              </a:ext>
-            </a:extLst>
-          </p:cNvPr>
-          <p:cNvSpPr/>
+              <a:t>Super</a:t>
+            </a:r>
+            <a:r>
+              <a:rPr lang="pt-BR" dirty="0"/>
+              <a:t>()</a:t>
+            </a:r>
+          </a:p>
+        </p:txBody>
+      </p:sp>
+      <p:sp>
+        <p:nvSpPr>
+          <p:cNvPr id="3" name="Espaço Reservado para Conteúdo 2">
+            <a:extLst>
+              <a:ext uri="{FF2B5EF4-FFF2-40B4-BE49-F238E27FC236}">
+                <a16:creationId xmlns:a16="http://schemas.microsoft.com/office/drawing/2014/main" id="{05C539C4-EDD4-414C-ADA6-9C2633603CB2}"/>
+              </a:ext>
+            </a:extLst>
+          </p:cNvPr>
+          <p:cNvSpPr>
+            <a:spLocks noGrp="1"/>
+          </p:cNvSpPr>
+          <p:nvPr>
+            <p:ph idx="1"/>
+          </p:nvPr>
+        </p:nvSpPr>
+        <p:spPr>
+          <a:xfrm>
+            <a:off x="592347" y="1844675"/>
+            <a:ext cx="11007306" cy="1473291"/>
+          </a:xfrm>
+        </p:spPr>
+        <p:txBody>
+          <a:bodyPr/>
+          <a:lstStyle/>
+          <a:p>
+            <a:r>
+              <a:rPr lang="pt-BR" sz="1800" dirty="0"/>
+              <a:t>A palavra-chave </a:t>
+            </a:r>
+            <a:r>
+              <a:rPr lang="pt-BR" sz="1800" dirty="0" err="1"/>
+              <a:t>super</a:t>
+            </a:r>
+            <a:r>
+              <a:rPr lang="pt-BR" sz="1800" dirty="0"/>
+              <a:t> é utilizada para se referir à superclasse (classe pai) de uma classe derivada (classe filha). Ela é especialmente útil quando há a necessidade de reutilizar atributos ou métodos da classe pai, evitando a repetição de código.</a:t>
+            </a:r>
+          </a:p>
+        </p:txBody>
+      </p:sp>
+      <p:sp>
+        <p:nvSpPr>
+          <p:cNvPr id="7" name="CaixaDeTexto 6">
+            <a:extLst>
+              <a:ext uri="{FF2B5EF4-FFF2-40B4-BE49-F238E27FC236}">
+                <a16:creationId xmlns:a16="http://schemas.microsoft.com/office/drawing/2014/main" id="{15C42C8B-8DB6-4C73-97AE-4AF8FC519272}"/>
+              </a:ext>
+            </a:extLst>
+          </p:cNvPr>
+          <p:cNvSpPr txBox="1"/>
           <p:nvPr/>
         </p:nvSpPr>
         <p:spPr>
           <a:xfrm>
-            <a:off x="3048000" y="2425335"/>
-            <a:ext cx="6096000" cy="3929281"/>
+            <a:off x="5503559" y="3520485"/>
+            <a:ext cx="1184883" cy="338554"/>
           </a:xfrm>
           <a:prstGeom prst="rect">
             <a:avLst/>
           </a:prstGeom>
-        </p:spPr>
-        <p:txBody>
-          <a:bodyPr>
+          <a:noFill/>
+        </p:spPr>
+        <p:txBody>
+          <a:bodyPr wrap="square" rtlCol="0">
+            <a:spAutoFit/>
+          </a:bodyPr>
+          <a:lstStyle/>
+          <a:p>
+            <a:pPr algn="ctr"/>
+            <a:r>
+              <a:rPr lang="pt-BR" sz="1600" dirty="0">
+                <a:latin typeface="Times New Roman" panose="02020603050405020304" pitchFamily="18" charset="0"/>
+                <a:cs typeface="Times New Roman" panose="02020603050405020304" pitchFamily="18" charset="0"/>
+              </a:rPr>
+              <a:t>Classe Filha</a:t>
+            </a:r>
+          </a:p>
+        </p:txBody>
+      </p:sp>
+      <p:sp>
+        <p:nvSpPr>
+          <p:cNvPr id="4" name="Retângulo 3">
+            <a:extLst>
+              <a:ext uri="{FF2B5EF4-FFF2-40B4-BE49-F238E27FC236}">
+                <a16:creationId xmlns:a16="http://schemas.microsoft.com/office/drawing/2014/main" id="{FFAD0326-5AFB-4F87-8E1F-8F1446812B25}"/>
+              </a:ext>
+            </a:extLst>
+          </p:cNvPr>
+          <p:cNvSpPr/>
+          <p:nvPr/>
+        </p:nvSpPr>
+        <p:spPr>
+          <a:xfrm>
+            <a:off x="1698171" y="4061558"/>
+            <a:ext cx="8795657" cy="2421176"/>
+          </a:xfrm>
+          <a:prstGeom prst="rect">
+            <a:avLst/>
+          </a:prstGeom>
+        </p:spPr>
+        <p:txBody>
+          <a:bodyPr wrap="square">
             <a:spAutoFit/>
           </a:bodyPr>
           <a:lstStyle/>
@@ -7138,16 +5837,16 @@
               </a:spcAft>
             </a:pPr>
             <a:r>
-              <a:rPr lang="pt-BR" b="1" dirty="0" err="1">
+              <a:rPr lang="pt-BR" sz="1600" b="1" dirty="0" err="1">
                 <a:solidFill>
                   <a:srgbClr val="7F0055"/>
                 </a:solidFill>
                 <a:latin typeface="Consolas" panose="020B0609020204030204" pitchFamily="49" charset="0"/>
               </a:rPr>
-              <a:t>package</a:t>
-            </a:r>
-            <a:r>
-              <a:rPr lang="pt-BR" dirty="0">
+              <a:t>public</a:t>
+            </a:r>
+            <a:r>
+              <a:rPr lang="pt-BR" sz="1600" dirty="0">
                 <a:solidFill>
                   <a:srgbClr val="000000"/>
                 </a:solidFill>
@@ -7156,22 +5855,403 @@
               <a:t> </a:t>
             </a:r>
             <a:r>
-              <a:rPr lang="pt-BR" dirty="0" err="1">
+              <a:rPr lang="pt-BR" sz="1600" b="1" dirty="0" err="1">
+                <a:solidFill>
+                  <a:srgbClr val="7F0055"/>
+                </a:solidFill>
+                <a:latin typeface="Consolas" panose="020B0609020204030204" pitchFamily="49" charset="0"/>
+              </a:rPr>
+              <a:t>class</a:t>
+            </a:r>
+            <a:r>
+              <a:rPr lang="pt-BR" sz="1600" dirty="0">
                 <a:solidFill>
                   <a:srgbClr val="000000"/>
                 </a:solidFill>
                 <a:latin typeface="Consolas" panose="020B0609020204030204" pitchFamily="49" charset="0"/>
               </a:rPr>
-              <a:t>aplicacao</a:t>
-            </a:r>
-            <a:r>
-              <a:rPr lang="pt-BR" dirty="0">
+              <a:t> Gerente </a:t>
+            </a:r>
+            <a:r>
+              <a:rPr lang="pt-BR" sz="1600" b="1" dirty="0" err="1">
+                <a:solidFill>
+                  <a:srgbClr val="7F0055"/>
+                </a:solidFill>
+                <a:latin typeface="Consolas" panose="020B0609020204030204" pitchFamily="49" charset="0"/>
+              </a:rPr>
+              <a:t>extends</a:t>
+            </a:r>
+            <a:r>
+              <a:rPr lang="pt-BR" sz="1600" dirty="0">
                 <a:solidFill>
                   <a:srgbClr val="000000"/>
                 </a:solidFill>
                 <a:latin typeface="Consolas" panose="020B0609020204030204" pitchFamily="49" charset="0"/>
               </a:rPr>
+              <a:t> </a:t>
+            </a:r>
+            <a:r>
+              <a:rPr lang="pt-BR" sz="1600" dirty="0" err="1">
+                <a:solidFill>
+                  <a:srgbClr val="000000"/>
+                </a:solidFill>
+                <a:latin typeface="Consolas" panose="020B0609020204030204" pitchFamily="49" charset="0"/>
+              </a:rPr>
+              <a:t>Funcionarios</a:t>
+            </a:r>
+            <a:r>
+              <a:rPr lang="pt-BR" sz="1600" dirty="0">
+                <a:solidFill>
+                  <a:srgbClr val="000000"/>
+                </a:solidFill>
+                <a:latin typeface="Consolas" panose="020B0609020204030204" pitchFamily="49" charset="0"/>
+              </a:rPr>
+              <a:t>{</a:t>
+            </a:r>
+          </a:p>
+          <a:p>
+            <a:pPr lvl="1">
+              <a:spcBef>
+                <a:spcPts val="150"/>
+              </a:spcBef>
+              <a:spcAft>
+                <a:spcPts val="150"/>
+              </a:spcAft>
+            </a:pPr>
+            <a:r>
+              <a:rPr lang="pt-BR" sz="1600" b="1" dirty="0" err="1">
+                <a:solidFill>
+                  <a:srgbClr val="7F0055"/>
+                </a:solidFill>
+                <a:latin typeface="Consolas" panose="020B0609020204030204" pitchFamily="49" charset="0"/>
+              </a:rPr>
+              <a:t>private</a:t>
+            </a:r>
+            <a:r>
+              <a:rPr lang="pt-BR" sz="1600" dirty="0">
+                <a:solidFill>
+                  <a:srgbClr val="000000"/>
+                </a:solidFill>
+                <a:latin typeface="Consolas" panose="020B0609020204030204" pitchFamily="49" charset="0"/>
+              </a:rPr>
+              <a:t> </a:t>
+            </a:r>
+            <a:r>
+              <a:rPr lang="pt-BR" sz="1600" b="1" dirty="0">
+                <a:solidFill>
+                  <a:srgbClr val="7F0055"/>
+                </a:solidFill>
+                <a:latin typeface="Consolas" panose="020B0609020204030204" pitchFamily="49" charset="0"/>
+              </a:rPr>
+              <a:t>double</a:t>
+            </a:r>
+            <a:r>
+              <a:rPr lang="pt-BR" sz="1600" dirty="0">
+                <a:solidFill>
+                  <a:srgbClr val="000000"/>
+                </a:solidFill>
+                <a:latin typeface="Consolas" panose="020B0609020204030204" pitchFamily="49" charset="0"/>
+              </a:rPr>
+              <a:t> </a:t>
+            </a:r>
+            <a:r>
+              <a:rPr lang="pt-BR" sz="1600" u="sng" dirty="0" err="1">
+                <a:solidFill>
+                  <a:srgbClr val="0000C0"/>
+                </a:solidFill>
+                <a:latin typeface="Consolas" panose="020B0609020204030204" pitchFamily="49" charset="0"/>
+              </a:rPr>
+              <a:t>adicionalGerencia</a:t>
+            </a:r>
+            <a:r>
+              <a:rPr lang="pt-BR" sz="1600" dirty="0">
+                <a:solidFill>
+                  <a:srgbClr val="000000"/>
+                </a:solidFill>
+                <a:latin typeface="Consolas" panose="020B0609020204030204" pitchFamily="49" charset="0"/>
+              </a:rPr>
               <a:t>;</a:t>
+            </a:r>
+          </a:p>
+          <a:p>
+            <a:pPr lvl="1">
+              <a:spcBef>
+                <a:spcPts val="150"/>
+              </a:spcBef>
+              <a:spcAft>
+                <a:spcPts val="150"/>
+              </a:spcAft>
+            </a:pPr>
+            <a:endParaRPr lang="pt-BR" sz="1600" b="1" dirty="0">
+              <a:solidFill>
+                <a:srgbClr val="7F0055"/>
+              </a:solidFill>
+              <a:latin typeface="Consolas" panose="020B0609020204030204" pitchFamily="49" charset="0"/>
+            </a:endParaRPr>
+          </a:p>
+          <a:p>
+            <a:pPr lvl="1">
+              <a:spcBef>
+                <a:spcPts val="150"/>
+              </a:spcBef>
+              <a:spcAft>
+                <a:spcPts val="150"/>
+              </a:spcAft>
+            </a:pPr>
+            <a:r>
+              <a:rPr lang="pt-BR" sz="1600" b="1" dirty="0" err="1">
+                <a:solidFill>
+                  <a:srgbClr val="7F0055"/>
+                </a:solidFill>
+                <a:latin typeface="Consolas" panose="020B0609020204030204" pitchFamily="49" charset="0"/>
+              </a:rPr>
+              <a:t>public</a:t>
+            </a:r>
+            <a:r>
+              <a:rPr lang="pt-BR" sz="1600" dirty="0">
+                <a:solidFill>
+                  <a:srgbClr val="000000"/>
+                </a:solidFill>
+                <a:latin typeface="Consolas" panose="020B0609020204030204" pitchFamily="49" charset="0"/>
+              </a:rPr>
+              <a:t> Gerente(String </a:t>
+            </a:r>
+            <a:r>
+              <a:rPr lang="pt-BR" sz="1600" dirty="0">
+                <a:solidFill>
+                  <a:srgbClr val="6A3E3E"/>
+                </a:solidFill>
+                <a:latin typeface="Consolas" panose="020B0609020204030204" pitchFamily="49" charset="0"/>
+              </a:rPr>
+              <a:t>nome</a:t>
+            </a:r>
+            <a:r>
+              <a:rPr lang="pt-BR" sz="1600" dirty="0">
+                <a:solidFill>
+                  <a:srgbClr val="000000"/>
+                </a:solidFill>
+                <a:latin typeface="Consolas" panose="020B0609020204030204" pitchFamily="49" charset="0"/>
+              </a:rPr>
+              <a:t>, </a:t>
+            </a:r>
+            <a:r>
+              <a:rPr lang="pt-BR" sz="1600" b="1" dirty="0">
+                <a:solidFill>
+                  <a:srgbClr val="7F0055"/>
+                </a:solidFill>
+                <a:latin typeface="Consolas" panose="020B0609020204030204" pitchFamily="49" charset="0"/>
+              </a:rPr>
+              <a:t>double</a:t>
+            </a:r>
+            <a:r>
+              <a:rPr lang="pt-BR" sz="1600" dirty="0">
+                <a:solidFill>
+                  <a:srgbClr val="000000"/>
+                </a:solidFill>
+                <a:latin typeface="Consolas" panose="020B0609020204030204" pitchFamily="49" charset="0"/>
+              </a:rPr>
+              <a:t> </a:t>
+            </a:r>
+            <a:r>
+              <a:rPr lang="pt-BR" sz="1600" dirty="0">
+                <a:solidFill>
+                  <a:srgbClr val="6A3E3E"/>
+                </a:solidFill>
+                <a:latin typeface="Consolas" panose="020B0609020204030204" pitchFamily="49" charset="0"/>
+              </a:rPr>
+              <a:t>salario</a:t>
+            </a:r>
+            <a:r>
+              <a:rPr lang="pt-BR" sz="1600" dirty="0">
+                <a:solidFill>
+                  <a:srgbClr val="000000"/>
+                </a:solidFill>
+                <a:latin typeface="Consolas" panose="020B0609020204030204" pitchFamily="49" charset="0"/>
+              </a:rPr>
+              <a:t>, </a:t>
+            </a:r>
+            <a:r>
+              <a:rPr lang="pt-BR" sz="1600" b="1" dirty="0">
+                <a:solidFill>
+                  <a:srgbClr val="7F0055"/>
+                </a:solidFill>
+                <a:latin typeface="Consolas" panose="020B0609020204030204" pitchFamily="49" charset="0"/>
+              </a:rPr>
+              <a:t>double</a:t>
+            </a:r>
+            <a:r>
+              <a:rPr lang="pt-BR" sz="1600" dirty="0">
+                <a:solidFill>
+                  <a:srgbClr val="000000"/>
+                </a:solidFill>
+                <a:latin typeface="Consolas" panose="020B0609020204030204" pitchFamily="49" charset="0"/>
+              </a:rPr>
+              <a:t> </a:t>
+            </a:r>
+            <a:r>
+              <a:rPr lang="pt-BR" sz="1600" dirty="0" err="1">
+                <a:solidFill>
+                  <a:srgbClr val="6A3E3E"/>
+                </a:solidFill>
+                <a:latin typeface="Consolas" panose="020B0609020204030204" pitchFamily="49" charset="0"/>
+              </a:rPr>
+              <a:t>adicionalGerencia</a:t>
+            </a:r>
+            <a:r>
+              <a:rPr lang="pt-BR" sz="1600" dirty="0">
+                <a:solidFill>
+                  <a:srgbClr val="000000"/>
+                </a:solidFill>
+                <a:latin typeface="Consolas" panose="020B0609020204030204" pitchFamily="49" charset="0"/>
+              </a:rPr>
+              <a:t>) {</a:t>
+            </a:r>
+          </a:p>
+          <a:p>
+            <a:pPr lvl="2">
+              <a:spcBef>
+                <a:spcPts val="150"/>
+              </a:spcBef>
+              <a:spcAft>
+                <a:spcPts val="150"/>
+              </a:spcAft>
+            </a:pPr>
+            <a:r>
+              <a:rPr lang="pt-BR" sz="1600" b="1" dirty="0" err="1">
+                <a:solidFill>
+                  <a:srgbClr val="7F0055"/>
+                </a:solidFill>
+                <a:latin typeface="Consolas" panose="020B0609020204030204" pitchFamily="49" charset="0"/>
+              </a:rPr>
+              <a:t>super</a:t>
+            </a:r>
+            <a:r>
+              <a:rPr lang="pt-BR" sz="1600" dirty="0">
+                <a:solidFill>
+                  <a:srgbClr val="000000"/>
+                </a:solidFill>
+                <a:latin typeface="Consolas" panose="020B0609020204030204" pitchFamily="49" charset="0"/>
+              </a:rPr>
+              <a:t>(</a:t>
+            </a:r>
+            <a:r>
+              <a:rPr lang="pt-BR" sz="1600" dirty="0">
+                <a:solidFill>
+                  <a:srgbClr val="6A3E3E"/>
+                </a:solidFill>
+                <a:latin typeface="Consolas" panose="020B0609020204030204" pitchFamily="49" charset="0"/>
+              </a:rPr>
+              <a:t>nome</a:t>
+            </a:r>
+            <a:r>
+              <a:rPr lang="pt-BR" sz="1600" dirty="0">
+                <a:solidFill>
+                  <a:srgbClr val="000000"/>
+                </a:solidFill>
+                <a:latin typeface="Consolas" panose="020B0609020204030204" pitchFamily="49" charset="0"/>
+              </a:rPr>
+              <a:t>, </a:t>
+            </a:r>
+            <a:r>
+              <a:rPr lang="pt-BR" sz="1600" dirty="0">
+                <a:solidFill>
+                  <a:srgbClr val="6A3E3E"/>
+                </a:solidFill>
+                <a:latin typeface="Consolas" panose="020B0609020204030204" pitchFamily="49" charset="0"/>
+              </a:rPr>
+              <a:t>salario</a:t>
+            </a:r>
+            <a:r>
+              <a:rPr lang="pt-BR" sz="1600" dirty="0">
+                <a:solidFill>
+                  <a:srgbClr val="000000"/>
+                </a:solidFill>
+                <a:latin typeface="Consolas" panose="020B0609020204030204" pitchFamily="49" charset="0"/>
+              </a:rPr>
+              <a:t>);</a:t>
+            </a:r>
+          </a:p>
+          <a:p>
+            <a:pPr lvl="2">
+              <a:spcBef>
+                <a:spcPts val="150"/>
+              </a:spcBef>
+              <a:spcAft>
+                <a:spcPts val="150"/>
+              </a:spcAft>
+            </a:pPr>
+            <a:r>
+              <a:rPr lang="pt-BR" sz="1600" b="1" dirty="0" err="1">
+                <a:solidFill>
+                  <a:srgbClr val="7F0055"/>
+                </a:solidFill>
+                <a:latin typeface="Consolas" panose="020B0609020204030204" pitchFamily="49" charset="0"/>
+              </a:rPr>
+              <a:t>this</a:t>
+            </a:r>
+            <a:r>
+              <a:rPr lang="pt-BR" sz="1600" dirty="0" err="1">
+                <a:solidFill>
+                  <a:srgbClr val="000000"/>
+                </a:solidFill>
+                <a:latin typeface="Consolas" panose="020B0609020204030204" pitchFamily="49" charset="0"/>
+              </a:rPr>
+              <a:t>.</a:t>
+            </a:r>
+            <a:r>
+              <a:rPr lang="pt-BR" sz="1600" dirty="0" err="1">
+                <a:solidFill>
+                  <a:srgbClr val="0000C0"/>
+                </a:solidFill>
+                <a:latin typeface="Consolas" panose="020B0609020204030204" pitchFamily="49" charset="0"/>
+              </a:rPr>
+              <a:t>adicionalGerencia</a:t>
+            </a:r>
+            <a:r>
+              <a:rPr lang="pt-BR" sz="1600" dirty="0">
+                <a:solidFill>
+                  <a:srgbClr val="000000"/>
+                </a:solidFill>
+                <a:latin typeface="Consolas" panose="020B0609020204030204" pitchFamily="49" charset="0"/>
+              </a:rPr>
+              <a:t> = </a:t>
+            </a:r>
+            <a:r>
+              <a:rPr lang="pt-BR" sz="1600" dirty="0" err="1">
+                <a:solidFill>
+                  <a:srgbClr val="6A3E3E"/>
+                </a:solidFill>
+                <a:latin typeface="Consolas" panose="020B0609020204030204" pitchFamily="49" charset="0"/>
+              </a:rPr>
+              <a:t>adicionalGerencia</a:t>
+            </a:r>
+            <a:r>
+              <a:rPr lang="pt-BR" sz="1600" dirty="0">
+                <a:solidFill>
+                  <a:srgbClr val="000000"/>
+                </a:solidFill>
+                <a:latin typeface="Consolas" panose="020B0609020204030204" pitchFamily="49" charset="0"/>
+              </a:rPr>
+              <a:t>;</a:t>
+            </a:r>
+          </a:p>
+          <a:p>
+            <a:pPr lvl="1">
+              <a:spcBef>
+                <a:spcPts val="150"/>
+              </a:spcBef>
+              <a:spcAft>
+                <a:spcPts val="150"/>
+              </a:spcAft>
+            </a:pPr>
+            <a:r>
+              <a:rPr lang="pt-BR" sz="1600" dirty="0">
+                <a:solidFill>
+                  <a:srgbClr val="000000"/>
+                </a:solidFill>
+                <a:latin typeface="Consolas" panose="020B0609020204030204" pitchFamily="49" charset="0"/>
+              </a:rPr>
+              <a:t>}</a:t>
             </a:r>
           </a:p>
           <a:p>
@@ -7184,478 +6264,7 @@
               </a:spcAft>
             </a:pPr>
             <a:r>
-              <a:rPr lang="pt-BR" b="1" dirty="0" err="1">
-                <a:solidFill>
-                  <a:srgbClr val="7F0055"/>
-                </a:solidFill>
-                <a:latin typeface="Consolas" panose="020B0609020204030204" pitchFamily="49" charset="0"/>
-              </a:rPr>
-              <a:t>import</a:t>
-            </a:r>
-            <a:r>
-              <a:rPr lang="pt-BR" dirty="0">
-                <a:solidFill>
-                  <a:srgbClr val="000000"/>
-                </a:solidFill>
-                <a:latin typeface="Consolas" panose="020B0609020204030204" pitchFamily="49" charset="0"/>
-              </a:rPr>
-              <a:t> </a:t>
-            </a:r>
-            <a:r>
-              <a:rPr lang="pt-BR" dirty="0" err="1">
-                <a:solidFill>
-                  <a:srgbClr val="000000"/>
-                </a:solidFill>
-                <a:latin typeface="Consolas" panose="020B0609020204030204" pitchFamily="49" charset="0"/>
-              </a:rPr>
-              <a:t>java.util.Date</a:t>
-            </a:r>
-            <a:r>
-              <a:rPr lang="pt-BR" dirty="0">
-                <a:solidFill>
-                  <a:srgbClr val="000000"/>
-                </a:solidFill>
-                <a:latin typeface="Consolas" panose="020B0609020204030204" pitchFamily="49" charset="0"/>
-              </a:rPr>
-              <a:t>;</a:t>
-            </a:r>
-          </a:p>
-          <a:p>
-            <a:pPr>
-              <a:spcBef>
-                <a:spcPts val="150"/>
-              </a:spcBef>
-              <a:spcAft>
-                <a:spcPts val="150"/>
-              </a:spcAft>
-            </a:pPr>
-            <a:r>
-              <a:rPr lang="pt-BR" b="1" dirty="0" err="1">
-                <a:solidFill>
-                  <a:srgbClr val="7F0055"/>
-                </a:solidFill>
-                <a:latin typeface="Consolas" panose="020B0609020204030204" pitchFamily="49" charset="0"/>
-              </a:rPr>
-              <a:t>import</a:t>
-            </a:r>
-            <a:r>
-              <a:rPr lang="pt-BR" dirty="0">
-                <a:solidFill>
-                  <a:srgbClr val="000000"/>
-                </a:solidFill>
-                <a:latin typeface="Consolas" panose="020B0609020204030204" pitchFamily="49" charset="0"/>
-              </a:rPr>
-              <a:t> </a:t>
-            </a:r>
-            <a:r>
-              <a:rPr lang="pt-BR" dirty="0" err="1">
-                <a:solidFill>
-                  <a:srgbClr val="000000"/>
-                </a:solidFill>
-                <a:latin typeface="Consolas" panose="020B0609020204030204" pitchFamily="49" charset="0"/>
-              </a:rPr>
-              <a:t>entidades.Ordem</a:t>
-            </a:r>
-            <a:r>
-              <a:rPr lang="pt-BR" dirty="0">
-                <a:solidFill>
-                  <a:srgbClr val="000000"/>
-                </a:solidFill>
-                <a:latin typeface="Consolas" panose="020B0609020204030204" pitchFamily="49" charset="0"/>
-              </a:rPr>
-              <a:t>;</a:t>
-            </a:r>
-          </a:p>
-          <a:p>
-            <a:pPr>
-              <a:spcBef>
-                <a:spcPts val="150"/>
-              </a:spcBef>
-              <a:spcAft>
-                <a:spcPts val="150"/>
-              </a:spcAft>
-            </a:pPr>
-            <a:r>
-              <a:rPr lang="pt-BR" b="1" dirty="0" err="1">
-                <a:solidFill>
-                  <a:srgbClr val="7F0055"/>
-                </a:solidFill>
-                <a:latin typeface="Consolas" panose="020B0609020204030204" pitchFamily="49" charset="0"/>
-              </a:rPr>
-              <a:t>import</a:t>
-            </a:r>
-            <a:r>
-              <a:rPr lang="pt-BR" dirty="0">
-                <a:solidFill>
-                  <a:srgbClr val="000000"/>
-                </a:solidFill>
-                <a:latin typeface="Consolas" panose="020B0609020204030204" pitchFamily="49" charset="0"/>
-              </a:rPr>
-              <a:t> </a:t>
-            </a:r>
-            <a:r>
-              <a:rPr lang="pt-BR" dirty="0" err="1">
-                <a:solidFill>
-                  <a:srgbClr val="000000"/>
-                </a:solidFill>
-                <a:latin typeface="Consolas" panose="020B0609020204030204" pitchFamily="49" charset="0"/>
-              </a:rPr>
-              <a:t>entidades.enums.OrderStatus</a:t>
-            </a:r>
-            <a:r>
-              <a:rPr lang="pt-BR" dirty="0">
-                <a:solidFill>
-                  <a:srgbClr val="000000"/>
-                </a:solidFill>
-                <a:latin typeface="Consolas" panose="020B0609020204030204" pitchFamily="49" charset="0"/>
-              </a:rPr>
-              <a:t>;</a:t>
-            </a:r>
-          </a:p>
-          <a:p>
-            <a:pPr>
-              <a:spcBef>
-                <a:spcPts val="150"/>
-              </a:spcBef>
-              <a:spcAft>
-                <a:spcPts val="150"/>
-              </a:spcAft>
-            </a:pPr>
-            <a:endParaRPr lang="pt-BR" b="1" dirty="0">
-              <a:solidFill>
-                <a:srgbClr val="7F0055"/>
-              </a:solidFill>
-              <a:latin typeface="Consolas" panose="020B0609020204030204" pitchFamily="49" charset="0"/>
-            </a:endParaRPr>
-          </a:p>
-          <a:p>
-            <a:pPr>
-              <a:spcBef>
-                <a:spcPts val="150"/>
-              </a:spcBef>
-              <a:spcAft>
-                <a:spcPts val="150"/>
-              </a:spcAft>
-            </a:pPr>
-            <a:r>
-              <a:rPr lang="pt-BR" b="1" dirty="0" err="1">
-                <a:solidFill>
-                  <a:srgbClr val="7F0055"/>
-                </a:solidFill>
-                <a:latin typeface="Consolas" panose="020B0609020204030204" pitchFamily="49" charset="0"/>
-              </a:rPr>
-              <a:t>public</a:t>
-            </a:r>
-            <a:r>
-              <a:rPr lang="pt-BR" dirty="0">
-                <a:solidFill>
-                  <a:srgbClr val="000000"/>
-                </a:solidFill>
-                <a:latin typeface="Consolas" panose="020B0609020204030204" pitchFamily="49" charset="0"/>
-              </a:rPr>
-              <a:t> </a:t>
-            </a:r>
-            <a:r>
-              <a:rPr lang="pt-BR" b="1" dirty="0" err="1">
-                <a:solidFill>
-                  <a:srgbClr val="7F0055"/>
-                </a:solidFill>
-                <a:latin typeface="Consolas" panose="020B0609020204030204" pitchFamily="49" charset="0"/>
-              </a:rPr>
-              <a:t>class</a:t>
-            </a:r>
-            <a:r>
-              <a:rPr lang="pt-BR" dirty="0">
-                <a:solidFill>
-                  <a:srgbClr val="000000"/>
-                </a:solidFill>
-                <a:latin typeface="Consolas" panose="020B0609020204030204" pitchFamily="49" charset="0"/>
-              </a:rPr>
-              <a:t> Programa {</a:t>
-            </a:r>
-          </a:p>
-          <a:p>
-            <a:pPr>
-              <a:spcBef>
-                <a:spcPts val="150"/>
-              </a:spcBef>
-              <a:spcAft>
-                <a:spcPts val="150"/>
-              </a:spcAft>
-            </a:pPr>
-            <a:endParaRPr lang="pt-BR" dirty="0">
-              <a:solidFill>
-                <a:srgbClr val="000000"/>
-              </a:solidFill>
-              <a:latin typeface="Consolas" panose="020B0609020204030204" pitchFamily="49" charset="0"/>
-            </a:endParaRPr>
-          </a:p>
-          <a:p>
-            <a:pPr>
-              <a:spcBef>
-                <a:spcPts val="150"/>
-              </a:spcBef>
-              <a:spcAft>
-                <a:spcPts val="150"/>
-              </a:spcAft>
-            </a:pPr>
-            <a:r>
-              <a:rPr lang="pt-BR" b="1" dirty="0" err="1">
-                <a:solidFill>
-                  <a:srgbClr val="7F0055"/>
-                </a:solidFill>
-                <a:latin typeface="Consolas" panose="020B0609020204030204" pitchFamily="49" charset="0"/>
-              </a:rPr>
-              <a:t>public</a:t>
-            </a:r>
-            <a:r>
-              <a:rPr lang="pt-BR" dirty="0">
-                <a:solidFill>
-                  <a:srgbClr val="000000"/>
-                </a:solidFill>
-                <a:latin typeface="Consolas" panose="020B0609020204030204" pitchFamily="49" charset="0"/>
-              </a:rPr>
-              <a:t> </a:t>
-            </a:r>
-            <a:r>
-              <a:rPr lang="pt-BR" b="1" dirty="0" err="1">
-                <a:solidFill>
-                  <a:srgbClr val="7F0055"/>
-                </a:solidFill>
-                <a:latin typeface="Consolas" panose="020B0609020204030204" pitchFamily="49" charset="0"/>
-              </a:rPr>
-              <a:t>static</a:t>
-            </a:r>
-            <a:r>
-              <a:rPr lang="pt-BR" dirty="0">
-                <a:solidFill>
-                  <a:srgbClr val="000000"/>
-                </a:solidFill>
-                <a:latin typeface="Consolas" panose="020B0609020204030204" pitchFamily="49" charset="0"/>
-              </a:rPr>
-              <a:t> </a:t>
-            </a:r>
-            <a:r>
-              <a:rPr lang="pt-BR" b="1" dirty="0" err="1">
-                <a:solidFill>
-                  <a:srgbClr val="7F0055"/>
-                </a:solidFill>
-                <a:latin typeface="Consolas" panose="020B0609020204030204" pitchFamily="49" charset="0"/>
-              </a:rPr>
-              <a:t>void</a:t>
-            </a:r>
-            <a:r>
-              <a:rPr lang="pt-BR" dirty="0">
-                <a:solidFill>
-                  <a:srgbClr val="000000"/>
-                </a:solidFill>
-                <a:latin typeface="Consolas" panose="020B0609020204030204" pitchFamily="49" charset="0"/>
-              </a:rPr>
-              <a:t> </a:t>
-            </a:r>
-            <a:r>
-              <a:rPr lang="pt-BR" dirty="0" err="1">
-                <a:solidFill>
-                  <a:srgbClr val="000000"/>
-                </a:solidFill>
-                <a:latin typeface="Consolas" panose="020B0609020204030204" pitchFamily="49" charset="0"/>
-              </a:rPr>
-              <a:t>main</a:t>
-            </a:r>
-            <a:r>
-              <a:rPr lang="pt-BR" dirty="0">
-                <a:solidFill>
-                  <a:srgbClr val="000000"/>
-                </a:solidFill>
-                <a:latin typeface="Consolas" panose="020B0609020204030204" pitchFamily="49" charset="0"/>
-              </a:rPr>
-              <a:t>(String[] </a:t>
-            </a:r>
-            <a:r>
-              <a:rPr lang="pt-BR" dirty="0" err="1">
-                <a:solidFill>
-                  <a:srgbClr val="6A3E3E"/>
-                </a:solidFill>
-                <a:latin typeface="Consolas" panose="020B0609020204030204" pitchFamily="49" charset="0"/>
-              </a:rPr>
-              <a:t>args</a:t>
-            </a:r>
-            <a:r>
-              <a:rPr lang="pt-BR" dirty="0">
-                <a:solidFill>
-                  <a:srgbClr val="000000"/>
-                </a:solidFill>
-                <a:latin typeface="Consolas" panose="020B0609020204030204" pitchFamily="49" charset="0"/>
-              </a:rPr>
-              <a:t>) {</a:t>
-            </a:r>
-          </a:p>
-          <a:p>
-            <a:pPr lvl="1">
-              <a:spcBef>
-                <a:spcPts val="150"/>
-              </a:spcBef>
-              <a:spcAft>
-                <a:spcPts val="150"/>
-              </a:spcAft>
-            </a:pPr>
-            <a:r>
-              <a:rPr lang="pt-BR" dirty="0">
-                <a:solidFill>
-                  <a:srgbClr val="000000"/>
-                </a:solidFill>
-                <a:latin typeface="Consolas" panose="020B0609020204030204" pitchFamily="49" charset="0"/>
-              </a:rPr>
-              <a:t>Ordem </a:t>
-            </a:r>
-            <a:r>
-              <a:rPr lang="pt-BR" dirty="0" err="1">
-                <a:solidFill>
-                  <a:srgbClr val="6A3E3E"/>
-                </a:solidFill>
-                <a:latin typeface="Consolas" panose="020B0609020204030204" pitchFamily="49" charset="0"/>
-              </a:rPr>
-              <a:t>ordem</a:t>
-            </a:r>
-            <a:r>
-              <a:rPr lang="pt-BR" dirty="0">
-                <a:solidFill>
-                  <a:srgbClr val="000000"/>
-                </a:solidFill>
-                <a:latin typeface="Consolas" panose="020B0609020204030204" pitchFamily="49" charset="0"/>
-              </a:rPr>
-              <a:t> = </a:t>
-            </a:r>
-            <a:r>
-              <a:rPr lang="pt-BR" b="1" dirty="0">
-                <a:solidFill>
-                  <a:srgbClr val="7F0055"/>
-                </a:solidFill>
-                <a:latin typeface="Consolas" panose="020B0609020204030204" pitchFamily="49" charset="0"/>
-              </a:rPr>
-              <a:t>new</a:t>
-            </a:r>
-            <a:r>
-              <a:rPr lang="pt-BR" dirty="0">
-                <a:solidFill>
-                  <a:srgbClr val="000000"/>
-                </a:solidFill>
-                <a:latin typeface="Consolas" panose="020B0609020204030204" pitchFamily="49" charset="0"/>
-              </a:rPr>
-              <a:t> Ordem(1080, </a:t>
-            </a:r>
-            <a:r>
-              <a:rPr lang="pt-BR" b="1" dirty="0">
-                <a:solidFill>
-                  <a:srgbClr val="7F0055"/>
-                </a:solidFill>
-                <a:latin typeface="Consolas" panose="020B0609020204030204" pitchFamily="49" charset="0"/>
-              </a:rPr>
-              <a:t>new</a:t>
-            </a:r>
-            <a:r>
-              <a:rPr lang="pt-BR" dirty="0">
-                <a:solidFill>
-                  <a:srgbClr val="000000"/>
-                </a:solidFill>
-                <a:latin typeface="Consolas" panose="020B0609020204030204" pitchFamily="49" charset="0"/>
-              </a:rPr>
-              <a:t> Date(), </a:t>
-            </a:r>
-            <a:r>
-              <a:rPr lang="pt-BR" dirty="0" err="1">
-                <a:solidFill>
-                  <a:srgbClr val="000000"/>
-                </a:solidFill>
-                <a:latin typeface="Consolas" panose="020B0609020204030204" pitchFamily="49" charset="0"/>
-              </a:rPr>
-              <a:t>OrderStatus.</a:t>
-            </a:r>
-            <a:r>
-              <a:rPr lang="pt-BR" b="1" i="1" dirty="0" err="1">
-                <a:solidFill>
-                  <a:srgbClr val="0000C0"/>
-                </a:solidFill>
-                <a:latin typeface="Consolas" panose="020B0609020204030204" pitchFamily="49" charset="0"/>
-              </a:rPr>
-              <a:t>PAGAMENTO_PENDENTE</a:t>
-            </a:r>
-            <a:r>
-              <a:rPr lang="pt-BR" dirty="0">
-                <a:solidFill>
-                  <a:srgbClr val="000000"/>
-                </a:solidFill>
-                <a:latin typeface="Consolas" panose="020B0609020204030204" pitchFamily="49" charset="0"/>
-              </a:rPr>
-              <a:t>);</a:t>
-            </a:r>
-          </a:p>
-          <a:p>
-            <a:pPr lvl="1">
-              <a:spcBef>
-                <a:spcPts val="150"/>
-              </a:spcBef>
-              <a:spcAft>
-                <a:spcPts val="150"/>
-              </a:spcAft>
-            </a:pPr>
-            <a:r>
-              <a:rPr lang="pt-BR" dirty="0">
-                <a:solidFill>
-                  <a:srgbClr val="000000"/>
-                </a:solidFill>
-                <a:latin typeface="Consolas" panose="020B0609020204030204" pitchFamily="49" charset="0"/>
-              </a:rPr>
-              <a:t>System.</a:t>
-            </a:r>
-            <a:r>
-              <a:rPr lang="pt-BR" b="1" i="1" dirty="0">
-                <a:solidFill>
-                  <a:srgbClr val="0000C0"/>
-                </a:solidFill>
-                <a:latin typeface="Consolas" panose="020B0609020204030204" pitchFamily="49" charset="0"/>
-              </a:rPr>
-              <a:t>out</a:t>
-            </a:r>
-            <a:r>
-              <a:rPr lang="pt-BR" dirty="0">
-                <a:solidFill>
-                  <a:srgbClr val="000000"/>
-                </a:solidFill>
-                <a:latin typeface="Consolas" panose="020B0609020204030204" pitchFamily="49" charset="0"/>
-              </a:rPr>
-              <a:t>.println(</a:t>
-            </a:r>
-            <a:r>
-              <a:rPr lang="pt-BR" dirty="0">
-                <a:solidFill>
-                  <a:srgbClr val="6A3E3E"/>
-                </a:solidFill>
-                <a:latin typeface="Consolas" panose="020B0609020204030204" pitchFamily="49" charset="0"/>
-              </a:rPr>
-              <a:t>ordem</a:t>
-            </a:r>
-            <a:r>
-              <a:rPr lang="pt-BR" dirty="0">
-                <a:solidFill>
-                  <a:srgbClr val="000000"/>
-                </a:solidFill>
-                <a:latin typeface="Consolas" panose="020B0609020204030204" pitchFamily="49" charset="0"/>
-              </a:rPr>
-              <a:t>);</a:t>
-            </a:r>
-          </a:p>
-          <a:p>
-            <a:pPr>
-              <a:spcBef>
-                <a:spcPts val="150"/>
-              </a:spcBef>
-              <a:spcAft>
-                <a:spcPts val="150"/>
-              </a:spcAft>
-            </a:pPr>
-            <a:r>
-              <a:rPr lang="pt-BR" dirty="0">
+              <a:rPr lang="pt-BR" sz="1600" dirty="0">
                 <a:solidFill>
                   <a:srgbClr val="000000"/>
                 </a:solidFill>
@@ -7669,7 +6278,7 @@
     </p:spTree>
     <p:extLst>
       <p:ext uri="{BB962C8B-B14F-4D97-AF65-F5344CB8AC3E}">
-        <p14:creationId xmlns:p14="http://schemas.microsoft.com/office/powerpoint/2010/main" val="2610241638"/>
+        <p14:creationId xmlns:p14="http://schemas.microsoft.com/office/powerpoint/2010/main" val="3696678201"/>
       </p:ext>
     </p:extLst>
   </p:cSld>
@@ -7701,7 +6310,7 @@
           <p:cNvPr id="2" name="Título 1">
             <a:extLst>
               <a:ext uri="{FF2B5EF4-FFF2-40B4-BE49-F238E27FC236}">
-                <a16:creationId xmlns:a16="http://schemas.microsoft.com/office/drawing/2014/main" id="{0E10DEF6-FA42-4CE8-B5C5-621AB8F9624F}"/>
+                <a16:creationId xmlns:a16="http://schemas.microsoft.com/office/drawing/2014/main" id="{98F55CF7-7DD5-478F-8B89-574E79ED855F}"/>
               </a:ext>
             </a:extLst>
           </p:cNvPr>
@@ -7719,15 +6328,7 @@
           <a:p>
             <a:r>
               <a:rPr lang="pt-BR" dirty="0"/>
-              <a:t>Método </a:t>
-            </a:r>
-            <a:r>
-              <a:rPr lang="pt-BR" dirty="0" err="1"/>
-              <a:t>valueOf</a:t>
-            </a:r>
-            <a:r>
-              <a:rPr lang="pt-BR" dirty="0"/>
-              <a:t>()</a:t>
+              <a:t>Projeto: Sistema para Locadora de Veículos</a:t>
             </a:r>
           </a:p>
         </p:txBody>
@@ -7737,7 +6338,7 @@
           <p:cNvPr id="3" name="Espaço Reservado para Conteúdo 2">
             <a:extLst>
               <a:ext uri="{FF2B5EF4-FFF2-40B4-BE49-F238E27FC236}">
-                <a16:creationId xmlns:a16="http://schemas.microsoft.com/office/drawing/2014/main" id="{C4AA6D30-AED1-432D-815F-21B64A845FC9}"/>
+                <a16:creationId xmlns:a16="http://schemas.microsoft.com/office/drawing/2014/main" id="{EA887720-5C48-4CFE-9800-78B1959096A9}"/>
               </a:ext>
             </a:extLst>
           </p:cNvPr>
@@ -7748,333 +6349,42 @@
             <p:ph idx="1"/>
           </p:nvPr>
         </p:nvSpPr>
-        <p:spPr>
-          <a:xfrm>
-            <a:off x="592347" y="1844675"/>
-            <a:ext cx="11007306" cy="1584325"/>
-          </a:xfrm>
-        </p:spPr>
+        <p:spPr/>
         <p:txBody>
           <a:bodyPr/>
           <a:lstStyle/>
           <a:p>
             <a:r>
               <a:rPr lang="pt-BR" dirty="0"/>
-              <a:t>O método </a:t>
-            </a:r>
-            <a:r>
-              <a:rPr lang="pt-BR" dirty="0" err="1"/>
-              <a:t>valueOf</a:t>
-            </a:r>
+              <a:t>O projeto consiste em um sistema que gerencia os veículos disponíveis para aluguel em uma locadora. Cada veículo pode ter características específicas, como tipo (carro, moto ou caminhão), capacidade de passageiros, valor da diária, entre outros. O sistema deve permitir:</a:t>
+            </a:r>
+          </a:p>
+          <a:p>
+            <a:pPr marL="1028700" lvl="1" indent="-342900"/>
             <a:r>
               <a:rPr lang="pt-BR" dirty="0"/>
-              <a:t>() em Java é utilizado para converter uma String em um valor correspondente de um </a:t>
-            </a:r>
-            <a:r>
-              <a:rPr lang="pt-BR" dirty="0" err="1"/>
-              <a:t>enum</a:t>
-            </a:r>
+              <a:t>Cadastro de diferentes tipos de veículos</a:t>
+            </a:r>
+          </a:p>
+          <a:p>
+            <a:pPr marL="1028700" lvl="1" indent="-342900"/>
             <a:r>
               <a:rPr lang="pt-BR" dirty="0"/>
-              <a:t>. Ele é útil quando precisamos obter um valor do </a:t>
-            </a:r>
-            <a:r>
-              <a:rPr lang="pt-BR" dirty="0" err="1"/>
-              <a:t>enum</a:t>
-            </a:r>
+              <a:t>Cálculo automático do valor do aluguel com base no tipo do veículo e na quantidade de dias</a:t>
+            </a:r>
+          </a:p>
+          <a:p>
+            <a:pPr marL="1028700" lvl="1" indent="-342900"/>
             <a:r>
               <a:rPr lang="pt-BR" dirty="0"/>
-              <a:t> a partir de um texto, como entradas do usuário, arquivos ou respostas de APIs.</a:t>
-            </a:r>
-          </a:p>
-        </p:txBody>
-      </p:sp>
-      <p:sp>
-        <p:nvSpPr>
-          <p:cNvPr id="4" name="Retângulo 3">
-            <a:extLst>
-              <a:ext uri="{FF2B5EF4-FFF2-40B4-BE49-F238E27FC236}">
-                <a16:creationId xmlns:a16="http://schemas.microsoft.com/office/drawing/2014/main" id="{E46DEB7D-D3FC-40E2-8F38-28A1AA2DE554}"/>
-              </a:ext>
-            </a:extLst>
-          </p:cNvPr>
-          <p:cNvSpPr/>
-          <p:nvPr/>
-        </p:nvSpPr>
-        <p:spPr>
-          <a:xfrm>
-            <a:off x="2528887" y="3970682"/>
-            <a:ext cx="7134225" cy="1709827"/>
-          </a:xfrm>
-          <a:prstGeom prst="rect">
-            <a:avLst/>
-          </a:prstGeom>
-        </p:spPr>
-        <p:txBody>
-          <a:bodyPr wrap="square">
-            <a:spAutoFit/>
-          </a:bodyPr>
-          <a:lstStyle/>
-          <a:p>
-            <a:pPr>
-              <a:lnSpc>
-                <a:spcPct val="150000"/>
-              </a:lnSpc>
-            </a:pPr>
-            <a:r>
-              <a:rPr lang="pt-BR" dirty="0" err="1">
-                <a:solidFill>
-                  <a:srgbClr val="000000"/>
-                </a:solidFill>
-                <a:latin typeface="Consolas" panose="020B0609020204030204" pitchFamily="49" charset="0"/>
-              </a:rPr>
-              <a:t>OrderStatus</a:t>
-            </a:r>
-            <a:r>
-              <a:rPr lang="pt-BR" dirty="0">
-                <a:solidFill>
-                  <a:srgbClr val="000000"/>
-                </a:solidFill>
-                <a:latin typeface="Consolas" panose="020B0609020204030204" pitchFamily="49" charset="0"/>
-              </a:rPr>
-              <a:t> </a:t>
-            </a:r>
-            <a:r>
-              <a:rPr lang="pt-BR" dirty="0">
-                <a:solidFill>
-                  <a:srgbClr val="6A3E3E"/>
-                </a:solidFill>
-                <a:latin typeface="Consolas" panose="020B0609020204030204" pitchFamily="49" charset="0"/>
-              </a:rPr>
-              <a:t>os1</a:t>
-            </a:r>
-            <a:r>
-              <a:rPr lang="pt-BR" dirty="0">
-                <a:solidFill>
-                  <a:srgbClr val="000000"/>
-                </a:solidFill>
-                <a:latin typeface="Consolas" panose="020B0609020204030204" pitchFamily="49" charset="0"/>
-              </a:rPr>
-              <a:t> = </a:t>
-            </a:r>
-            <a:r>
-              <a:rPr lang="pt-BR" dirty="0" err="1">
-                <a:solidFill>
-                  <a:srgbClr val="000000"/>
-                </a:solidFill>
-                <a:latin typeface="Consolas" panose="020B0609020204030204" pitchFamily="49" charset="0"/>
-              </a:rPr>
-              <a:t>OrderStatus.</a:t>
-            </a:r>
-            <a:r>
-              <a:rPr lang="pt-BR" b="1" i="1" dirty="0" err="1">
-                <a:solidFill>
-                  <a:srgbClr val="0000C0"/>
-                </a:solidFill>
-                <a:latin typeface="Consolas" panose="020B0609020204030204" pitchFamily="49" charset="0"/>
-              </a:rPr>
-              <a:t>ENTREGUE</a:t>
-            </a:r>
-            <a:r>
-              <a:rPr lang="pt-BR" dirty="0">
-                <a:solidFill>
-                  <a:srgbClr val="000000"/>
-                </a:solidFill>
-                <a:latin typeface="Consolas" panose="020B0609020204030204" pitchFamily="49" charset="0"/>
-              </a:rPr>
-              <a:t>;</a:t>
-            </a:r>
-          </a:p>
-          <a:p>
-            <a:pPr>
-              <a:lnSpc>
-                <a:spcPct val="150000"/>
-              </a:lnSpc>
-            </a:pPr>
-            <a:r>
-              <a:rPr lang="pt-BR" dirty="0" err="1">
-                <a:solidFill>
-                  <a:srgbClr val="000000"/>
-                </a:solidFill>
-                <a:latin typeface="Consolas" panose="020B0609020204030204" pitchFamily="49" charset="0"/>
-              </a:rPr>
-              <a:t>OrderStatus</a:t>
-            </a:r>
-            <a:r>
-              <a:rPr lang="pt-BR" dirty="0">
-                <a:solidFill>
-                  <a:srgbClr val="000000"/>
-                </a:solidFill>
-                <a:latin typeface="Consolas" panose="020B0609020204030204" pitchFamily="49" charset="0"/>
-              </a:rPr>
-              <a:t> </a:t>
-            </a:r>
-            <a:r>
-              <a:rPr lang="pt-BR" dirty="0">
-                <a:solidFill>
-                  <a:srgbClr val="6A3E3E"/>
-                </a:solidFill>
-                <a:latin typeface="Consolas" panose="020B0609020204030204" pitchFamily="49" charset="0"/>
-              </a:rPr>
-              <a:t>os2</a:t>
-            </a:r>
-            <a:r>
-              <a:rPr lang="pt-BR" dirty="0">
-                <a:solidFill>
-                  <a:srgbClr val="000000"/>
-                </a:solidFill>
-                <a:latin typeface="Consolas" panose="020B0609020204030204" pitchFamily="49" charset="0"/>
-              </a:rPr>
-              <a:t> = </a:t>
-            </a:r>
-            <a:r>
-              <a:rPr lang="pt-BR" dirty="0" err="1">
-                <a:solidFill>
-                  <a:srgbClr val="000000"/>
-                </a:solidFill>
-                <a:latin typeface="Consolas" panose="020B0609020204030204" pitchFamily="49" charset="0"/>
-              </a:rPr>
-              <a:t>OrderStatus.</a:t>
-            </a:r>
-            <a:r>
-              <a:rPr lang="pt-BR" i="1" dirty="0" err="1">
-                <a:solidFill>
-                  <a:srgbClr val="000000"/>
-                </a:solidFill>
-                <a:latin typeface="Consolas" panose="020B0609020204030204" pitchFamily="49" charset="0"/>
-              </a:rPr>
-              <a:t>valueOf</a:t>
-            </a:r>
-            <a:r>
-              <a:rPr lang="pt-BR" dirty="0">
-                <a:solidFill>
-                  <a:srgbClr val="000000"/>
-                </a:solidFill>
-                <a:latin typeface="Consolas" panose="020B0609020204030204" pitchFamily="49" charset="0"/>
-              </a:rPr>
-              <a:t>(</a:t>
-            </a:r>
-            <a:r>
-              <a:rPr lang="pt-BR" dirty="0">
-                <a:solidFill>
-                  <a:srgbClr val="2A00FF"/>
-                </a:solidFill>
-                <a:latin typeface="Consolas" panose="020B0609020204030204" pitchFamily="49" charset="0"/>
-              </a:rPr>
-              <a:t>"ENTREGUE"</a:t>
-            </a:r>
-            <a:r>
-              <a:rPr lang="pt-BR" dirty="0">
-                <a:solidFill>
-                  <a:srgbClr val="000000"/>
-                </a:solidFill>
-                <a:latin typeface="Consolas" panose="020B0609020204030204" pitchFamily="49" charset="0"/>
-              </a:rPr>
-              <a:t>);</a:t>
-            </a:r>
-          </a:p>
-          <a:p>
-            <a:pPr>
-              <a:lnSpc>
-                <a:spcPct val="150000"/>
-              </a:lnSpc>
-            </a:pPr>
-            <a:r>
-              <a:rPr lang="pt-BR" dirty="0">
-                <a:solidFill>
-                  <a:srgbClr val="000000"/>
-                </a:solidFill>
-                <a:latin typeface="Consolas" panose="020B0609020204030204" pitchFamily="49" charset="0"/>
-              </a:rPr>
-              <a:t>System.</a:t>
-            </a:r>
-            <a:r>
-              <a:rPr lang="pt-BR" b="1" i="1" dirty="0">
-                <a:solidFill>
-                  <a:srgbClr val="0000C0"/>
-                </a:solidFill>
-                <a:latin typeface="Consolas" panose="020B0609020204030204" pitchFamily="49" charset="0"/>
-              </a:rPr>
-              <a:t>out</a:t>
-            </a:r>
-            <a:r>
-              <a:rPr lang="pt-BR" dirty="0">
-                <a:solidFill>
-                  <a:srgbClr val="000000"/>
-                </a:solidFill>
-                <a:latin typeface="Consolas" panose="020B0609020204030204" pitchFamily="49" charset="0"/>
-              </a:rPr>
-              <a:t>.println(</a:t>
-            </a:r>
-            <a:r>
-              <a:rPr lang="pt-BR" dirty="0">
-                <a:solidFill>
-                  <a:srgbClr val="6A3E3E"/>
-                </a:solidFill>
-                <a:latin typeface="Consolas" panose="020B0609020204030204" pitchFamily="49" charset="0"/>
-              </a:rPr>
-              <a:t>os1</a:t>
-            </a:r>
-            <a:r>
-              <a:rPr lang="pt-BR" dirty="0">
-                <a:solidFill>
-                  <a:srgbClr val="000000"/>
-                </a:solidFill>
-                <a:latin typeface="Consolas" panose="020B0609020204030204" pitchFamily="49" charset="0"/>
-              </a:rPr>
-              <a:t>);</a:t>
-            </a:r>
-          </a:p>
-          <a:p>
-            <a:pPr>
-              <a:lnSpc>
-                <a:spcPct val="150000"/>
-              </a:lnSpc>
-            </a:pPr>
-            <a:r>
-              <a:rPr lang="pt-BR" dirty="0">
-                <a:solidFill>
-                  <a:srgbClr val="000000"/>
-                </a:solidFill>
-                <a:latin typeface="Consolas" panose="020B0609020204030204" pitchFamily="49" charset="0"/>
-              </a:rPr>
-              <a:t>System.</a:t>
-            </a:r>
-            <a:r>
-              <a:rPr lang="pt-BR" b="1" i="1" dirty="0">
-                <a:solidFill>
-                  <a:srgbClr val="0000C0"/>
-                </a:solidFill>
-                <a:latin typeface="Consolas" panose="020B0609020204030204" pitchFamily="49" charset="0"/>
-              </a:rPr>
-              <a:t>out</a:t>
-            </a:r>
-            <a:r>
-              <a:rPr lang="pt-BR" dirty="0">
-                <a:solidFill>
-                  <a:srgbClr val="000000"/>
-                </a:solidFill>
-                <a:latin typeface="Consolas" panose="020B0609020204030204" pitchFamily="49" charset="0"/>
-              </a:rPr>
-              <a:t>.println(</a:t>
-            </a:r>
-            <a:r>
-              <a:rPr lang="pt-BR" dirty="0">
-                <a:solidFill>
-                  <a:srgbClr val="6A3E3E"/>
-                </a:solidFill>
-                <a:latin typeface="Consolas" panose="020B0609020204030204" pitchFamily="49" charset="0"/>
-              </a:rPr>
-              <a:t>os2</a:t>
-            </a:r>
-            <a:r>
-              <a:rPr lang="pt-BR" dirty="0">
-                <a:solidFill>
-                  <a:srgbClr val="000000"/>
-                </a:solidFill>
-                <a:latin typeface="Consolas" panose="020B0609020204030204" pitchFamily="49" charset="0"/>
-              </a:rPr>
-              <a:t>);</a:t>
+              <a:t>Aplicação de taxas adicionais específicas por tipo de veículo</a:t>
+            </a:r>
+          </a:p>
+          <a:p>
+            <a:pPr marL="1028700" lvl="1" indent="-342900"/>
+            <a:r>
+              <a:rPr lang="pt-BR" dirty="0"/>
+              <a:t>Exibição de detalhes dos veículos cadastrados</a:t>
             </a:r>
           </a:p>
         </p:txBody>
@@ -8082,7 +6392,7 @@
     </p:spTree>
     <p:extLst>
       <p:ext uri="{BB962C8B-B14F-4D97-AF65-F5344CB8AC3E}">
-        <p14:creationId xmlns:p14="http://schemas.microsoft.com/office/powerpoint/2010/main" val="842031163"/>
+        <p14:creationId xmlns:p14="http://schemas.microsoft.com/office/powerpoint/2010/main" val="294714244"/>
       </p:ext>
     </p:extLst>
   </p:cSld>
@@ -8114,7 +6424,7 @@
           <p:cNvPr id="2" name="Título 1">
             <a:extLst>
               <a:ext uri="{FF2B5EF4-FFF2-40B4-BE49-F238E27FC236}">
-                <a16:creationId xmlns:a16="http://schemas.microsoft.com/office/drawing/2014/main" id="{1577BDAB-EAB9-4868-8D45-EDC335239918}"/>
+                <a16:creationId xmlns:a16="http://schemas.microsoft.com/office/drawing/2014/main" id="{80F7C297-18B3-44FA-BBD3-B3907CCA9DF2}"/>
               </a:ext>
             </a:extLst>
           </p:cNvPr>
@@ -8132,7 +6442,7 @@
           <a:p>
             <a:r>
               <a:rPr lang="pt-BR" dirty="0"/>
-              <a:t>UML de uma classe Enumerada</a:t>
+              <a:t>Estrutura do Projeto</a:t>
             </a:r>
           </a:p>
         </p:txBody>
@@ -8142,7 +6452,7 @@
           <p:cNvPr id="3" name="Espaço Reservado para Conteúdo 2">
             <a:extLst>
               <a:ext uri="{FF2B5EF4-FFF2-40B4-BE49-F238E27FC236}">
-                <a16:creationId xmlns:a16="http://schemas.microsoft.com/office/drawing/2014/main" id="{453EA2F3-D48D-4D98-936C-6634AE2F8501}"/>
+                <a16:creationId xmlns:a16="http://schemas.microsoft.com/office/drawing/2014/main" id="{547D5D5B-75C7-40E5-8D93-33F407E6B3E4}"/>
               </a:ext>
             </a:extLst>
           </p:cNvPr>
@@ -8156,202 +6466,276 @@
         <p:spPr>
           <a:xfrm>
             <a:off x="592347" y="1844675"/>
-            <a:ext cx="11007306" cy="1508125"/>
+            <a:ext cx="11007306" cy="4756422"/>
           </a:xfrm>
         </p:spPr>
         <p:txBody>
           <a:bodyPr/>
           <a:lstStyle/>
           <a:p>
-            <a:r>
-              <a:rPr lang="pt-BR" sz="1800" dirty="0"/>
-              <a:t>Em relação às classes enumeradas (</a:t>
-            </a:r>
-            <a:r>
-              <a:rPr lang="pt-BR" sz="1800" dirty="0" err="1"/>
-              <a:t>enum</a:t>
-            </a:r>
-            <a:r>
-              <a:rPr lang="pt-BR" sz="1800" dirty="0"/>
-              <a:t>), a UML permite representar os valores fixos que um </a:t>
-            </a:r>
-            <a:r>
-              <a:rPr lang="pt-BR" sz="1800" dirty="0" err="1"/>
-              <a:t>enum</a:t>
-            </a:r>
-            <a:r>
-              <a:rPr lang="pt-BR" sz="1800" dirty="0"/>
-              <a:t> pode assumir dentro de um sistema. Na UML, um </a:t>
-            </a:r>
-            <a:r>
-              <a:rPr lang="pt-BR" sz="1800" dirty="0" err="1"/>
-              <a:t>enum</a:t>
-            </a:r>
-            <a:r>
-              <a:rPr lang="pt-BR" sz="1800" dirty="0"/>
-              <a:t> é tratado como uma classe estereotipada, e seus valores são listados dentro da estrutura. Ele pode ser usado em diagramas de classe para representar estados, categorias ou tipos fixos de dados.</a:t>
-            </a:r>
-          </a:p>
-        </p:txBody>
-      </p:sp>
-      <p:pic>
-        <p:nvPicPr>
-          <p:cNvPr id="6" name="Imagem 5">
-            <a:extLst>
-              <a:ext uri="{FF2B5EF4-FFF2-40B4-BE49-F238E27FC236}">
-                <a16:creationId xmlns:a16="http://schemas.microsoft.com/office/drawing/2014/main" id="{CD294EDC-2D37-45CA-A936-AE03CF9E542D}"/>
-              </a:ext>
-            </a:extLst>
-          </p:cNvPr>
-          <p:cNvPicPr>
-            <a:picLocks noChangeAspect="1"/>
-          </p:cNvPicPr>
-          <p:nvPr/>
-        </p:nvPicPr>
-        <p:blipFill>
-          <a:blip r:embed="rId2"/>
-          <a:stretch>
-            <a:fillRect/>
-          </a:stretch>
-        </p:blipFill>
-        <p:spPr>
-          <a:xfrm>
-            <a:off x="3167062" y="3894482"/>
-            <a:ext cx="5708128" cy="2457450"/>
-          </a:xfrm>
-          <a:prstGeom prst="rect">
-            <a:avLst/>
-          </a:prstGeom>
-        </p:spPr>
-      </p:pic>
+            <a:pPr>
+              <a:lnSpc>
+                <a:spcPct val="100000"/>
+              </a:lnSpc>
+              <a:spcBef>
+                <a:spcPts val="500"/>
+              </a:spcBef>
+              <a:spcAft>
+                <a:spcPts val="500"/>
+              </a:spcAft>
+            </a:pPr>
+            <a:r>
+              <a:rPr lang="pt-BR" dirty="0"/>
+              <a:t>Classes e Interfaces</a:t>
+            </a:r>
+          </a:p>
+          <a:p>
+            <a:pPr marL="1028700" lvl="1" indent="-342900">
+              <a:lnSpc>
+                <a:spcPct val="100000"/>
+              </a:lnSpc>
+              <a:spcAft>
+                <a:spcPts val="500"/>
+              </a:spcAft>
+            </a:pPr>
+            <a:r>
+              <a:rPr lang="pt-BR" dirty="0"/>
+              <a:t>Interface → </a:t>
+            </a:r>
+            <a:r>
+              <a:rPr lang="pt-BR" dirty="0" err="1"/>
+              <a:t>Alugavel</a:t>
+            </a:r>
+            <a:r>
+              <a:rPr lang="pt-BR" dirty="0"/>
+              <a:t> </a:t>
+            </a:r>
+          </a:p>
+          <a:p>
+            <a:pPr marL="1485900" lvl="2" indent="-342900">
+              <a:lnSpc>
+                <a:spcPct val="100000"/>
+              </a:lnSpc>
+              <a:spcAft>
+                <a:spcPts val="500"/>
+              </a:spcAft>
+            </a:pPr>
+            <a:r>
+              <a:rPr lang="pt-BR" dirty="0"/>
+              <a:t>Método </a:t>
+            </a:r>
+            <a:r>
+              <a:rPr lang="pt-BR" dirty="0" err="1"/>
+              <a:t>calcularAluguel</a:t>
+            </a:r>
+            <a:r>
+              <a:rPr lang="pt-BR" dirty="0"/>
+              <a:t>(int dias) que calcula o valor total do aluguel com base na diária.</a:t>
+            </a:r>
+          </a:p>
+          <a:p>
+            <a:pPr marL="1028700" lvl="1" indent="-342900">
+              <a:lnSpc>
+                <a:spcPct val="100000"/>
+              </a:lnSpc>
+              <a:spcAft>
+                <a:spcPts val="500"/>
+              </a:spcAft>
+            </a:pPr>
+            <a:r>
+              <a:rPr lang="pt-BR" dirty="0"/>
+              <a:t>Classe Pai → Veiculo</a:t>
+            </a:r>
+          </a:p>
+          <a:p>
+            <a:pPr marL="1485900" lvl="2" indent="-342900">
+              <a:lnSpc>
+                <a:spcPct val="100000"/>
+              </a:lnSpc>
+              <a:spcAft>
+                <a:spcPts val="500"/>
+              </a:spcAft>
+            </a:pPr>
+            <a:r>
+              <a:rPr lang="pt-BR" dirty="0"/>
+              <a:t>Atributos encapsulados: marca, modelo, ano, </a:t>
+            </a:r>
+            <a:r>
+              <a:rPr lang="pt-BR" dirty="0" err="1"/>
+              <a:t>valorDiaria</a:t>
+            </a:r>
+            <a:r>
+              <a:rPr lang="pt-BR" dirty="0"/>
+              <a:t>.</a:t>
+            </a:r>
+          </a:p>
+          <a:p>
+            <a:pPr marL="1485900" lvl="2" indent="-342900">
+              <a:lnSpc>
+                <a:spcPct val="100000"/>
+              </a:lnSpc>
+              <a:spcAft>
+                <a:spcPts val="500"/>
+              </a:spcAft>
+            </a:pPr>
+            <a:r>
+              <a:rPr lang="pt-BR" dirty="0"/>
+              <a:t>Métodos </a:t>
+            </a:r>
+            <a:r>
+              <a:rPr lang="pt-BR" dirty="0" err="1"/>
+              <a:t>get</a:t>
+            </a:r>
+            <a:r>
+              <a:rPr lang="pt-BR" dirty="0"/>
+              <a:t> e set para proteger os dados (encapsulamento).</a:t>
+            </a:r>
+          </a:p>
+          <a:p>
+            <a:pPr marL="1485900" lvl="2" indent="-342900">
+              <a:lnSpc>
+                <a:spcPct val="100000"/>
+              </a:lnSpc>
+              <a:spcAft>
+                <a:spcPts val="500"/>
+              </a:spcAft>
+            </a:pPr>
+            <a:r>
+              <a:rPr lang="pt-BR" dirty="0"/>
+              <a:t>Método </a:t>
+            </a:r>
+            <a:r>
+              <a:rPr lang="pt-BR" dirty="0" err="1"/>
+              <a:t>toString</a:t>
+            </a:r>
+            <a:r>
+              <a:rPr lang="pt-BR" dirty="0"/>
+              <a:t>() para exibir informações específicas do veículo.</a:t>
+            </a:r>
+          </a:p>
+          <a:p>
+            <a:pPr marL="1028700" lvl="1" indent="-342900">
+              <a:lnSpc>
+                <a:spcPct val="100000"/>
+              </a:lnSpc>
+              <a:spcAft>
+                <a:spcPts val="500"/>
+              </a:spcAft>
+            </a:pPr>
+            <a:r>
+              <a:rPr lang="pt-BR" dirty="0"/>
+              <a:t>Classes Filhas (herdam de Veiculo e implementam </a:t>
+            </a:r>
+            <a:r>
+              <a:rPr lang="pt-BR" dirty="0" err="1"/>
+              <a:t>Alugavel</a:t>
+            </a:r>
+            <a:r>
+              <a:rPr lang="pt-BR" dirty="0"/>
+              <a:t>)</a:t>
+            </a:r>
+          </a:p>
+          <a:p>
+            <a:pPr marL="1485900" lvl="2" indent="-342900">
+              <a:lnSpc>
+                <a:spcPct val="100000"/>
+              </a:lnSpc>
+              <a:spcAft>
+                <a:spcPts val="500"/>
+              </a:spcAft>
+            </a:pPr>
+            <a:r>
+              <a:rPr lang="pt-BR" dirty="0"/>
+              <a:t>Carro → Possui atributo adicional </a:t>
+            </a:r>
+            <a:r>
+              <a:rPr lang="pt-BR" dirty="0" err="1"/>
+              <a:t>arCondicionado</a:t>
+            </a:r>
+            <a:r>
+              <a:rPr lang="pt-BR" dirty="0"/>
+              <a:t> e uma taxa extra no aluguel.</a:t>
+            </a:r>
+          </a:p>
+          <a:p>
+            <a:pPr marL="1485900" lvl="2" indent="-342900">
+              <a:lnSpc>
+                <a:spcPct val="100000"/>
+              </a:lnSpc>
+              <a:spcAft>
+                <a:spcPts val="500"/>
+              </a:spcAft>
+            </a:pPr>
+            <a:r>
+              <a:rPr lang="pt-BR" dirty="0"/>
+              <a:t>Moto → Possui atributo adicional cilindrada.</a:t>
+            </a:r>
+          </a:p>
+          <a:p>
+            <a:pPr marL="1485900" lvl="2" indent="-342900">
+              <a:lnSpc>
+                <a:spcPct val="100000"/>
+              </a:lnSpc>
+              <a:spcAft>
+                <a:spcPts val="500"/>
+              </a:spcAft>
+            </a:pPr>
+            <a:r>
+              <a:rPr lang="pt-BR" dirty="0" err="1"/>
+              <a:t>Caminhao</a:t>
+            </a:r>
+            <a:r>
+              <a:rPr lang="pt-BR" dirty="0"/>
+              <a:t> → Possui atributo adicional </a:t>
+            </a:r>
+            <a:r>
+              <a:rPr lang="pt-BR" dirty="0" err="1"/>
+              <a:t>capacidadeCarga</a:t>
+            </a:r>
+            <a:r>
+              <a:rPr lang="pt-BR" dirty="0"/>
+              <a:t>.</a:t>
+            </a:r>
+          </a:p>
+          <a:p>
+            <a:pPr marL="1028700" lvl="1" indent="-342900">
+              <a:lnSpc>
+                <a:spcPct val="100000"/>
+              </a:lnSpc>
+              <a:spcAft>
+                <a:spcPts val="500"/>
+              </a:spcAft>
+            </a:pPr>
+            <a:r>
+              <a:rPr lang="pt-BR" dirty="0"/>
+              <a:t>Classe Principal → </a:t>
+            </a:r>
+            <a:r>
+              <a:rPr lang="pt-BR" dirty="0" err="1"/>
+              <a:t>SistemaLocadora</a:t>
+            </a:r>
+            <a:endParaRPr lang="pt-BR" dirty="0"/>
+          </a:p>
+          <a:p>
+            <a:pPr marL="1485900" lvl="2" indent="-342900">
+              <a:lnSpc>
+                <a:spcPct val="100000"/>
+              </a:lnSpc>
+              <a:spcAft>
+                <a:spcPts val="500"/>
+              </a:spcAft>
+            </a:pPr>
+            <a:r>
+              <a:rPr lang="pt-BR" dirty="0"/>
+              <a:t>Permite o cadastro e exibição de veículos utilizando polimorfismo.</a:t>
+            </a:r>
+          </a:p>
+        </p:txBody>
+      </p:sp>
     </p:spTree>
     <p:extLst>
       <p:ext uri="{BB962C8B-B14F-4D97-AF65-F5344CB8AC3E}">
-        <p14:creationId xmlns:p14="http://schemas.microsoft.com/office/powerpoint/2010/main" val="4210918767"/>
-      </p:ext>
-    </p:extLst>
-  </p:cSld>
-  <p:clrMapOvr>
-    <a:masterClrMapping/>
-  </p:clrMapOvr>
-</p:sld>
-</file>
-
-<file path=ppt/slides/slide9.xml><?xml version="1.0" encoding="utf-8"?>
-<p:sld xmlns:a="http://schemas.openxmlformats.org/drawingml/2006/main" xmlns:r="http://schemas.openxmlformats.org/officeDocument/2006/relationships" xmlns:p="http://schemas.openxmlformats.org/presentationml/2006/main">
-  <p:cSld>
-    <p:spTree>
-      <p:nvGrpSpPr>
-        <p:cNvPr id="1" name=""/>
-        <p:cNvGrpSpPr/>
-        <p:nvPr/>
-      </p:nvGrpSpPr>
-      <p:grpSpPr>
-        <a:xfrm>
-          <a:off x="0" y="0"/>
-          <a:ext cx="0" cy="0"/>
-          <a:chOff x="0" y="0"/>
-          <a:chExt cx="0" cy="0"/>
-        </a:xfrm>
-      </p:grpSpPr>
-      <p:sp>
-        <p:nvSpPr>
-          <p:cNvPr id="2" name="Título 1">
-            <a:extLst>
-              <a:ext uri="{FF2B5EF4-FFF2-40B4-BE49-F238E27FC236}">
-                <a16:creationId xmlns:a16="http://schemas.microsoft.com/office/drawing/2014/main" id="{B4BABF9E-9D64-45E8-8D39-63D8C391F6F3}"/>
-              </a:ext>
-            </a:extLst>
-          </p:cNvPr>
-          <p:cNvSpPr>
-            <a:spLocks noGrp="1"/>
-          </p:cNvSpPr>
-          <p:nvPr>
-            <p:ph type="title"/>
-          </p:nvPr>
-        </p:nvSpPr>
-        <p:spPr/>
-        <p:txBody>
-          <a:bodyPr/>
-          <a:lstStyle/>
-          <a:p>
-            <a:r>
-              <a:rPr lang="pt-BR" dirty="0"/>
-              <a:t>Composição</a:t>
-            </a:r>
-          </a:p>
-        </p:txBody>
-      </p:sp>
-      <p:sp>
-        <p:nvSpPr>
-          <p:cNvPr id="3" name="Espaço Reservado para Conteúdo 2">
-            <a:extLst>
-              <a:ext uri="{FF2B5EF4-FFF2-40B4-BE49-F238E27FC236}">
-                <a16:creationId xmlns:a16="http://schemas.microsoft.com/office/drawing/2014/main" id="{BAAA3E26-47C2-4B7D-B76E-3BB484A9AF73}"/>
-              </a:ext>
-            </a:extLst>
-          </p:cNvPr>
-          <p:cNvSpPr>
-            <a:spLocks noGrp="1"/>
-          </p:cNvSpPr>
-          <p:nvPr>
-            <p:ph idx="1"/>
-          </p:nvPr>
-        </p:nvSpPr>
-        <p:spPr>
-          <a:xfrm>
-            <a:off x="592347" y="1844675"/>
-            <a:ext cx="11007306" cy="2796994"/>
-          </a:xfrm>
-        </p:spPr>
-        <p:txBody>
-          <a:bodyPr/>
-          <a:lstStyle/>
-          <a:p>
-            <a:r>
-              <a:rPr lang="pt-BR" dirty="0"/>
-              <a:t>A composição é um tipo de relação "todo-parte" entre classes na Programação Orientada a Objetos (POO), onde uma classe contém instâncias de outra classe como parte de sua estrutura. Essa relação é forte e indica que a parte não pode existir sem o todo.</a:t>
-            </a:r>
-          </a:p>
-          <a:p>
-            <a:pPr marL="1028700" lvl="1" indent="-342900"/>
-            <a:r>
-              <a:rPr lang="pt-BR" dirty="0"/>
-              <a:t>Relação de </a:t>
-            </a:r>
-            <a:r>
-              <a:rPr lang="pt-BR" b="1" dirty="0"/>
-              <a:t>dependência forte</a:t>
-            </a:r>
-            <a:r>
-              <a:rPr lang="pt-BR" dirty="0"/>
-              <a:t>: Se o objeto "todo" for destruído, os objetos "parte" também são.</a:t>
-            </a:r>
-          </a:p>
-          <a:p>
-            <a:pPr marL="1028700" lvl="1" indent="-342900"/>
-            <a:r>
-              <a:rPr lang="pt-BR" dirty="0"/>
-              <a:t>Representada na UML por um </a:t>
-            </a:r>
-            <a:r>
-              <a:rPr lang="pt-BR" b="1" dirty="0"/>
-              <a:t>losango preto</a:t>
-            </a:r>
-            <a:r>
-              <a:rPr lang="pt-BR" dirty="0"/>
-              <a:t> na classe "todo".</a:t>
-            </a:r>
-          </a:p>
-          <a:p>
-            <a:endParaRPr lang="pt-BR" dirty="0"/>
-          </a:p>
-        </p:txBody>
-      </p:sp>
-    </p:spTree>
-    <p:extLst>
-      <p:ext uri="{BB962C8B-B14F-4D97-AF65-F5344CB8AC3E}">
-        <p14:creationId xmlns:p14="http://schemas.microsoft.com/office/powerpoint/2010/main" val="2101563940"/>
+        <p14:creationId xmlns:p14="http://schemas.microsoft.com/office/powerpoint/2010/main" val="1326607378"/>
       </p:ext>
     </p:extLst>
   </p:cSld>

--- a/Projetos de Software/Aula 11 - Herança e Porfimorfismo/Herança e Porlimosfismo.pptx
+++ b/Projetos de Software/Aula 11 - Herança e Porfimorfismo/Herança e Porlimosfismo.pptx
@@ -227,7 +227,7 @@
           <a:p>
             <a:fld id="{FCBB45FB-FC1C-4893-B550-48C1193193C6}" type="datetimeFigureOut">
               <a:rPr lang="pt-BR" smtClean="0"/>
-              <a:t>09/03/2025</a:t>
+              <a:t>24/03/2025</a:t>
             </a:fld>
             <a:endParaRPr lang="pt-BR"/>
           </a:p>
@@ -930,7 +930,7 @@
           <a:p>
             <a:fld id="{CDD55C27-F8C6-4481-8569-CAC50CAE9F1F}" type="datetimeFigureOut">
               <a:rPr lang="pt-BR" smtClean="0"/>
-              <a:t>09/03/2025</a:t>
+              <a:t>24/03/2025</a:t>
             </a:fld>
             <a:endParaRPr lang="pt-BR"/>
           </a:p>
@@ -1429,7 +1429,7 @@
           <a:p>
             <a:fld id="{CDD55C27-F8C6-4481-8569-CAC50CAE9F1F}" type="datetimeFigureOut">
               <a:rPr lang="pt-BR" smtClean="0"/>
-              <a:t>09/03/2025</a:t>
+              <a:t>24/03/2025</a:t>
             </a:fld>
             <a:endParaRPr lang="pt-BR"/>
           </a:p>
@@ -1732,7 +1732,7 @@
           <a:p>
             <a:fld id="{CDD55C27-F8C6-4481-8569-CAC50CAE9F1F}" type="datetimeFigureOut">
               <a:rPr lang="pt-BR" smtClean="0"/>
-              <a:t>09/03/2025</a:t>
+              <a:t>24/03/2025</a:t>
             </a:fld>
             <a:endParaRPr lang="pt-BR"/>
           </a:p>
@@ -2183,7 +2183,7 @@
           <a:p>
             <a:fld id="{CDD55C27-F8C6-4481-8569-CAC50CAE9F1F}" type="datetimeFigureOut">
               <a:rPr lang="pt-BR" smtClean="0"/>
-              <a:t>09/03/2025</a:t>
+              <a:t>24/03/2025</a:t>
             </a:fld>
             <a:endParaRPr lang="pt-BR"/>
           </a:p>
@@ -2356,7 +2356,7 @@
           <a:p>
             <a:fld id="{CDD55C27-F8C6-4481-8569-CAC50CAE9F1F}" type="datetimeFigureOut">
               <a:rPr lang="pt-BR" smtClean="0"/>
-              <a:t>09/03/2025</a:t>
+              <a:t>24/03/2025</a:t>
             </a:fld>
             <a:endParaRPr lang="pt-BR"/>
           </a:p>
@@ -2493,7 +2493,7 @@
           <a:p>
             <a:fld id="{CDD55C27-F8C6-4481-8569-CAC50CAE9F1F}" type="datetimeFigureOut">
               <a:rPr lang="pt-BR" smtClean="0"/>
-              <a:t>09/03/2025</a:t>
+              <a:t>24/03/2025</a:t>
             </a:fld>
             <a:endParaRPr lang="pt-BR"/>
           </a:p>
@@ -2837,7 +2837,7 @@
           <a:p>
             <a:fld id="{CDD55C27-F8C6-4481-8569-CAC50CAE9F1F}" type="datetimeFigureOut">
               <a:rPr lang="pt-BR" smtClean="0"/>
-              <a:t>09/03/2025</a:t>
+              <a:t>24/03/2025</a:t>
             </a:fld>
             <a:endParaRPr lang="pt-BR"/>
           </a:p>
@@ -3158,7 +3158,7 @@
           <a:p>
             <a:fld id="{CDD55C27-F8C6-4481-8569-CAC50CAE9F1F}" type="datetimeFigureOut">
               <a:rPr lang="pt-BR" smtClean="0"/>
-              <a:t>09/03/2025</a:t>
+              <a:t>24/03/2025</a:t>
             </a:fld>
             <a:endParaRPr lang="pt-BR"/>
           </a:p>
@@ -5335,7 +5335,7 @@
               <a:t> </a:t>
             </a:r>
             <a:r>
-              <a:rPr lang="pt-BR" sz="1600" u="sng" dirty="0" err="1">
+              <a:rPr lang="pt-BR" sz="1600" dirty="0" err="1">
                 <a:solidFill>
                   <a:srgbClr val="0000C0"/>
                 </a:solidFill>

--- a/Projetos de Software/Aula 11 - Herança e Porfimorfismo/Herança e Porlimosfismo.pptx
+++ b/Projetos de Software/Aula 11 - Herança e Porfimorfismo/Herança e Porlimosfismo.pptx
@@ -5,7 +5,7 @@
     <p:sldMasterId id="2147483677" r:id="rId1"/>
   </p:sldMasterIdLst>
   <p:notesMasterIdLst>
-    <p:notesMasterId r:id="rId10"/>
+    <p:notesMasterId r:id="rId12"/>
   </p:notesMasterIdLst>
   <p:sldIdLst>
     <p:sldId id="256" r:id="rId2"/>
@@ -14,8 +14,10 @@
     <p:sldId id="259" r:id="rId5"/>
     <p:sldId id="260" r:id="rId6"/>
     <p:sldId id="261" r:id="rId7"/>
-    <p:sldId id="262" r:id="rId8"/>
-    <p:sldId id="263" r:id="rId9"/>
+    <p:sldId id="264" r:id="rId8"/>
+    <p:sldId id="265" r:id="rId9"/>
+    <p:sldId id="262" r:id="rId10"/>
+    <p:sldId id="263" r:id="rId11"/>
   </p:sldIdLst>
   <p:sldSz cx="12192000" cy="6858000"/>
   <p:notesSz cx="6858000" cy="9144000"/>
@@ -227,7 +229,7 @@
           <a:p>
             <a:fld id="{FCBB45FB-FC1C-4893-B550-48C1193193C6}" type="datetimeFigureOut">
               <a:rPr lang="pt-BR" smtClean="0"/>
-              <a:t>24/03/2025</a:t>
+              <a:t>18/04/2025</a:t>
             </a:fld>
             <a:endParaRPr lang="pt-BR"/>
           </a:p>
@@ -930,7 +932,7 @@
           <a:p>
             <a:fld id="{CDD55C27-F8C6-4481-8569-CAC50CAE9F1F}" type="datetimeFigureOut">
               <a:rPr lang="pt-BR" smtClean="0"/>
-              <a:t>24/03/2025</a:t>
+              <a:t>18/04/2025</a:t>
             </a:fld>
             <a:endParaRPr lang="pt-BR"/>
           </a:p>
@@ -1429,7 +1431,7 @@
           <a:p>
             <a:fld id="{CDD55C27-F8C6-4481-8569-CAC50CAE9F1F}" type="datetimeFigureOut">
               <a:rPr lang="pt-BR" smtClean="0"/>
-              <a:t>24/03/2025</a:t>
+              <a:t>18/04/2025</a:t>
             </a:fld>
             <a:endParaRPr lang="pt-BR"/>
           </a:p>
@@ -1732,7 +1734,7 @@
           <a:p>
             <a:fld id="{CDD55C27-F8C6-4481-8569-CAC50CAE9F1F}" type="datetimeFigureOut">
               <a:rPr lang="pt-BR" smtClean="0"/>
-              <a:t>24/03/2025</a:t>
+              <a:t>18/04/2025</a:t>
             </a:fld>
             <a:endParaRPr lang="pt-BR"/>
           </a:p>
@@ -2183,7 +2185,7 @@
           <a:p>
             <a:fld id="{CDD55C27-F8C6-4481-8569-CAC50CAE9F1F}" type="datetimeFigureOut">
               <a:rPr lang="pt-BR" smtClean="0"/>
-              <a:t>24/03/2025</a:t>
+              <a:t>18/04/2025</a:t>
             </a:fld>
             <a:endParaRPr lang="pt-BR"/>
           </a:p>
@@ -2356,7 +2358,7 @@
           <a:p>
             <a:fld id="{CDD55C27-F8C6-4481-8569-CAC50CAE9F1F}" type="datetimeFigureOut">
               <a:rPr lang="pt-BR" smtClean="0"/>
-              <a:t>24/03/2025</a:t>
+              <a:t>18/04/2025</a:t>
             </a:fld>
             <a:endParaRPr lang="pt-BR"/>
           </a:p>
@@ -2493,7 +2495,7 @@
           <a:p>
             <a:fld id="{CDD55C27-F8C6-4481-8569-CAC50CAE9F1F}" type="datetimeFigureOut">
               <a:rPr lang="pt-BR" smtClean="0"/>
-              <a:t>24/03/2025</a:t>
+              <a:t>18/04/2025</a:t>
             </a:fld>
             <a:endParaRPr lang="pt-BR"/>
           </a:p>
@@ -2837,7 +2839,7 @@
           <a:p>
             <a:fld id="{CDD55C27-F8C6-4481-8569-CAC50CAE9F1F}" type="datetimeFigureOut">
               <a:rPr lang="pt-BR" smtClean="0"/>
-              <a:t>24/03/2025</a:t>
+              <a:t>18/04/2025</a:t>
             </a:fld>
             <a:endParaRPr lang="pt-BR"/>
           </a:p>
@@ -3158,7 +3160,7 @@
           <a:p>
             <a:fld id="{CDD55C27-F8C6-4481-8569-CAC50CAE9F1F}" type="datetimeFigureOut">
               <a:rPr lang="pt-BR" smtClean="0"/>
-              <a:t>24/03/2025</a:t>
+              <a:t>18/04/2025</a:t>
             </a:fld>
             <a:endParaRPr lang="pt-BR"/>
           </a:p>
@@ -3765,6 +3767,349 @@
 </p:sld>
 </file>
 
+<file path=ppt/slides/slide10.xml><?xml version="1.0" encoding="utf-8"?>
+<p:sld xmlns:a="http://schemas.openxmlformats.org/drawingml/2006/main" xmlns:r="http://schemas.openxmlformats.org/officeDocument/2006/relationships" xmlns:p="http://schemas.openxmlformats.org/presentationml/2006/main">
+  <p:cSld>
+    <p:spTree>
+      <p:nvGrpSpPr>
+        <p:cNvPr id="1" name=""/>
+        <p:cNvGrpSpPr/>
+        <p:nvPr/>
+      </p:nvGrpSpPr>
+      <p:grpSpPr>
+        <a:xfrm>
+          <a:off x="0" y="0"/>
+          <a:ext cx="0" cy="0"/>
+          <a:chOff x="0" y="0"/>
+          <a:chExt cx="0" cy="0"/>
+        </a:xfrm>
+      </p:grpSpPr>
+      <p:sp>
+        <p:nvSpPr>
+          <p:cNvPr id="2" name="Título 1">
+            <a:extLst>
+              <a:ext uri="{FF2B5EF4-FFF2-40B4-BE49-F238E27FC236}">
+                <a16:creationId xmlns:a16="http://schemas.microsoft.com/office/drawing/2014/main" id="{80F7C297-18B3-44FA-BBD3-B3907CCA9DF2}"/>
+              </a:ext>
+            </a:extLst>
+          </p:cNvPr>
+          <p:cNvSpPr>
+            <a:spLocks noGrp="1"/>
+          </p:cNvSpPr>
+          <p:nvPr>
+            <p:ph type="title"/>
+          </p:nvPr>
+        </p:nvSpPr>
+        <p:spPr/>
+        <p:txBody>
+          <a:bodyPr/>
+          <a:lstStyle/>
+          <a:p>
+            <a:r>
+              <a:rPr lang="pt-BR" dirty="0"/>
+              <a:t>Estrutura do Projeto</a:t>
+            </a:r>
+          </a:p>
+        </p:txBody>
+      </p:sp>
+      <p:sp>
+        <p:nvSpPr>
+          <p:cNvPr id="3" name="Espaço Reservado para Conteúdo 2">
+            <a:extLst>
+              <a:ext uri="{FF2B5EF4-FFF2-40B4-BE49-F238E27FC236}">
+                <a16:creationId xmlns:a16="http://schemas.microsoft.com/office/drawing/2014/main" id="{547D5D5B-75C7-40E5-8D93-33F407E6B3E4}"/>
+              </a:ext>
+            </a:extLst>
+          </p:cNvPr>
+          <p:cNvSpPr>
+            <a:spLocks noGrp="1"/>
+          </p:cNvSpPr>
+          <p:nvPr>
+            <p:ph idx="1"/>
+          </p:nvPr>
+        </p:nvSpPr>
+        <p:spPr>
+          <a:xfrm>
+            <a:off x="592347" y="1844675"/>
+            <a:ext cx="11007306" cy="4756422"/>
+          </a:xfrm>
+        </p:spPr>
+        <p:txBody>
+          <a:bodyPr/>
+          <a:lstStyle/>
+          <a:p>
+            <a:pPr>
+              <a:lnSpc>
+                <a:spcPct val="100000"/>
+              </a:lnSpc>
+              <a:spcBef>
+                <a:spcPts val="500"/>
+              </a:spcBef>
+              <a:spcAft>
+                <a:spcPts val="500"/>
+              </a:spcAft>
+            </a:pPr>
+            <a:r>
+              <a:rPr lang="pt-BR" dirty="0"/>
+              <a:t>Classes e Interfaces</a:t>
+            </a:r>
+          </a:p>
+          <a:p>
+            <a:pPr marL="1028700" lvl="1" indent="-342900">
+              <a:lnSpc>
+                <a:spcPct val="100000"/>
+              </a:lnSpc>
+              <a:spcAft>
+                <a:spcPts val="500"/>
+              </a:spcAft>
+            </a:pPr>
+            <a:r>
+              <a:rPr lang="pt-BR" dirty="0"/>
+              <a:t>Interface → </a:t>
+            </a:r>
+            <a:r>
+              <a:rPr lang="pt-BR" dirty="0" err="1"/>
+              <a:t>Alugavel</a:t>
+            </a:r>
+            <a:r>
+              <a:rPr lang="pt-BR" dirty="0"/>
+              <a:t> </a:t>
+            </a:r>
+          </a:p>
+          <a:p>
+            <a:pPr marL="1485900" lvl="2" indent="-342900">
+              <a:lnSpc>
+                <a:spcPct val="100000"/>
+              </a:lnSpc>
+              <a:spcAft>
+                <a:spcPts val="500"/>
+              </a:spcAft>
+            </a:pPr>
+            <a:r>
+              <a:rPr lang="pt-BR" dirty="0"/>
+              <a:t>Método </a:t>
+            </a:r>
+            <a:r>
+              <a:rPr lang="pt-BR" dirty="0" err="1"/>
+              <a:t>calcularAluguel</a:t>
+            </a:r>
+            <a:r>
+              <a:rPr lang="pt-BR" dirty="0"/>
+              <a:t>(int dias) que calcula o valor total do aluguel com base na diária.</a:t>
+            </a:r>
+          </a:p>
+          <a:p>
+            <a:pPr marL="1028700" lvl="1" indent="-342900">
+              <a:lnSpc>
+                <a:spcPct val="100000"/>
+              </a:lnSpc>
+              <a:spcAft>
+                <a:spcPts val="500"/>
+              </a:spcAft>
+            </a:pPr>
+            <a:r>
+              <a:rPr lang="pt-BR" dirty="0"/>
+              <a:t>Classe Pai → Veiculo</a:t>
+            </a:r>
+          </a:p>
+          <a:p>
+            <a:pPr marL="1485900" lvl="2" indent="-342900">
+              <a:lnSpc>
+                <a:spcPct val="100000"/>
+              </a:lnSpc>
+              <a:spcAft>
+                <a:spcPts val="500"/>
+              </a:spcAft>
+            </a:pPr>
+            <a:r>
+              <a:rPr lang="pt-BR" dirty="0"/>
+              <a:t>Atributos encapsulados: marca, modelo, ano, </a:t>
+            </a:r>
+            <a:r>
+              <a:rPr lang="pt-BR" dirty="0" err="1"/>
+              <a:t>valorDiaria</a:t>
+            </a:r>
+            <a:r>
+              <a:rPr lang="pt-BR" dirty="0"/>
+              <a:t>.</a:t>
+            </a:r>
+          </a:p>
+          <a:p>
+            <a:pPr marL="1485900" lvl="2" indent="-342900">
+              <a:lnSpc>
+                <a:spcPct val="100000"/>
+              </a:lnSpc>
+              <a:spcAft>
+                <a:spcPts val="500"/>
+              </a:spcAft>
+            </a:pPr>
+            <a:r>
+              <a:rPr lang="pt-BR" dirty="0"/>
+              <a:t>Métodos </a:t>
+            </a:r>
+            <a:r>
+              <a:rPr lang="pt-BR" dirty="0" err="1"/>
+              <a:t>get</a:t>
+            </a:r>
+            <a:r>
+              <a:rPr lang="pt-BR" dirty="0"/>
+              <a:t> e set para proteger os dados (encapsulamento).</a:t>
+            </a:r>
+          </a:p>
+          <a:p>
+            <a:pPr marL="1485900" lvl="2" indent="-342900">
+              <a:lnSpc>
+                <a:spcPct val="100000"/>
+              </a:lnSpc>
+              <a:spcAft>
+                <a:spcPts val="500"/>
+              </a:spcAft>
+            </a:pPr>
+            <a:r>
+              <a:rPr lang="pt-BR" dirty="0"/>
+              <a:t>Método </a:t>
+            </a:r>
+            <a:r>
+              <a:rPr lang="pt-BR" dirty="0" err="1"/>
+              <a:t>toString</a:t>
+            </a:r>
+            <a:r>
+              <a:rPr lang="pt-BR" dirty="0"/>
+              <a:t>() para exibir informações específicas do veículo.</a:t>
+            </a:r>
+          </a:p>
+          <a:p>
+            <a:pPr marL="1028700" lvl="1" indent="-342900">
+              <a:lnSpc>
+                <a:spcPct val="100000"/>
+              </a:lnSpc>
+              <a:spcAft>
+                <a:spcPts val="500"/>
+              </a:spcAft>
+            </a:pPr>
+            <a:r>
+              <a:rPr lang="pt-BR" dirty="0"/>
+              <a:t>Classes Filhas (herdam de Veiculo e implementam </a:t>
+            </a:r>
+            <a:r>
+              <a:rPr lang="pt-BR" dirty="0" err="1"/>
+              <a:t>Alugavel</a:t>
+            </a:r>
+            <a:r>
+              <a:rPr lang="pt-BR" dirty="0"/>
+              <a:t>)</a:t>
+            </a:r>
+          </a:p>
+          <a:p>
+            <a:pPr marL="1485900" lvl="2" indent="-342900">
+              <a:lnSpc>
+                <a:spcPct val="100000"/>
+              </a:lnSpc>
+              <a:spcAft>
+                <a:spcPts val="500"/>
+              </a:spcAft>
+            </a:pPr>
+            <a:r>
+              <a:rPr lang="pt-BR" dirty="0"/>
+              <a:t>Carro → Possui atributo adicional </a:t>
+            </a:r>
+            <a:r>
+              <a:rPr lang="pt-BR" dirty="0" err="1"/>
+              <a:t>arCondicionado</a:t>
+            </a:r>
+            <a:r>
+              <a:rPr lang="pt-BR" dirty="0"/>
+              <a:t> e uma taxa extra no aluguel.</a:t>
+            </a:r>
+          </a:p>
+          <a:p>
+            <a:pPr marL="1485900" lvl="2" indent="-342900">
+              <a:lnSpc>
+                <a:spcPct val="100000"/>
+              </a:lnSpc>
+              <a:spcAft>
+                <a:spcPts val="500"/>
+              </a:spcAft>
+            </a:pPr>
+            <a:r>
+              <a:rPr lang="pt-BR" dirty="0"/>
+              <a:t>Moto → Possui atributo adicional cilindrada.</a:t>
+            </a:r>
+          </a:p>
+          <a:p>
+            <a:pPr marL="1485900" lvl="2" indent="-342900">
+              <a:lnSpc>
+                <a:spcPct val="100000"/>
+              </a:lnSpc>
+              <a:spcAft>
+                <a:spcPts val="500"/>
+              </a:spcAft>
+            </a:pPr>
+            <a:r>
+              <a:rPr lang="pt-BR" dirty="0" err="1"/>
+              <a:t>Caminhao</a:t>
+            </a:r>
+            <a:r>
+              <a:rPr lang="pt-BR" dirty="0"/>
+              <a:t> → Possui atributo adicional </a:t>
+            </a:r>
+            <a:r>
+              <a:rPr lang="pt-BR" dirty="0" err="1"/>
+              <a:t>capacidadeCarga</a:t>
+            </a:r>
+            <a:r>
+              <a:rPr lang="pt-BR" dirty="0"/>
+              <a:t>.</a:t>
+            </a:r>
+          </a:p>
+          <a:p>
+            <a:pPr marL="1028700" lvl="1" indent="-342900">
+              <a:lnSpc>
+                <a:spcPct val="100000"/>
+              </a:lnSpc>
+              <a:spcAft>
+                <a:spcPts val="500"/>
+              </a:spcAft>
+            </a:pPr>
+            <a:r>
+              <a:rPr lang="pt-BR" dirty="0"/>
+              <a:t>Classe Principal → </a:t>
+            </a:r>
+            <a:r>
+              <a:rPr lang="pt-BR" dirty="0" err="1"/>
+              <a:t>SistemaLocadora</a:t>
+            </a:r>
+            <a:endParaRPr lang="pt-BR" dirty="0"/>
+          </a:p>
+          <a:p>
+            <a:pPr marL="1485900" lvl="2" indent="-342900">
+              <a:lnSpc>
+                <a:spcPct val="100000"/>
+              </a:lnSpc>
+              <a:spcAft>
+                <a:spcPts val="500"/>
+              </a:spcAft>
+            </a:pPr>
+            <a:r>
+              <a:rPr lang="pt-BR" dirty="0"/>
+              <a:t>Permite o cadastro e exibição de veículos utilizando polimorfismo.</a:t>
+            </a:r>
+          </a:p>
+        </p:txBody>
+      </p:sp>
+    </p:spTree>
+    <p:extLst>
+      <p:ext uri="{BB962C8B-B14F-4D97-AF65-F5344CB8AC3E}">
+        <p14:creationId xmlns:p14="http://schemas.microsoft.com/office/powerpoint/2010/main" val="1326607378"/>
+      </p:ext>
+    </p:extLst>
+  </p:cSld>
+  <p:clrMapOvr>
+    <a:masterClrMapping/>
+  </p:clrMapOvr>
+</p:sld>
+</file>
+
 <file path=ppt/slides/slide2.xml><?xml version="1.0" encoding="utf-8"?>
 <p:sld xmlns:a="http://schemas.openxmlformats.org/drawingml/2006/main" xmlns:r="http://schemas.openxmlformats.org/officeDocument/2006/relationships" xmlns:p="http://schemas.openxmlformats.org/presentationml/2006/main">
   <p:cSld>
@@ -5955,7 +6300,7 @@
               <a:t> </a:t>
             </a:r>
             <a:r>
-              <a:rPr lang="pt-BR" sz="1600" u="sng" dirty="0" err="1">
+              <a:rPr lang="pt-BR" sz="1600" dirty="0" err="1">
                 <a:solidFill>
                   <a:srgbClr val="0000C0"/>
                 </a:solidFill>
@@ -6310,7 +6655,7 @@
           <p:cNvPr id="2" name="Título 1">
             <a:extLst>
               <a:ext uri="{FF2B5EF4-FFF2-40B4-BE49-F238E27FC236}">
-                <a16:creationId xmlns:a16="http://schemas.microsoft.com/office/drawing/2014/main" id="{98F55CF7-7DD5-478F-8B89-574E79ED855F}"/>
+                <a16:creationId xmlns:a16="http://schemas.microsoft.com/office/drawing/2014/main" id="{F68281D3-C181-4E1C-B325-E00D3550CEFA}"/>
               </a:ext>
             </a:extLst>
           </p:cNvPr>
@@ -6327,9 +6672,13 @@
           <a:lstStyle/>
           <a:p>
             <a:r>
-              <a:rPr lang="pt-BR" dirty="0"/>
-              <a:t>Projeto: Sistema para Locadora de Veículos</a:t>
-            </a:r>
+              <a:rPr lang="pt-BR" b="1" dirty="0"/>
+              <a:t>O que é Polimorfismo?</a:t>
+            </a:r>
+            <a:br>
+              <a:rPr lang="pt-BR" b="1" dirty="0"/>
+            </a:br>
+            <a:endParaRPr lang="pt-BR" dirty="0"/>
           </a:p>
         </p:txBody>
       </p:sp>
@@ -6338,7 +6687,7 @@
           <p:cNvPr id="3" name="Espaço Reservado para Conteúdo 2">
             <a:extLst>
               <a:ext uri="{FF2B5EF4-FFF2-40B4-BE49-F238E27FC236}">
-                <a16:creationId xmlns:a16="http://schemas.microsoft.com/office/drawing/2014/main" id="{EA887720-5C48-4CFE-9800-78B1959096A9}"/>
+                <a16:creationId xmlns:a16="http://schemas.microsoft.com/office/drawing/2014/main" id="{B58E572E-10D7-43D6-B230-D23680BEFDD1}"/>
               </a:ext>
             </a:extLst>
           </p:cNvPr>
@@ -6356,35 +6705,40 @@
           <a:p>
             <a:r>
               <a:rPr lang="pt-BR" dirty="0"/>
-              <a:t>O projeto consiste em um sistema que gerencia os veículos disponíveis para aluguel em uma locadora. Cada veículo pode ter características específicas, como tipo (carro, moto ou caminhão), capacidade de passageiros, valor da diária, entre outros. O sistema deve permitir:</a:t>
-            </a:r>
-          </a:p>
-          <a:p>
-            <a:pPr marL="1028700" lvl="1" indent="-342900"/>
+              <a:t>Polimorfismo é a habilidade de um mesmo objeto executar comportamentos diferentes, dependendo da forma como é utilizado no programa.</a:t>
+            </a:r>
+          </a:p>
+          <a:p>
+            <a:endParaRPr lang="pt-BR" dirty="0"/>
+          </a:p>
+          <a:p>
+            <a:pPr lvl="1"/>
             <a:r>
               <a:rPr lang="pt-BR" dirty="0"/>
-              <a:t>Cadastro de diferentes tipos de veículos</a:t>
-            </a:r>
-          </a:p>
-          <a:p>
-            <a:pPr marL="1028700" lvl="1" indent="-342900"/>
+              <a:t>Sobrecarga (</a:t>
+            </a:r>
+            <a:r>
+              <a:rPr lang="pt-BR" dirty="0" err="1"/>
+              <a:t>Overloading</a:t>
+            </a:r>
             <a:r>
               <a:rPr lang="pt-BR" dirty="0"/>
-              <a:t>Cálculo automático do valor do aluguel com base no tipo do veículo e na quantidade de dias</a:t>
-            </a:r>
-          </a:p>
-          <a:p>
-            <a:pPr marL="1028700" lvl="1" indent="-342900"/>
+              <a:t>):Vários métodos com o mesmo nome, mas com parâmetros diferentes na mesma classe.</a:t>
+            </a:r>
+          </a:p>
+          <a:p>
+            <a:pPr lvl="1"/>
             <a:r>
               <a:rPr lang="pt-BR" dirty="0"/>
-              <a:t>Aplicação de taxas adicionais específicas por tipo de veículo</a:t>
-            </a:r>
-          </a:p>
-          <a:p>
-            <a:pPr marL="1028700" lvl="1" indent="-342900"/>
+              <a:t>Sobrescrita (</a:t>
+            </a:r>
+            <a:r>
+              <a:rPr lang="pt-BR" dirty="0" err="1"/>
+              <a:t>Overriding</a:t>
+            </a:r>
             <a:r>
               <a:rPr lang="pt-BR" dirty="0"/>
-              <a:t>Exibição de detalhes dos veículos cadastrados</a:t>
+              <a:t>):Uma subclasse redefine um método da superclasse, mantendo a mesma assinatura.</a:t>
             </a:r>
           </a:p>
         </p:txBody>
@@ -6392,7 +6746,7 @@
     </p:spTree>
     <p:extLst>
       <p:ext uri="{BB962C8B-B14F-4D97-AF65-F5344CB8AC3E}">
-        <p14:creationId xmlns:p14="http://schemas.microsoft.com/office/powerpoint/2010/main" val="294714244"/>
+        <p14:creationId xmlns:p14="http://schemas.microsoft.com/office/powerpoint/2010/main" val="3973512991"/>
       </p:ext>
     </p:extLst>
   </p:cSld>
@@ -6424,7 +6778,7 @@
           <p:cNvPr id="2" name="Título 1">
             <a:extLst>
               <a:ext uri="{FF2B5EF4-FFF2-40B4-BE49-F238E27FC236}">
-                <a16:creationId xmlns:a16="http://schemas.microsoft.com/office/drawing/2014/main" id="{80F7C297-18B3-44FA-BBD3-B3907CCA9DF2}"/>
+                <a16:creationId xmlns:a16="http://schemas.microsoft.com/office/drawing/2014/main" id="{4A744C23-AA41-4EE5-936C-BE42F1928F7C}"/>
               </a:ext>
             </a:extLst>
           </p:cNvPr>
@@ -6442,7 +6796,1377 @@
           <a:p>
             <a:r>
               <a:rPr lang="pt-BR" dirty="0"/>
-              <a:t>Estrutura do Projeto</a:t>
+              <a:t>Exemplo de Polimorfismo</a:t>
+            </a:r>
+          </a:p>
+        </p:txBody>
+      </p:sp>
+      <p:sp>
+        <p:nvSpPr>
+          <p:cNvPr id="4" name="Retângulo 3">
+            <a:extLst>
+              <a:ext uri="{FF2B5EF4-FFF2-40B4-BE49-F238E27FC236}">
+                <a16:creationId xmlns:a16="http://schemas.microsoft.com/office/drawing/2014/main" id="{A9C127C7-5E90-4A82-86A4-C9E34D1D6277}"/>
+              </a:ext>
+            </a:extLst>
+          </p:cNvPr>
+          <p:cNvSpPr/>
+          <p:nvPr/>
+        </p:nvSpPr>
+        <p:spPr>
+          <a:xfrm>
+            <a:off x="852311" y="3028407"/>
+            <a:ext cx="4698999" cy="2975173"/>
+          </a:xfrm>
+          <a:prstGeom prst="rect">
+            <a:avLst/>
+          </a:prstGeom>
+        </p:spPr>
+        <p:txBody>
+          <a:bodyPr wrap="square">
+            <a:spAutoFit/>
+          </a:bodyPr>
+          <a:lstStyle/>
+          <a:p>
+            <a:pPr>
+              <a:spcBef>
+                <a:spcPts val="150"/>
+              </a:spcBef>
+              <a:spcAft>
+                <a:spcPts val="150"/>
+              </a:spcAft>
+            </a:pPr>
+            <a:r>
+              <a:rPr lang="pt-BR" sz="1400" b="1" dirty="0" err="1">
+                <a:solidFill>
+                  <a:srgbClr val="7F0055"/>
+                </a:solidFill>
+                <a:latin typeface="Consolas" panose="020B0609020204030204" pitchFamily="49" charset="0"/>
+              </a:rPr>
+              <a:t>public</a:t>
+            </a:r>
+            <a:r>
+              <a:rPr lang="pt-BR" sz="1400" dirty="0">
+                <a:solidFill>
+                  <a:srgbClr val="000000"/>
+                </a:solidFill>
+                <a:latin typeface="Consolas" panose="020B0609020204030204" pitchFamily="49" charset="0"/>
+              </a:rPr>
+              <a:t> </a:t>
+            </a:r>
+            <a:r>
+              <a:rPr lang="pt-BR" sz="1400" b="1" dirty="0" err="1">
+                <a:solidFill>
+                  <a:srgbClr val="7F0055"/>
+                </a:solidFill>
+                <a:latin typeface="Consolas" panose="020B0609020204030204" pitchFamily="49" charset="0"/>
+              </a:rPr>
+              <a:t>class</a:t>
+            </a:r>
+            <a:r>
+              <a:rPr lang="pt-BR" sz="1400" dirty="0">
+                <a:solidFill>
+                  <a:srgbClr val="000000"/>
+                </a:solidFill>
+                <a:latin typeface="Consolas" panose="020B0609020204030204" pitchFamily="49" charset="0"/>
+              </a:rPr>
+              <a:t> Calculadora {</a:t>
+            </a:r>
+          </a:p>
+          <a:p>
+            <a:pPr indent="457200">
+              <a:spcBef>
+                <a:spcPts val="150"/>
+              </a:spcBef>
+              <a:spcAft>
+                <a:spcPts val="150"/>
+              </a:spcAft>
+            </a:pPr>
+            <a:r>
+              <a:rPr lang="pt-BR" sz="1400" b="1" dirty="0" err="1">
+                <a:solidFill>
+                  <a:srgbClr val="7F0055"/>
+                </a:solidFill>
+                <a:latin typeface="Consolas" panose="020B0609020204030204" pitchFamily="49" charset="0"/>
+              </a:rPr>
+              <a:t>public</a:t>
+            </a:r>
+            <a:r>
+              <a:rPr lang="pt-BR" sz="1400" dirty="0">
+                <a:solidFill>
+                  <a:srgbClr val="000000"/>
+                </a:solidFill>
+                <a:latin typeface="Consolas" panose="020B0609020204030204" pitchFamily="49" charset="0"/>
+              </a:rPr>
+              <a:t> </a:t>
+            </a:r>
+            <a:r>
+              <a:rPr lang="pt-BR" sz="1400" b="1" dirty="0" err="1">
+                <a:solidFill>
+                  <a:srgbClr val="7F0055"/>
+                </a:solidFill>
+                <a:latin typeface="Consolas" panose="020B0609020204030204" pitchFamily="49" charset="0"/>
+              </a:rPr>
+              <a:t>int</a:t>
+            </a:r>
+            <a:r>
+              <a:rPr lang="pt-BR" sz="1400" dirty="0">
+                <a:solidFill>
+                  <a:srgbClr val="000000"/>
+                </a:solidFill>
+                <a:latin typeface="Consolas" panose="020B0609020204030204" pitchFamily="49" charset="0"/>
+              </a:rPr>
+              <a:t> somar(</a:t>
+            </a:r>
+            <a:r>
+              <a:rPr lang="pt-BR" sz="1400" b="1" dirty="0" err="1">
+                <a:solidFill>
+                  <a:srgbClr val="7F0055"/>
+                </a:solidFill>
+                <a:latin typeface="Consolas" panose="020B0609020204030204" pitchFamily="49" charset="0"/>
+              </a:rPr>
+              <a:t>int</a:t>
+            </a:r>
+            <a:r>
+              <a:rPr lang="pt-BR" sz="1400" dirty="0">
+                <a:solidFill>
+                  <a:srgbClr val="000000"/>
+                </a:solidFill>
+                <a:latin typeface="Consolas" panose="020B0609020204030204" pitchFamily="49" charset="0"/>
+              </a:rPr>
+              <a:t> </a:t>
+            </a:r>
+            <a:r>
+              <a:rPr lang="pt-BR" sz="1400" dirty="0">
+                <a:solidFill>
+                  <a:srgbClr val="6A3E3E"/>
+                </a:solidFill>
+                <a:latin typeface="Consolas" panose="020B0609020204030204" pitchFamily="49" charset="0"/>
+              </a:rPr>
+              <a:t>a</a:t>
+            </a:r>
+            <a:r>
+              <a:rPr lang="pt-BR" sz="1400" dirty="0">
+                <a:solidFill>
+                  <a:srgbClr val="000000"/>
+                </a:solidFill>
+                <a:latin typeface="Consolas" panose="020B0609020204030204" pitchFamily="49" charset="0"/>
+              </a:rPr>
+              <a:t>, </a:t>
+            </a:r>
+            <a:r>
+              <a:rPr lang="pt-BR" sz="1400" b="1" dirty="0" err="1">
+                <a:solidFill>
+                  <a:srgbClr val="7F0055"/>
+                </a:solidFill>
+                <a:latin typeface="Consolas" panose="020B0609020204030204" pitchFamily="49" charset="0"/>
+              </a:rPr>
+              <a:t>int</a:t>
+            </a:r>
+            <a:r>
+              <a:rPr lang="pt-BR" sz="1400" dirty="0">
+                <a:solidFill>
+                  <a:srgbClr val="000000"/>
+                </a:solidFill>
+                <a:latin typeface="Consolas" panose="020B0609020204030204" pitchFamily="49" charset="0"/>
+              </a:rPr>
+              <a:t> </a:t>
+            </a:r>
+            <a:r>
+              <a:rPr lang="pt-BR" sz="1400" dirty="0">
+                <a:solidFill>
+                  <a:srgbClr val="6A3E3E"/>
+                </a:solidFill>
+                <a:latin typeface="Consolas" panose="020B0609020204030204" pitchFamily="49" charset="0"/>
+              </a:rPr>
+              <a:t>b</a:t>
+            </a:r>
+            <a:r>
+              <a:rPr lang="pt-BR" sz="1400" dirty="0">
+                <a:solidFill>
+                  <a:srgbClr val="000000"/>
+                </a:solidFill>
+                <a:latin typeface="Consolas" panose="020B0609020204030204" pitchFamily="49" charset="0"/>
+              </a:rPr>
+              <a:t>) {</a:t>
+            </a:r>
+          </a:p>
+          <a:p>
+            <a:pPr indent="914400">
+              <a:spcBef>
+                <a:spcPts val="150"/>
+              </a:spcBef>
+              <a:spcAft>
+                <a:spcPts val="150"/>
+              </a:spcAft>
+            </a:pPr>
+            <a:r>
+              <a:rPr lang="pt-BR" sz="1400" b="1" dirty="0" err="1">
+                <a:solidFill>
+                  <a:srgbClr val="7F0055"/>
+                </a:solidFill>
+                <a:latin typeface="Consolas" panose="020B0609020204030204" pitchFamily="49" charset="0"/>
+              </a:rPr>
+              <a:t>return</a:t>
+            </a:r>
+            <a:r>
+              <a:rPr lang="pt-BR" sz="1400" dirty="0">
+                <a:solidFill>
+                  <a:srgbClr val="000000"/>
+                </a:solidFill>
+                <a:latin typeface="Consolas" panose="020B0609020204030204" pitchFamily="49" charset="0"/>
+              </a:rPr>
+              <a:t> </a:t>
+            </a:r>
+            <a:r>
+              <a:rPr lang="pt-BR" sz="1400" dirty="0">
+                <a:solidFill>
+                  <a:srgbClr val="6A3E3E"/>
+                </a:solidFill>
+                <a:latin typeface="Consolas" panose="020B0609020204030204" pitchFamily="49" charset="0"/>
+              </a:rPr>
+              <a:t>a</a:t>
+            </a:r>
+            <a:r>
+              <a:rPr lang="pt-BR" sz="1400" dirty="0">
+                <a:solidFill>
+                  <a:srgbClr val="000000"/>
+                </a:solidFill>
+                <a:latin typeface="Consolas" panose="020B0609020204030204" pitchFamily="49" charset="0"/>
+              </a:rPr>
+              <a:t> + </a:t>
+            </a:r>
+            <a:r>
+              <a:rPr lang="pt-BR" sz="1400" dirty="0">
+                <a:solidFill>
+                  <a:srgbClr val="6A3E3E"/>
+                </a:solidFill>
+                <a:latin typeface="Consolas" panose="020B0609020204030204" pitchFamily="49" charset="0"/>
+              </a:rPr>
+              <a:t>b</a:t>
+            </a:r>
+            <a:r>
+              <a:rPr lang="pt-BR" sz="1400" dirty="0">
+                <a:solidFill>
+                  <a:srgbClr val="000000"/>
+                </a:solidFill>
+                <a:latin typeface="Consolas" panose="020B0609020204030204" pitchFamily="49" charset="0"/>
+              </a:rPr>
+              <a:t>;</a:t>
+            </a:r>
+          </a:p>
+          <a:p>
+            <a:pPr indent="457200">
+              <a:spcBef>
+                <a:spcPts val="150"/>
+              </a:spcBef>
+              <a:spcAft>
+                <a:spcPts val="150"/>
+              </a:spcAft>
+            </a:pPr>
+            <a:r>
+              <a:rPr lang="pt-BR" sz="1400" dirty="0">
+                <a:solidFill>
+                  <a:srgbClr val="000000"/>
+                </a:solidFill>
+                <a:latin typeface="Consolas" panose="020B0609020204030204" pitchFamily="49" charset="0"/>
+              </a:rPr>
+              <a:t>}</a:t>
+            </a:r>
+          </a:p>
+          <a:p>
+            <a:pPr indent="457200">
+              <a:spcBef>
+                <a:spcPts val="150"/>
+              </a:spcBef>
+              <a:spcAft>
+                <a:spcPts val="150"/>
+              </a:spcAft>
+            </a:pPr>
+            <a:r>
+              <a:rPr lang="pt-BR" sz="1400" b="1" dirty="0" err="1">
+                <a:solidFill>
+                  <a:srgbClr val="7F0055"/>
+                </a:solidFill>
+                <a:latin typeface="Consolas" panose="020B0609020204030204" pitchFamily="49" charset="0"/>
+              </a:rPr>
+              <a:t>public</a:t>
+            </a:r>
+            <a:r>
+              <a:rPr lang="pt-BR" sz="1400" dirty="0">
+                <a:solidFill>
+                  <a:srgbClr val="000000"/>
+                </a:solidFill>
+                <a:latin typeface="Consolas" panose="020B0609020204030204" pitchFamily="49" charset="0"/>
+              </a:rPr>
+              <a:t> </a:t>
+            </a:r>
+            <a:r>
+              <a:rPr lang="pt-BR" sz="1400" b="1" dirty="0" err="1">
+                <a:solidFill>
+                  <a:srgbClr val="7F0055"/>
+                </a:solidFill>
+                <a:latin typeface="Consolas" panose="020B0609020204030204" pitchFamily="49" charset="0"/>
+              </a:rPr>
+              <a:t>double</a:t>
+            </a:r>
+            <a:r>
+              <a:rPr lang="pt-BR" sz="1400" dirty="0">
+                <a:solidFill>
+                  <a:srgbClr val="000000"/>
+                </a:solidFill>
+                <a:latin typeface="Consolas" panose="020B0609020204030204" pitchFamily="49" charset="0"/>
+              </a:rPr>
+              <a:t> somar(</a:t>
+            </a:r>
+            <a:r>
+              <a:rPr lang="pt-BR" sz="1400" b="1" dirty="0" err="1">
+                <a:solidFill>
+                  <a:srgbClr val="7F0055"/>
+                </a:solidFill>
+                <a:latin typeface="Consolas" panose="020B0609020204030204" pitchFamily="49" charset="0"/>
+              </a:rPr>
+              <a:t>double</a:t>
+            </a:r>
+            <a:r>
+              <a:rPr lang="pt-BR" sz="1400" dirty="0">
+                <a:solidFill>
+                  <a:srgbClr val="000000"/>
+                </a:solidFill>
+                <a:latin typeface="Consolas" panose="020B0609020204030204" pitchFamily="49" charset="0"/>
+              </a:rPr>
+              <a:t> </a:t>
+            </a:r>
+            <a:r>
+              <a:rPr lang="pt-BR" sz="1400" dirty="0">
+                <a:solidFill>
+                  <a:srgbClr val="6A3E3E"/>
+                </a:solidFill>
+                <a:latin typeface="Consolas" panose="020B0609020204030204" pitchFamily="49" charset="0"/>
+              </a:rPr>
+              <a:t>a</a:t>
+            </a:r>
+            <a:r>
+              <a:rPr lang="pt-BR" sz="1400" dirty="0">
+                <a:solidFill>
+                  <a:srgbClr val="000000"/>
+                </a:solidFill>
+                <a:latin typeface="Consolas" panose="020B0609020204030204" pitchFamily="49" charset="0"/>
+              </a:rPr>
+              <a:t>, </a:t>
+            </a:r>
+            <a:r>
+              <a:rPr lang="pt-BR" sz="1400" b="1" dirty="0" err="1">
+                <a:solidFill>
+                  <a:srgbClr val="7F0055"/>
+                </a:solidFill>
+                <a:latin typeface="Consolas" panose="020B0609020204030204" pitchFamily="49" charset="0"/>
+              </a:rPr>
+              <a:t>double</a:t>
+            </a:r>
+            <a:r>
+              <a:rPr lang="pt-BR" sz="1400" dirty="0">
+                <a:solidFill>
+                  <a:srgbClr val="000000"/>
+                </a:solidFill>
+                <a:latin typeface="Consolas" panose="020B0609020204030204" pitchFamily="49" charset="0"/>
+              </a:rPr>
+              <a:t> </a:t>
+            </a:r>
+            <a:r>
+              <a:rPr lang="pt-BR" sz="1400" dirty="0">
+                <a:solidFill>
+                  <a:srgbClr val="6A3E3E"/>
+                </a:solidFill>
+                <a:latin typeface="Consolas" panose="020B0609020204030204" pitchFamily="49" charset="0"/>
+              </a:rPr>
+              <a:t>b</a:t>
+            </a:r>
+            <a:r>
+              <a:rPr lang="pt-BR" sz="1400" dirty="0">
+                <a:solidFill>
+                  <a:srgbClr val="000000"/>
+                </a:solidFill>
+                <a:latin typeface="Consolas" panose="020B0609020204030204" pitchFamily="49" charset="0"/>
+              </a:rPr>
+              <a:t>) {</a:t>
+            </a:r>
+          </a:p>
+          <a:p>
+            <a:pPr indent="914400">
+              <a:spcBef>
+                <a:spcPts val="150"/>
+              </a:spcBef>
+              <a:spcAft>
+                <a:spcPts val="150"/>
+              </a:spcAft>
+            </a:pPr>
+            <a:r>
+              <a:rPr lang="pt-BR" sz="1400" b="1" dirty="0" err="1">
+                <a:solidFill>
+                  <a:srgbClr val="7F0055"/>
+                </a:solidFill>
+                <a:latin typeface="Consolas" panose="020B0609020204030204" pitchFamily="49" charset="0"/>
+              </a:rPr>
+              <a:t>return</a:t>
+            </a:r>
+            <a:r>
+              <a:rPr lang="pt-BR" sz="1400" dirty="0">
+                <a:solidFill>
+                  <a:srgbClr val="000000"/>
+                </a:solidFill>
+                <a:latin typeface="Consolas" panose="020B0609020204030204" pitchFamily="49" charset="0"/>
+              </a:rPr>
+              <a:t> </a:t>
+            </a:r>
+            <a:r>
+              <a:rPr lang="pt-BR" sz="1400" dirty="0">
+                <a:solidFill>
+                  <a:srgbClr val="6A3E3E"/>
+                </a:solidFill>
+                <a:latin typeface="Consolas" panose="020B0609020204030204" pitchFamily="49" charset="0"/>
+              </a:rPr>
+              <a:t>a</a:t>
+            </a:r>
+            <a:r>
+              <a:rPr lang="pt-BR" sz="1400" dirty="0">
+                <a:solidFill>
+                  <a:srgbClr val="000000"/>
+                </a:solidFill>
+                <a:latin typeface="Consolas" panose="020B0609020204030204" pitchFamily="49" charset="0"/>
+              </a:rPr>
+              <a:t> + </a:t>
+            </a:r>
+            <a:r>
+              <a:rPr lang="pt-BR" sz="1400" dirty="0">
+                <a:solidFill>
+                  <a:srgbClr val="6A3E3E"/>
+                </a:solidFill>
+                <a:latin typeface="Consolas" panose="020B0609020204030204" pitchFamily="49" charset="0"/>
+              </a:rPr>
+              <a:t>b</a:t>
+            </a:r>
+            <a:r>
+              <a:rPr lang="pt-BR" sz="1400" dirty="0">
+                <a:solidFill>
+                  <a:srgbClr val="000000"/>
+                </a:solidFill>
+                <a:latin typeface="Consolas" panose="020B0609020204030204" pitchFamily="49" charset="0"/>
+              </a:rPr>
+              <a:t>;</a:t>
+            </a:r>
+          </a:p>
+          <a:p>
+            <a:pPr indent="457200">
+              <a:spcBef>
+                <a:spcPts val="150"/>
+              </a:spcBef>
+              <a:spcAft>
+                <a:spcPts val="150"/>
+              </a:spcAft>
+            </a:pPr>
+            <a:r>
+              <a:rPr lang="pt-BR" sz="1400" dirty="0">
+                <a:solidFill>
+                  <a:srgbClr val="000000"/>
+                </a:solidFill>
+                <a:latin typeface="Consolas" panose="020B0609020204030204" pitchFamily="49" charset="0"/>
+              </a:rPr>
+              <a:t>}</a:t>
+            </a:r>
+          </a:p>
+          <a:p>
+            <a:pPr indent="457200">
+              <a:spcBef>
+                <a:spcPts val="150"/>
+              </a:spcBef>
+              <a:spcAft>
+                <a:spcPts val="150"/>
+              </a:spcAft>
+            </a:pPr>
+            <a:r>
+              <a:rPr lang="pt-BR" sz="1400" b="1" dirty="0" err="1">
+                <a:solidFill>
+                  <a:srgbClr val="7F0055"/>
+                </a:solidFill>
+                <a:latin typeface="Consolas" panose="020B0609020204030204" pitchFamily="49" charset="0"/>
+              </a:rPr>
+              <a:t>public</a:t>
+            </a:r>
+            <a:r>
+              <a:rPr lang="pt-BR" sz="1400" dirty="0">
+                <a:solidFill>
+                  <a:srgbClr val="000000"/>
+                </a:solidFill>
+                <a:latin typeface="Consolas" panose="020B0609020204030204" pitchFamily="49" charset="0"/>
+              </a:rPr>
+              <a:t> </a:t>
+            </a:r>
+            <a:r>
+              <a:rPr lang="pt-BR" sz="1400" b="1" dirty="0" err="1">
+                <a:solidFill>
+                  <a:srgbClr val="7F0055"/>
+                </a:solidFill>
+                <a:latin typeface="Consolas" panose="020B0609020204030204" pitchFamily="49" charset="0"/>
+              </a:rPr>
+              <a:t>int</a:t>
+            </a:r>
+            <a:r>
+              <a:rPr lang="pt-BR" sz="1400" dirty="0">
+                <a:solidFill>
+                  <a:srgbClr val="000000"/>
+                </a:solidFill>
+                <a:latin typeface="Consolas" panose="020B0609020204030204" pitchFamily="49" charset="0"/>
+              </a:rPr>
+              <a:t> somar(</a:t>
+            </a:r>
+            <a:r>
+              <a:rPr lang="pt-BR" sz="1400" b="1" dirty="0" err="1">
+                <a:solidFill>
+                  <a:srgbClr val="7F0055"/>
+                </a:solidFill>
+                <a:latin typeface="Consolas" panose="020B0609020204030204" pitchFamily="49" charset="0"/>
+              </a:rPr>
+              <a:t>int</a:t>
+            </a:r>
+            <a:r>
+              <a:rPr lang="pt-BR" sz="1400" dirty="0">
+                <a:solidFill>
+                  <a:srgbClr val="000000"/>
+                </a:solidFill>
+                <a:latin typeface="Consolas" panose="020B0609020204030204" pitchFamily="49" charset="0"/>
+              </a:rPr>
+              <a:t> </a:t>
+            </a:r>
+            <a:r>
+              <a:rPr lang="pt-BR" sz="1400" dirty="0">
+                <a:solidFill>
+                  <a:srgbClr val="6A3E3E"/>
+                </a:solidFill>
+                <a:latin typeface="Consolas" panose="020B0609020204030204" pitchFamily="49" charset="0"/>
+              </a:rPr>
+              <a:t>a</a:t>
+            </a:r>
+            <a:r>
+              <a:rPr lang="pt-BR" sz="1400" dirty="0">
+                <a:solidFill>
+                  <a:srgbClr val="000000"/>
+                </a:solidFill>
+                <a:latin typeface="Consolas" panose="020B0609020204030204" pitchFamily="49" charset="0"/>
+              </a:rPr>
+              <a:t>, </a:t>
+            </a:r>
+            <a:r>
+              <a:rPr lang="pt-BR" sz="1400" b="1" dirty="0" err="1">
+                <a:solidFill>
+                  <a:srgbClr val="7F0055"/>
+                </a:solidFill>
+                <a:latin typeface="Consolas" panose="020B0609020204030204" pitchFamily="49" charset="0"/>
+              </a:rPr>
+              <a:t>int</a:t>
+            </a:r>
+            <a:r>
+              <a:rPr lang="pt-BR" sz="1400" dirty="0">
+                <a:solidFill>
+                  <a:srgbClr val="000000"/>
+                </a:solidFill>
+                <a:latin typeface="Consolas" panose="020B0609020204030204" pitchFamily="49" charset="0"/>
+              </a:rPr>
+              <a:t> </a:t>
+            </a:r>
+            <a:r>
+              <a:rPr lang="pt-BR" sz="1400" dirty="0">
+                <a:solidFill>
+                  <a:srgbClr val="6A3E3E"/>
+                </a:solidFill>
+                <a:latin typeface="Consolas" panose="020B0609020204030204" pitchFamily="49" charset="0"/>
+              </a:rPr>
+              <a:t>b</a:t>
+            </a:r>
+            <a:r>
+              <a:rPr lang="pt-BR" sz="1400" dirty="0">
+                <a:solidFill>
+                  <a:srgbClr val="000000"/>
+                </a:solidFill>
+                <a:latin typeface="Consolas" panose="020B0609020204030204" pitchFamily="49" charset="0"/>
+              </a:rPr>
+              <a:t>, </a:t>
+            </a:r>
+            <a:r>
+              <a:rPr lang="pt-BR" sz="1400" b="1" dirty="0" err="1">
+                <a:solidFill>
+                  <a:srgbClr val="7F0055"/>
+                </a:solidFill>
+                <a:latin typeface="Consolas" panose="020B0609020204030204" pitchFamily="49" charset="0"/>
+              </a:rPr>
+              <a:t>int</a:t>
+            </a:r>
+            <a:r>
+              <a:rPr lang="pt-BR" sz="1400" dirty="0">
+                <a:solidFill>
+                  <a:srgbClr val="000000"/>
+                </a:solidFill>
+                <a:latin typeface="Consolas" panose="020B0609020204030204" pitchFamily="49" charset="0"/>
+              </a:rPr>
+              <a:t> </a:t>
+            </a:r>
+            <a:r>
+              <a:rPr lang="pt-BR" sz="1400" dirty="0">
+                <a:solidFill>
+                  <a:srgbClr val="6A3E3E"/>
+                </a:solidFill>
+                <a:latin typeface="Consolas" panose="020B0609020204030204" pitchFamily="49" charset="0"/>
+              </a:rPr>
+              <a:t>c</a:t>
+            </a:r>
+            <a:r>
+              <a:rPr lang="pt-BR" sz="1400" dirty="0">
+                <a:solidFill>
+                  <a:srgbClr val="000000"/>
+                </a:solidFill>
+                <a:latin typeface="Consolas" panose="020B0609020204030204" pitchFamily="49" charset="0"/>
+              </a:rPr>
+              <a:t>) {</a:t>
+            </a:r>
+          </a:p>
+          <a:p>
+            <a:pPr indent="914400">
+              <a:spcBef>
+                <a:spcPts val="150"/>
+              </a:spcBef>
+              <a:spcAft>
+                <a:spcPts val="150"/>
+              </a:spcAft>
+            </a:pPr>
+            <a:r>
+              <a:rPr lang="pt-BR" sz="1400" b="1" dirty="0" err="1">
+                <a:solidFill>
+                  <a:srgbClr val="7F0055"/>
+                </a:solidFill>
+                <a:latin typeface="Consolas" panose="020B0609020204030204" pitchFamily="49" charset="0"/>
+              </a:rPr>
+              <a:t>return</a:t>
+            </a:r>
+            <a:r>
+              <a:rPr lang="pt-BR" sz="1400" dirty="0">
+                <a:solidFill>
+                  <a:srgbClr val="000000"/>
+                </a:solidFill>
+                <a:latin typeface="Consolas" panose="020B0609020204030204" pitchFamily="49" charset="0"/>
+              </a:rPr>
+              <a:t> </a:t>
+            </a:r>
+            <a:r>
+              <a:rPr lang="pt-BR" sz="1400" dirty="0">
+                <a:solidFill>
+                  <a:srgbClr val="6A3E3E"/>
+                </a:solidFill>
+                <a:latin typeface="Consolas" panose="020B0609020204030204" pitchFamily="49" charset="0"/>
+              </a:rPr>
+              <a:t>a</a:t>
+            </a:r>
+            <a:r>
+              <a:rPr lang="pt-BR" sz="1400" dirty="0">
+                <a:solidFill>
+                  <a:srgbClr val="000000"/>
+                </a:solidFill>
+                <a:latin typeface="Consolas" panose="020B0609020204030204" pitchFamily="49" charset="0"/>
+              </a:rPr>
+              <a:t> + </a:t>
+            </a:r>
+            <a:r>
+              <a:rPr lang="pt-BR" sz="1400" dirty="0">
+                <a:solidFill>
+                  <a:srgbClr val="6A3E3E"/>
+                </a:solidFill>
+                <a:latin typeface="Consolas" panose="020B0609020204030204" pitchFamily="49" charset="0"/>
+              </a:rPr>
+              <a:t>b</a:t>
+            </a:r>
+            <a:r>
+              <a:rPr lang="pt-BR" sz="1400" dirty="0">
+                <a:solidFill>
+                  <a:srgbClr val="000000"/>
+                </a:solidFill>
+                <a:latin typeface="Consolas" panose="020B0609020204030204" pitchFamily="49" charset="0"/>
+              </a:rPr>
+              <a:t> + </a:t>
+            </a:r>
+            <a:r>
+              <a:rPr lang="pt-BR" sz="1400" dirty="0">
+                <a:solidFill>
+                  <a:srgbClr val="6A3E3E"/>
+                </a:solidFill>
+                <a:latin typeface="Consolas" panose="020B0609020204030204" pitchFamily="49" charset="0"/>
+              </a:rPr>
+              <a:t>c</a:t>
+            </a:r>
+            <a:r>
+              <a:rPr lang="pt-BR" sz="1400" dirty="0">
+                <a:solidFill>
+                  <a:srgbClr val="000000"/>
+                </a:solidFill>
+                <a:latin typeface="Consolas" panose="020B0609020204030204" pitchFamily="49" charset="0"/>
+              </a:rPr>
+              <a:t>;</a:t>
+            </a:r>
+          </a:p>
+          <a:p>
+            <a:pPr indent="457200">
+              <a:spcBef>
+                <a:spcPts val="150"/>
+              </a:spcBef>
+              <a:spcAft>
+                <a:spcPts val="150"/>
+              </a:spcAft>
+            </a:pPr>
+            <a:r>
+              <a:rPr lang="pt-BR" sz="1400" dirty="0">
+                <a:solidFill>
+                  <a:srgbClr val="000000"/>
+                </a:solidFill>
+                <a:latin typeface="Consolas" panose="020B0609020204030204" pitchFamily="49" charset="0"/>
+              </a:rPr>
+              <a:t>}</a:t>
+            </a:r>
+          </a:p>
+          <a:p>
+            <a:pPr>
+              <a:spcBef>
+                <a:spcPts val="150"/>
+              </a:spcBef>
+              <a:spcAft>
+                <a:spcPts val="150"/>
+              </a:spcAft>
+            </a:pPr>
+            <a:r>
+              <a:rPr lang="pt-BR" sz="1400" dirty="0">
+                <a:solidFill>
+                  <a:srgbClr val="000000"/>
+                </a:solidFill>
+                <a:latin typeface="Consolas" panose="020B0609020204030204" pitchFamily="49" charset="0"/>
+              </a:rPr>
+              <a:t>}</a:t>
+            </a:r>
+          </a:p>
+        </p:txBody>
+      </p:sp>
+      <p:sp>
+        <p:nvSpPr>
+          <p:cNvPr id="5" name="CaixaDeTexto 4">
+            <a:extLst>
+              <a:ext uri="{FF2B5EF4-FFF2-40B4-BE49-F238E27FC236}">
+                <a16:creationId xmlns:a16="http://schemas.microsoft.com/office/drawing/2014/main" id="{84F9EC0C-06FF-4414-87FA-9B60D0B83818}"/>
+              </a:ext>
+            </a:extLst>
+          </p:cNvPr>
+          <p:cNvSpPr txBox="1"/>
+          <p:nvPr/>
+        </p:nvSpPr>
+        <p:spPr>
+          <a:xfrm>
+            <a:off x="1897943" y="2514600"/>
+            <a:ext cx="2607734" cy="369332"/>
+          </a:xfrm>
+          <a:prstGeom prst="rect">
+            <a:avLst/>
+          </a:prstGeom>
+          <a:noFill/>
+        </p:spPr>
+        <p:txBody>
+          <a:bodyPr wrap="square" rtlCol="0">
+            <a:spAutoFit/>
+          </a:bodyPr>
+          <a:lstStyle/>
+          <a:p>
+            <a:pPr algn="ctr"/>
+            <a:r>
+              <a:rPr lang="pt-BR" dirty="0">
+                <a:latin typeface="Times New Roman" panose="02020603050405020304" pitchFamily="18" charset="0"/>
+                <a:cs typeface="Times New Roman" panose="02020603050405020304" pitchFamily="18" charset="0"/>
+              </a:rPr>
+              <a:t>Sobrecarga</a:t>
+            </a:r>
+          </a:p>
+        </p:txBody>
+      </p:sp>
+      <p:sp>
+        <p:nvSpPr>
+          <p:cNvPr id="6" name="Retângulo 5">
+            <a:extLst>
+              <a:ext uri="{FF2B5EF4-FFF2-40B4-BE49-F238E27FC236}">
+                <a16:creationId xmlns:a16="http://schemas.microsoft.com/office/drawing/2014/main" id="{92256B6E-0262-418B-82DC-A9263E124FF3}"/>
+              </a:ext>
+            </a:extLst>
+          </p:cNvPr>
+          <p:cNvSpPr/>
+          <p:nvPr/>
+        </p:nvSpPr>
+        <p:spPr>
+          <a:xfrm>
+            <a:off x="6403622" y="3028407"/>
+            <a:ext cx="4936067" cy="3241913"/>
+          </a:xfrm>
+          <a:prstGeom prst="rect">
+            <a:avLst/>
+          </a:prstGeom>
+        </p:spPr>
+        <p:txBody>
+          <a:bodyPr wrap="square">
+            <a:spAutoFit/>
+          </a:bodyPr>
+          <a:lstStyle/>
+          <a:p>
+            <a:pPr>
+              <a:spcBef>
+                <a:spcPts val="150"/>
+              </a:spcBef>
+              <a:spcAft>
+                <a:spcPts val="150"/>
+              </a:spcAft>
+            </a:pPr>
+            <a:r>
+              <a:rPr lang="pt-BR" sz="1400" b="1" dirty="0" err="1">
+                <a:solidFill>
+                  <a:srgbClr val="7F0055"/>
+                </a:solidFill>
+                <a:latin typeface="Consolas" panose="020B0609020204030204" pitchFamily="49" charset="0"/>
+              </a:rPr>
+              <a:t>class</a:t>
+            </a:r>
+            <a:r>
+              <a:rPr lang="pt-BR" sz="1400" dirty="0">
+                <a:solidFill>
+                  <a:srgbClr val="000000"/>
+                </a:solidFill>
+                <a:latin typeface="Consolas" panose="020B0609020204030204" pitchFamily="49" charset="0"/>
+              </a:rPr>
+              <a:t> Animal {</a:t>
+            </a:r>
+          </a:p>
+          <a:p>
+            <a:pPr indent="457200">
+              <a:spcBef>
+                <a:spcPts val="150"/>
+              </a:spcBef>
+              <a:spcAft>
+                <a:spcPts val="150"/>
+              </a:spcAft>
+            </a:pPr>
+            <a:r>
+              <a:rPr lang="pt-BR" sz="1400" b="1" dirty="0" err="1">
+                <a:solidFill>
+                  <a:srgbClr val="7F0055"/>
+                </a:solidFill>
+                <a:latin typeface="Consolas" panose="020B0609020204030204" pitchFamily="49" charset="0"/>
+              </a:rPr>
+              <a:t>public</a:t>
+            </a:r>
+            <a:r>
+              <a:rPr lang="pt-BR" sz="1400" dirty="0">
+                <a:solidFill>
+                  <a:srgbClr val="000000"/>
+                </a:solidFill>
+                <a:latin typeface="Consolas" panose="020B0609020204030204" pitchFamily="49" charset="0"/>
+              </a:rPr>
+              <a:t> </a:t>
+            </a:r>
+            <a:r>
+              <a:rPr lang="pt-BR" sz="1400" b="1" dirty="0" err="1">
+                <a:solidFill>
+                  <a:srgbClr val="7F0055"/>
+                </a:solidFill>
+                <a:latin typeface="Consolas" panose="020B0609020204030204" pitchFamily="49" charset="0"/>
+              </a:rPr>
+              <a:t>void</a:t>
+            </a:r>
+            <a:r>
+              <a:rPr lang="pt-BR" sz="1400" dirty="0">
+                <a:solidFill>
+                  <a:srgbClr val="000000"/>
+                </a:solidFill>
+                <a:latin typeface="Consolas" panose="020B0609020204030204" pitchFamily="49" charset="0"/>
+              </a:rPr>
+              <a:t> </a:t>
+            </a:r>
+            <a:r>
+              <a:rPr lang="pt-BR" sz="1400" dirty="0" err="1">
+                <a:solidFill>
+                  <a:srgbClr val="000000"/>
+                </a:solidFill>
+                <a:latin typeface="Consolas" panose="020B0609020204030204" pitchFamily="49" charset="0"/>
+              </a:rPr>
+              <a:t>emitirSom</a:t>
+            </a:r>
+            <a:r>
+              <a:rPr lang="pt-BR" sz="1400" dirty="0">
+                <a:solidFill>
+                  <a:srgbClr val="000000"/>
+                </a:solidFill>
+                <a:latin typeface="Consolas" panose="020B0609020204030204" pitchFamily="49" charset="0"/>
+              </a:rPr>
+              <a:t>() {</a:t>
+            </a:r>
+          </a:p>
+          <a:p>
+            <a:pPr indent="914400">
+              <a:spcBef>
+                <a:spcPts val="150"/>
+              </a:spcBef>
+              <a:spcAft>
+                <a:spcPts val="150"/>
+              </a:spcAft>
+            </a:pPr>
+            <a:r>
+              <a:rPr lang="pt-BR" sz="1400" dirty="0" err="1">
+                <a:solidFill>
+                  <a:srgbClr val="000000"/>
+                </a:solidFill>
+                <a:latin typeface="Consolas" panose="020B0609020204030204" pitchFamily="49" charset="0"/>
+              </a:rPr>
+              <a:t>System.</a:t>
+            </a:r>
+            <a:r>
+              <a:rPr lang="pt-BR" sz="1400" b="1" i="1" dirty="0" err="1">
+                <a:solidFill>
+                  <a:srgbClr val="0000C0"/>
+                </a:solidFill>
+                <a:latin typeface="Consolas" panose="020B0609020204030204" pitchFamily="49" charset="0"/>
+              </a:rPr>
+              <a:t>out</a:t>
+            </a:r>
+            <a:r>
+              <a:rPr lang="pt-BR" sz="1400" dirty="0" err="1">
+                <a:solidFill>
+                  <a:srgbClr val="000000"/>
+                </a:solidFill>
+                <a:latin typeface="Consolas" panose="020B0609020204030204" pitchFamily="49" charset="0"/>
+              </a:rPr>
+              <a:t>.println</a:t>
+            </a:r>
+            <a:r>
+              <a:rPr lang="pt-BR" sz="1400" dirty="0">
+                <a:solidFill>
+                  <a:srgbClr val="000000"/>
+                </a:solidFill>
+                <a:latin typeface="Consolas" panose="020B0609020204030204" pitchFamily="49" charset="0"/>
+              </a:rPr>
+              <a:t>(</a:t>
+            </a:r>
+            <a:r>
+              <a:rPr lang="pt-BR" sz="1400" dirty="0">
+                <a:solidFill>
+                  <a:srgbClr val="2A00FF"/>
+                </a:solidFill>
+                <a:latin typeface="Consolas" panose="020B0609020204030204" pitchFamily="49" charset="0"/>
+              </a:rPr>
+              <a:t>"Animal faz som"</a:t>
+            </a:r>
+            <a:r>
+              <a:rPr lang="pt-BR" sz="1400" dirty="0">
+                <a:solidFill>
+                  <a:srgbClr val="000000"/>
+                </a:solidFill>
+                <a:latin typeface="Consolas" panose="020B0609020204030204" pitchFamily="49" charset="0"/>
+              </a:rPr>
+              <a:t>);</a:t>
+            </a:r>
+          </a:p>
+          <a:p>
+            <a:pPr indent="457200">
+              <a:spcBef>
+                <a:spcPts val="150"/>
+              </a:spcBef>
+              <a:spcAft>
+                <a:spcPts val="150"/>
+              </a:spcAft>
+            </a:pPr>
+            <a:r>
+              <a:rPr lang="pt-BR" sz="1400" dirty="0">
+                <a:solidFill>
+                  <a:srgbClr val="000000"/>
+                </a:solidFill>
+                <a:latin typeface="Consolas" panose="020B0609020204030204" pitchFamily="49" charset="0"/>
+              </a:rPr>
+              <a:t>}</a:t>
+            </a:r>
+          </a:p>
+          <a:p>
+            <a:pPr>
+              <a:spcBef>
+                <a:spcPts val="150"/>
+              </a:spcBef>
+              <a:spcAft>
+                <a:spcPts val="150"/>
+              </a:spcAft>
+            </a:pPr>
+            <a:r>
+              <a:rPr lang="pt-BR" sz="1400" dirty="0">
+                <a:solidFill>
+                  <a:srgbClr val="000000"/>
+                </a:solidFill>
+                <a:latin typeface="Consolas" panose="020B0609020204030204" pitchFamily="49" charset="0"/>
+              </a:rPr>
+              <a:t>}</a:t>
+            </a:r>
+          </a:p>
+          <a:p>
+            <a:pPr>
+              <a:spcBef>
+                <a:spcPts val="150"/>
+              </a:spcBef>
+              <a:spcAft>
+                <a:spcPts val="150"/>
+              </a:spcAft>
+            </a:pPr>
+            <a:endParaRPr lang="pt-BR" sz="1400" dirty="0">
+              <a:solidFill>
+                <a:srgbClr val="000000"/>
+              </a:solidFill>
+              <a:latin typeface="Consolas" panose="020B0609020204030204" pitchFamily="49" charset="0"/>
+            </a:endParaRPr>
+          </a:p>
+          <a:p>
+            <a:pPr>
+              <a:spcBef>
+                <a:spcPts val="150"/>
+              </a:spcBef>
+              <a:spcAft>
+                <a:spcPts val="150"/>
+              </a:spcAft>
+            </a:pPr>
+            <a:r>
+              <a:rPr lang="pt-BR" sz="1400" b="1" dirty="0" err="1">
+                <a:solidFill>
+                  <a:srgbClr val="7F0055"/>
+                </a:solidFill>
+                <a:latin typeface="Consolas" panose="020B0609020204030204" pitchFamily="49" charset="0"/>
+              </a:rPr>
+              <a:t>class</a:t>
+            </a:r>
+            <a:r>
+              <a:rPr lang="pt-BR" sz="1400" dirty="0">
+                <a:solidFill>
+                  <a:srgbClr val="000000"/>
+                </a:solidFill>
+                <a:latin typeface="Consolas" panose="020B0609020204030204" pitchFamily="49" charset="0"/>
+              </a:rPr>
+              <a:t> Gato </a:t>
+            </a:r>
+            <a:r>
+              <a:rPr lang="pt-BR" sz="1400" b="1" dirty="0" err="1">
+                <a:solidFill>
+                  <a:srgbClr val="7F0055"/>
+                </a:solidFill>
+                <a:latin typeface="Consolas" panose="020B0609020204030204" pitchFamily="49" charset="0"/>
+              </a:rPr>
+              <a:t>extends</a:t>
+            </a:r>
+            <a:r>
+              <a:rPr lang="pt-BR" sz="1400" dirty="0">
+                <a:solidFill>
+                  <a:srgbClr val="000000"/>
+                </a:solidFill>
+                <a:latin typeface="Consolas" panose="020B0609020204030204" pitchFamily="49" charset="0"/>
+              </a:rPr>
+              <a:t> Animal {</a:t>
+            </a:r>
+          </a:p>
+          <a:p>
+            <a:pPr indent="457200">
+              <a:spcBef>
+                <a:spcPts val="150"/>
+              </a:spcBef>
+              <a:spcAft>
+                <a:spcPts val="150"/>
+              </a:spcAft>
+            </a:pPr>
+            <a:r>
+              <a:rPr lang="pt-BR" sz="1400" dirty="0">
+                <a:solidFill>
+                  <a:srgbClr val="646464"/>
+                </a:solidFill>
+                <a:latin typeface="Consolas" panose="020B0609020204030204" pitchFamily="49" charset="0"/>
+              </a:rPr>
+              <a:t>@</a:t>
+            </a:r>
+            <a:r>
+              <a:rPr lang="pt-BR" sz="1400" dirty="0" err="1">
+                <a:solidFill>
+                  <a:srgbClr val="646464"/>
+                </a:solidFill>
+                <a:latin typeface="Consolas" panose="020B0609020204030204" pitchFamily="49" charset="0"/>
+              </a:rPr>
+              <a:t>Override</a:t>
+            </a:r>
+            <a:endParaRPr lang="pt-BR" sz="1400" dirty="0">
+              <a:solidFill>
+                <a:srgbClr val="000000"/>
+              </a:solidFill>
+              <a:latin typeface="Consolas" panose="020B0609020204030204" pitchFamily="49" charset="0"/>
+            </a:endParaRPr>
+          </a:p>
+          <a:p>
+            <a:pPr indent="457200">
+              <a:spcBef>
+                <a:spcPts val="150"/>
+              </a:spcBef>
+              <a:spcAft>
+                <a:spcPts val="150"/>
+              </a:spcAft>
+            </a:pPr>
+            <a:r>
+              <a:rPr lang="pt-BR" sz="1400" b="1" dirty="0" err="1">
+                <a:solidFill>
+                  <a:srgbClr val="7F0055"/>
+                </a:solidFill>
+                <a:latin typeface="Consolas" panose="020B0609020204030204" pitchFamily="49" charset="0"/>
+              </a:rPr>
+              <a:t>public</a:t>
+            </a:r>
+            <a:r>
+              <a:rPr lang="pt-BR" sz="1400" dirty="0">
+                <a:solidFill>
+                  <a:srgbClr val="000000"/>
+                </a:solidFill>
+                <a:latin typeface="Consolas" panose="020B0609020204030204" pitchFamily="49" charset="0"/>
+              </a:rPr>
+              <a:t> </a:t>
+            </a:r>
+            <a:r>
+              <a:rPr lang="pt-BR" sz="1400" b="1" dirty="0" err="1">
+                <a:solidFill>
+                  <a:srgbClr val="7F0055"/>
+                </a:solidFill>
+                <a:latin typeface="Consolas" panose="020B0609020204030204" pitchFamily="49" charset="0"/>
+              </a:rPr>
+              <a:t>void</a:t>
+            </a:r>
+            <a:r>
+              <a:rPr lang="pt-BR" sz="1400" dirty="0">
+                <a:solidFill>
+                  <a:srgbClr val="000000"/>
+                </a:solidFill>
+                <a:latin typeface="Consolas" panose="020B0609020204030204" pitchFamily="49" charset="0"/>
+              </a:rPr>
+              <a:t> </a:t>
+            </a:r>
+            <a:r>
+              <a:rPr lang="pt-BR" sz="1400" dirty="0" err="1">
+                <a:solidFill>
+                  <a:srgbClr val="000000"/>
+                </a:solidFill>
+                <a:latin typeface="Consolas" panose="020B0609020204030204" pitchFamily="49" charset="0"/>
+              </a:rPr>
+              <a:t>emitirSom</a:t>
+            </a:r>
+            <a:r>
+              <a:rPr lang="pt-BR" sz="1400" dirty="0">
+                <a:solidFill>
+                  <a:srgbClr val="000000"/>
+                </a:solidFill>
+                <a:latin typeface="Consolas" panose="020B0609020204030204" pitchFamily="49" charset="0"/>
+              </a:rPr>
+              <a:t>() {</a:t>
+            </a:r>
+          </a:p>
+          <a:p>
+            <a:pPr indent="914400">
+              <a:spcBef>
+                <a:spcPts val="150"/>
+              </a:spcBef>
+              <a:spcAft>
+                <a:spcPts val="150"/>
+              </a:spcAft>
+            </a:pPr>
+            <a:r>
+              <a:rPr lang="pt-BR" sz="1400" dirty="0" err="1">
+                <a:solidFill>
+                  <a:srgbClr val="000000"/>
+                </a:solidFill>
+                <a:latin typeface="Consolas" panose="020B0609020204030204" pitchFamily="49" charset="0"/>
+              </a:rPr>
+              <a:t>System.</a:t>
+            </a:r>
+            <a:r>
+              <a:rPr lang="pt-BR" sz="1400" b="1" i="1" dirty="0" err="1">
+                <a:solidFill>
+                  <a:srgbClr val="0000C0"/>
+                </a:solidFill>
+                <a:latin typeface="Consolas" panose="020B0609020204030204" pitchFamily="49" charset="0"/>
+              </a:rPr>
+              <a:t>out</a:t>
+            </a:r>
+            <a:r>
+              <a:rPr lang="pt-BR" sz="1400" dirty="0" err="1">
+                <a:solidFill>
+                  <a:srgbClr val="000000"/>
+                </a:solidFill>
+                <a:latin typeface="Consolas" panose="020B0609020204030204" pitchFamily="49" charset="0"/>
+              </a:rPr>
+              <a:t>.println</a:t>
+            </a:r>
+            <a:r>
+              <a:rPr lang="pt-BR" sz="1400" dirty="0">
+                <a:solidFill>
+                  <a:srgbClr val="000000"/>
+                </a:solidFill>
+                <a:latin typeface="Consolas" panose="020B0609020204030204" pitchFamily="49" charset="0"/>
+              </a:rPr>
+              <a:t>(</a:t>
+            </a:r>
+            <a:r>
+              <a:rPr lang="pt-BR" sz="1400" dirty="0">
+                <a:solidFill>
+                  <a:srgbClr val="2A00FF"/>
+                </a:solidFill>
+                <a:latin typeface="Consolas" panose="020B0609020204030204" pitchFamily="49" charset="0"/>
+              </a:rPr>
+              <a:t>"Gato mia"</a:t>
+            </a:r>
+            <a:r>
+              <a:rPr lang="pt-BR" sz="1400" dirty="0">
+                <a:solidFill>
+                  <a:srgbClr val="000000"/>
+                </a:solidFill>
+                <a:latin typeface="Consolas" panose="020B0609020204030204" pitchFamily="49" charset="0"/>
+              </a:rPr>
+              <a:t>);</a:t>
+            </a:r>
+          </a:p>
+          <a:p>
+            <a:pPr indent="457200">
+              <a:spcBef>
+                <a:spcPts val="150"/>
+              </a:spcBef>
+              <a:spcAft>
+                <a:spcPts val="150"/>
+              </a:spcAft>
+            </a:pPr>
+            <a:r>
+              <a:rPr lang="pt-BR" sz="1400" dirty="0">
+                <a:solidFill>
+                  <a:srgbClr val="000000"/>
+                </a:solidFill>
+                <a:latin typeface="Consolas" panose="020B0609020204030204" pitchFamily="49" charset="0"/>
+              </a:rPr>
+              <a:t>}</a:t>
+            </a:r>
+          </a:p>
+          <a:p>
+            <a:pPr>
+              <a:spcBef>
+                <a:spcPts val="150"/>
+              </a:spcBef>
+              <a:spcAft>
+                <a:spcPts val="150"/>
+              </a:spcAft>
+            </a:pPr>
+            <a:r>
+              <a:rPr lang="pt-BR" sz="1400" dirty="0">
+                <a:solidFill>
+                  <a:srgbClr val="000000"/>
+                </a:solidFill>
+                <a:latin typeface="Consolas" panose="020B0609020204030204" pitchFamily="49" charset="0"/>
+              </a:rPr>
+              <a:t>}</a:t>
+            </a:r>
+          </a:p>
+        </p:txBody>
+      </p:sp>
+      <p:sp>
+        <p:nvSpPr>
+          <p:cNvPr id="7" name="CaixaDeTexto 6">
+            <a:extLst>
+              <a:ext uri="{FF2B5EF4-FFF2-40B4-BE49-F238E27FC236}">
+                <a16:creationId xmlns:a16="http://schemas.microsoft.com/office/drawing/2014/main" id="{EB5AEC25-BA37-441D-87EC-8DE38AED57BF}"/>
+              </a:ext>
+            </a:extLst>
+          </p:cNvPr>
+          <p:cNvSpPr txBox="1"/>
+          <p:nvPr/>
+        </p:nvSpPr>
+        <p:spPr>
+          <a:xfrm>
+            <a:off x="7567788" y="2514600"/>
+            <a:ext cx="2607734" cy="369332"/>
+          </a:xfrm>
+          <a:prstGeom prst="rect">
+            <a:avLst/>
+          </a:prstGeom>
+          <a:noFill/>
+        </p:spPr>
+        <p:txBody>
+          <a:bodyPr wrap="square" rtlCol="0">
+            <a:spAutoFit/>
+          </a:bodyPr>
+          <a:lstStyle/>
+          <a:p>
+            <a:pPr algn="ctr"/>
+            <a:r>
+              <a:rPr lang="pt-BR" dirty="0">
+                <a:latin typeface="Times New Roman" panose="02020603050405020304" pitchFamily="18" charset="0"/>
+                <a:cs typeface="Times New Roman" panose="02020603050405020304" pitchFamily="18" charset="0"/>
+              </a:rPr>
+              <a:t>Sobrescrita</a:t>
+            </a:r>
+          </a:p>
+        </p:txBody>
+      </p:sp>
+    </p:spTree>
+    <p:extLst>
+      <p:ext uri="{BB962C8B-B14F-4D97-AF65-F5344CB8AC3E}">
+        <p14:creationId xmlns:p14="http://schemas.microsoft.com/office/powerpoint/2010/main" val="2967410373"/>
+      </p:ext>
+    </p:extLst>
+  </p:cSld>
+  <p:clrMapOvr>
+    <a:masterClrMapping/>
+  </p:clrMapOvr>
+</p:sld>
+</file>
+
+<file path=ppt/slides/slide9.xml><?xml version="1.0" encoding="utf-8"?>
+<p:sld xmlns:a="http://schemas.openxmlformats.org/drawingml/2006/main" xmlns:r="http://schemas.openxmlformats.org/officeDocument/2006/relationships" xmlns:p="http://schemas.openxmlformats.org/presentationml/2006/main">
+  <p:cSld>
+    <p:spTree>
+      <p:nvGrpSpPr>
+        <p:cNvPr id="1" name=""/>
+        <p:cNvGrpSpPr/>
+        <p:nvPr/>
+      </p:nvGrpSpPr>
+      <p:grpSpPr>
+        <a:xfrm>
+          <a:off x="0" y="0"/>
+          <a:ext cx="0" cy="0"/>
+          <a:chOff x="0" y="0"/>
+          <a:chExt cx="0" cy="0"/>
+        </a:xfrm>
+      </p:grpSpPr>
+      <p:sp>
+        <p:nvSpPr>
+          <p:cNvPr id="2" name="Título 1">
+            <a:extLst>
+              <a:ext uri="{FF2B5EF4-FFF2-40B4-BE49-F238E27FC236}">
+                <a16:creationId xmlns:a16="http://schemas.microsoft.com/office/drawing/2014/main" id="{98F55CF7-7DD5-478F-8B89-574E79ED855F}"/>
+              </a:ext>
+            </a:extLst>
+          </p:cNvPr>
+          <p:cNvSpPr>
+            <a:spLocks noGrp="1"/>
+          </p:cNvSpPr>
+          <p:nvPr>
+            <p:ph type="title"/>
+          </p:nvPr>
+        </p:nvSpPr>
+        <p:spPr/>
+        <p:txBody>
+          <a:bodyPr/>
+          <a:lstStyle/>
+          <a:p>
+            <a:r>
+              <a:rPr lang="pt-BR" dirty="0"/>
+              <a:t>Projeto: Sistema para Locadora de Veículos</a:t>
             </a:r>
           </a:p>
         </p:txBody>
@@ -6452,7 +8176,7 @@
           <p:cNvPr id="3" name="Espaço Reservado para Conteúdo 2">
             <a:extLst>
               <a:ext uri="{FF2B5EF4-FFF2-40B4-BE49-F238E27FC236}">
-                <a16:creationId xmlns:a16="http://schemas.microsoft.com/office/drawing/2014/main" id="{547D5D5B-75C7-40E5-8D93-33F407E6B3E4}"/>
+                <a16:creationId xmlns:a16="http://schemas.microsoft.com/office/drawing/2014/main" id="{EA887720-5C48-4CFE-9800-78B1959096A9}"/>
               </a:ext>
             </a:extLst>
           </p:cNvPr>
@@ -6463,271 +8187,42 @@
             <p:ph idx="1"/>
           </p:nvPr>
         </p:nvSpPr>
-        <p:spPr>
-          <a:xfrm>
-            <a:off x="592347" y="1844675"/>
-            <a:ext cx="11007306" cy="4756422"/>
-          </a:xfrm>
-        </p:spPr>
+        <p:spPr/>
         <p:txBody>
           <a:bodyPr/>
           <a:lstStyle/>
           <a:p>
-            <a:pPr>
-              <a:lnSpc>
-                <a:spcPct val="100000"/>
-              </a:lnSpc>
-              <a:spcBef>
-                <a:spcPts val="500"/>
-              </a:spcBef>
-              <a:spcAft>
-                <a:spcPts val="500"/>
-              </a:spcAft>
-            </a:pPr>
             <a:r>
               <a:rPr lang="pt-BR" dirty="0"/>
-              <a:t>Classes e Interfaces</a:t>
-            </a:r>
-          </a:p>
-          <a:p>
-            <a:pPr marL="1028700" lvl="1" indent="-342900">
-              <a:lnSpc>
-                <a:spcPct val="100000"/>
-              </a:lnSpc>
-              <a:spcAft>
-                <a:spcPts val="500"/>
-              </a:spcAft>
-            </a:pPr>
+              <a:t>O projeto consiste em um sistema que gerencia os veículos disponíveis para aluguel em uma locadora. Cada veículo pode ter características específicas, como tipo (carro, moto ou caminhão), capacidade de passageiros, valor da diária, entre outros. O sistema deve permitir:</a:t>
+            </a:r>
+          </a:p>
+          <a:p>
+            <a:pPr marL="1028700" lvl="1" indent="-342900"/>
             <a:r>
               <a:rPr lang="pt-BR" dirty="0"/>
-              <a:t>Interface → </a:t>
-            </a:r>
-            <a:r>
-              <a:rPr lang="pt-BR" dirty="0" err="1"/>
-              <a:t>Alugavel</a:t>
-            </a:r>
+              <a:t>Cadastro de diferentes tipos de veículos</a:t>
+            </a:r>
+          </a:p>
+          <a:p>
+            <a:pPr marL="1028700" lvl="1" indent="-342900"/>
             <a:r>
               <a:rPr lang="pt-BR" dirty="0"/>
-              <a:t> </a:t>
-            </a:r>
-          </a:p>
-          <a:p>
-            <a:pPr marL="1485900" lvl="2" indent="-342900">
-              <a:lnSpc>
-                <a:spcPct val="100000"/>
-              </a:lnSpc>
-              <a:spcAft>
-                <a:spcPts val="500"/>
-              </a:spcAft>
-            </a:pPr>
+              <a:t>Cálculo automático do valor do aluguel com base no tipo do veículo e na quantidade de dias</a:t>
+            </a:r>
+          </a:p>
+          <a:p>
+            <a:pPr marL="1028700" lvl="1" indent="-342900"/>
             <a:r>
               <a:rPr lang="pt-BR" dirty="0"/>
-              <a:t>Método </a:t>
-            </a:r>
-            <a:r>
-              <a:rPr lang="pt-BR" dirty="0" err="1"/>
-              <a:t>calcularAluguel</a:t>
-            </a:r>
+              <a:t>Aplicação de taxas adicionais específicas por tipo de veículo</a:t>
+            </a:r>
+          </a:p>
+          <a:p>
+            <a:pPr marL="1028700" lvl="1" indent="-342900"/>
             <a:r>
               <a:rPr lang="pt-BR" dirty="0"/>
-              <a:t>(int dias) que calcula o valor total do aluguel com base na diária.</a:t>
-            </a:r>
-          </a:p>
-          <a:p>
-            <a:pPr marL="1028700" lvl="1" indent="-342900">
-              <a:lnSpc>
-                <a:spcPct val="100000"/>
-              </a:lnSpc>
-              <a:spcAft>
-                <a:spcPts val="500"/>
-              </a:spcAft>
-            </a:pPr>
-            <a:r>
-              <a:rPr lang="pt-BR" dirty="0"/>
-              <a:t>Classe Pai → Veiculo</a:t>
-            </a:r>
-          </a:p>
-          <a:p>
-            <a:pPr marL="1485900" lvl="2" indent="-342900">
-              <a:lnSpc>
-                <a:spcPct val="100000"/>
-              </a:lnSpc>
-              <a:spcAft>
-                <a:spcPts val="500"/>
-              </a:spcAft>
-            </a:pPr>
-            <a:r>
-              <a:rPr lang="pt-BR" dirty="0"/>
-              <a:t>Atributos encapsulados: marca, modelo, ano, </a:t>
-            </a:r>
-            <a:r>
-              <a:rPr lang="pt-BR" dirty="0" err="1"/>
-              <a:t>valorDiaria</a:t>
-            </a:r>
-            <a:r>
-              <a:rPr lang="pt-BR" dirty="0"/>
-              <a:t>.</a:t>
-            </a:r>
-          </a:p>
-          <a:p>
-            <a:pPr marL="1485900" lvl="2" indent="-342900">
-              <a:lnSpc>
-                <a:spcPct val="100000"/>
-              </a:lnSpc>
-              <a:spcAft>
-                <a:spcPts val="500"/>
-              </a:spcAft>
-            </a:pPr>
-            <a:r>
-              <a:rPr lang="pt-BR" dirty="0"/>
-              <a:t>Métodos </a:t>
-            </a:r>
-            <a:r>
-              <a:rPr lang="pt-BR" dirty="0" err="1"/>
-              <a:t>get</a:t>
-            </a:r>
-            <a:r>
-              <a:rPr lang="pt-BR" dirty="0"/>
-              <a:t> e set para proteger os dados (encapsulamento).</a:t>
-            </a:r>
-          </a:p>
-          <a:p>
-            <a:pPr marL="1485900" lvl="2" indent="-342900">
-              <a:lnSpc>
-                <a:spcPct val="100000"/>
-              </a:lnSpc>
-              <a:spcAft>
-                <a:spcPts val="500"/>
-              </a:spcAft>
-            </a:pPr>
-            <a:r>
-              <a:rPr lang="pt-BR" dirty="0"/>
-              <a:t>Método </a:t>
-            </a:r>
-            <a:r>
-              <a:rPr lang="pt-BR" dirty="0" err="1"/>
-              <a:t>toString</a:t>
-            </a:r>
-            <a:r>
-              <a:rPr lang="pt-BR" dirty="0"/>
-              <a:t>() para exibir informações específicas do veículo.</a:t>
-            </a:r>
-          </a:p>
-          <a:p>
-            <a:pPr marL="1028700" lvl="1" indent="-342900">
-              <a:lnSpc>
-                <a:spcPct val="100000"/>
-              </a:lnSpc>
-              <a:spcAft>
-                <a:spcPts val="500"/>
-              </a:spcAft>
-            </a:pPr>
-            <a:r>
-              <a:rPr lang="pt-BR" dirty="0"/>
-              <a:t>Classes Filhas (herdam de Veiculo e implementam </a:t>
-            </a:r>
-            <a:r>
-              <a:rPr lang="pt-BR" dirty="0" err="1"/>
-              <a:t>Alugavel</a:t>
-            </a:r>
-            <a:r>
-              <a:rPr lang="pt-BR" dirty="0"/>
-              <a:t>)</a:t>
-            </a:r>
-          </a:p>
-          <a:p>
-            <a:pPr marL="1485900" lvl="2" indent="-342900">
-              <a:lnSpc>
-                <a:spcPct val="100000"/>
-              </a:lnSpc>
-              <a:spcAft>
-                <a:spcPts val="500"/>
-              </a:spcAft>
-            </a:pPr>
-            <a:r>
-              <a:rPr lang="pt-BR" dirty="0"/>
-              <a:t>Carro → Possui atributo adicional </a:t>
-            </a:r>
-            <a:r>
-              <a:rPr lang="pt-BR" dirty="0" err="1"/>
-              <a:t>arCondicionado</a:t>
-            </a:r>
-            <a:r>
-              <a:rPr lang="pt-BR" dirty="0"/>
-              <a:t> e uma taxa extra no aluguel.</a:t>
-            </a:r>
-          </a:p>
-          <a:p>
-            <a:pPr marL="1485900" lvl="2" indent="-342900">
-              <a:lnSpc>
-                <a:spcPct val="100000"/>
-              </a:lnSpc>
-              <a:spcAft>
-                <a:spcPts val="500"/>
-              </a:spcAft>
-            </a:pPr>
-            <a:r>
-              <a:rPr lang="pt-BR" dirty="0"/>
-              <a:t>Moto → Possui atributo adicional cilindrada.</a:t>
-            </a:r>
-          </a:p>
-          <a:p>
-            <a:pPr marL="1485900" lvl="2" indent="-342900">
-              <a:lnSpc>
-                <a:spcPct val="100000"/>
-              </a:lnSpc>
-              <a:spcAft>
-                <a:spcPts val="500"/>
-              </a:spcAft>
-            </a:pPr>
-            <a:r>
-              <a:rPr lang="pt-BR" dirty="0" err="1"/>
-              <a:t>Caminhao</a:t>
-            </a:r>
-            <a:r>
-              <a:rPr lang="pt-BR" dirty="0"/>
-              <a:t> → Possui atributo adicional </a:t>
-            </a:r>
-            <a:r>
-              <a:rPr lang="pt-BR" dirty="0" err="1"/>
-              <a:t>capacidadeCarga</a:t>
-            </a:r>
-            <a:r>
-              <a:rPr lang="pt-BR" dirty="0"/>
-              <a:t>.</a:t>
-            </a:r>
-          </a:p>
-          <a:p>
-            <a:pPr marL="1028700" lvl="1" indent="-342900">
-              <a:lnSpc>
-                <a:spcPct val="100000"/>
-              </a:lnSpc>
-              <a:spcAft>
-                <a:spcPts val="500"/>
-              </a:spcAft>
-            </a:pPr>
-            <a:r>
-              <a:rPr lang="pt-BR" dirty="0"/>
-              <a:t>Classe Principal → </a:t>
-            </a:r>
-            <a:r>
-              <a:rPr lang="pt-BR" dirty="0" err="1"/>
-              <a:t>SistemaLocadora</a:t>
-            </a:r>
-            <a:endParaRPr lang="pt-BR" dirty="0"/>
-          </a:p>
-          <a:p>
-            <a:pPr marL="1485900" lvl="2" indent="-342900">
-              <a:lnSpc>
-                <a:spcPct val="100000"/>
-              </a:lnSpc>
-              <a:spcAft>
-                <a:spcPts val="500"/>
-              </a:spcAft>
-            </a:pPr>
-            <a:r>
-              <a:rPr lang="pt-BR" dirty="0"/>
-              <a:t>Permite o cadastro e exibição de veículos utilizando polimorfismo.</a:t>
+              <a:t>Exibição de detalhes dos veículos cadastrados</a:t>
             </a:r>
           </a:p>
         </p:txBody>
@@ -6735,7 +8230,7 @@
     </p:spTree>
     <p:extLst>
       <p:ext uri="{BB962C8B-B14F-4D97-AF65-F5344CB8AC3E}">
-        <p14:creationId xmlns:p14="http://schemas.microsoft.com/office/powerpoint/2010/main" val="1326607378"/>
+        <p14:creationId xmlns:p14="http://schemas.microsoft.com/office/powerpoint/2010/main" val="294714244"/>
       </p:ext>
     </p:extLst>
   </p:cSld>
